--- a/EC 1309- Measurement & Instrumentation/IR based motion sensor (Case Study).pptx
+++ b/EC 1309- Measurement & Instrumentation/IR based motion sensor (Case Study).pptx
@@ -1,62 +1,69 @@
 
 <file path=ppt/presentation.xml><?xml version="1.0" encoding="utf-8"?>
-<p:presentation xmlns:a="http://schemas.openxmlformats.org/drawingml/2006/main" xmlns:r="http://schemas.openxmlformats.org/officeDocument/2006/relationships" xmlns:mc="http://schemas.openxmlformats.org/markup-compatibility/2006" xmlns:mv="urn:schemas-microsoft-com:mac:vml" xmlns:p="http://schemas.openxmlformats.org/presentationml/2006/main" xmlns:c="http://schemas.openxmlformats.org/drawingml/2006/chart" xmlns:dgm="http://schemas.openxmlformats.org/drawingml/2006/diagram" xmlns:o="urn:schemas-microsoft-com:office:office" xmlns:v="urn:schemas-microsoft-com:vml" xmlns:pvml="urn:schemas-microsoft-com:office:powerpoint" xmlns:com="http://schemas.openxmlformats.org/drawingml/2006/compatibility" xmlns:p14="http://schemas.microsoft.com/office/powerpoint/2010/main" xmlns:p15="http://schemas.microsoft.com/office/powerpoint/2012/main" autoCompressPictures="0" embedTrueTypeFonts="1" strictFirstAndLastChars="0" saveSubsetFonts="1">
+<p:presentation xmlns:a="http://schemas.openxmlformats.org/drawingml/2006/main" xmlns:r="http://schemas.openxmlformats.org/officeDocument/2006/relationships" xmlns:p="http://schemas.openxmlformats.org/presentationml/2006/main" strictFirstAndLastChars="0" embedTrueTypeFonts="1" saveSubsetFonts="1" autoCompressPictures="0">
   <p:sldMasterIdLst>
-    <p:sldMasterId id="2147483659" r:id="rId4"/>
+    <p:sldMasterId id="2147483659" r:id="rId1"/>
   </p:sldMasterIdLst>
   <p:notesMasterIdLst>
-    <p:notesMasterId r:id="rId5"/>
+    <p:notesMasterId r:id="rId18"/>
   </p:notesMasterIdLst>
   <p:sldIdLst>
-    <p:sldId id="256" r:id="rId6"/>
-    <p:sldId id="257" r:id="rId7"/>
-    <p:sldId id="258" r:id="rId8"/>
-    <p:sldId id="259" r:id="rId9"/>
-    <p:sldId id="260" r:id="rId10"/>
-    <p:sldId id="261" r:id="rId11"/>
-    <p:sldId id="262" r:id="rId12"/>
-    <p:sldId id="263" r:id="rId13"/>
-    <p:sldId id="264" r:id="rId14"/>
-    <p:sldId id="265" r:id="rId15"/>
-    <p:sldId id="266" r:id="rId16"/>
-    <p:sldId id="267" r:id="rId17"/>
-    <p:sldId id="268" r:id="rId18"/>
-    <p:sldId id="269" r:id="rId19"/>
-    <p:sldId id="270" r:id="rId20"/>
-    <p:sldId id="271" r:id="rId21"/>
+    <p:sldId id="256" r:id="rId2"/>
+    <p:sldId id="257" r:id="rId3"/>
+    <p:sldId id="258" r:id="rId4"/>
+    <p:sldId id="259" r:id="rId5"/>
+    <p:sldId id="260" r:id="rId6"/>
+    <p:sldId id="261" r:id="rId7"/>
+    <p:sldId id="262" r:id="rId8"/>
+    <p:sldId id="263" r:id="rId9"/>
+    <p:sldId id="264" r:id="rId10"/>
+    <p:sldId id="265" r:id="rId11"/>
+    <p:sldId id="266" r:id="rId12"/>
+    <p:sldId id="267" r:id="rId13"/>
+    <p:sldId id="268" r:id="rId14"/>
+    <p:sldId id="269" r:id="rId15"/>
+    <p:sldId id="270" r:id="rId16"/>
+    <p:sldId id="271" r:id="rId17"/>
   </p:sldIdLst>
-  <p:sldSz cy="5143500" cx="9144000"/>
+  <p:sldSz cx="9144000" cy="5143500" type="screen16x9"/>
   <p:notesSz cx="6858000" cy="9144000"/>
   <p:embeddedFontLst>
     <p:embeddedFont>
-      <p:font typeface="Overlock"/>
-      <p:regular r:id="rId22"/>
-      <p:bold r:id="rId23"/>
-      <p:italic r:id="rId24"/>
-      <p:boldItalic r:id="rId25"/>
+      <p:font typeface="Candara" panose="020E0502030303020204" pitchFamily="34" charset="0"/>
+      <p:regular r:id="rId19"/>
+      <p:bold r:id="rId20"/>
+      <p:italic r:id="rId21"/>
+      <p:boldItalic r:id="rId22"/>
     </p:embeddedFont>
     <p:embeddedFont>
-      <p:font typeface="Roboto"/>
-      <p:regular r:id="rId26"/>
-      <p:bold r:id="rId27"/>
-      <p:italic r:id="rId28"/>
-      <p:boldItalic r:id="rId29"/>
+      <p:font typeface="Comfortaa" panose="020B0604020202020204" charset="0"/>
+      <p:regular r:id="rId23"/>
+      <p:bold r:id="rId24"/>
     </p:embeddedFont>
     <p:embeddedFont>
-      <p:font typeface="Candara"/>
-      <p:regular r:id="rId30"/>
-      <p:bold r:id="rId31"/>
-      <p:italic r:id="rId32"/>
-      <p:boldItalic r:id="rId33"/>
+      <p:font typeface="Overlock" panose="020B0604020202020204" charset="0"/>
+      <p:regular r:id="rId25"/>
+      <p:bold r:id="rId26"/>
+      <p:italic r:id="rId27"/>
+      <p:boldItalic r:id="rId28"/>
     </p:embeddedFont>
     <p:embeddedFont>
-      <p:font typeface="Comfortaa"/>
-      <p:regular r:id="rId34"/>
-      <p:bold r:id="rId35"/>
+      <p:font typeface="Roboto" panose="020B0604020202020204" charset="0"/>
+      <p:regular r:id="rId29"/>
+      <p:bold r:id="rId30"/>
+      <p:italic r:id="rId31"/>
+      <p:boldItalic r:id="rId32"/>
+    </p:embeddedFont>
+    <p:embeddedFont>
+      <p:font typeface="Times" panose="02020603050405020304" pitchFamily="18" charset="0"/>
+      <p:regular r:id="rId33"/>
+      <p:bold r:id="rId34"/>
+      <p:italic r:id="rId35"/>
+      <p:boldItalic r:id="rId36"/>
     </p:embeddedFont>
   </p:embeddedFontLst>
   <p:defaultTextStyle>
-    <a:defPPr lvl="0" marR="0" rtl="0" algn="l">
+    <a:defPPr marR="0" lvl="0" algn="l" rtl="0">
       <a:lnSpc>
         <a:spcPct val="100000"/>
       </a:lnSpc>
@@ -67,7 +74,7 @@
         <a:spcPts val="0"/>
       </a:spcAft>
     </a:defPPr>
-    <a:lvl1pPr lvl="0" marR="0" rtl="0" algn="l">
+    <a:lvl1pPr marR="0" lvl="0" algn="l" rtl="0">
       <a:lnSpc>
         <a:spcPct val="100000"/>
       </a:lnSpc>
@@ -81,7 +88,7 @@
         <a:srgbClr val="000000"/>
       </a:buClr>
       <a:buFont typeface="Arial"/>
-      <a:defRPr b="0" i="0" sz="1400" u="none" cap="none" strike="noStrike">
+      <a:defRPr sz="1400" b="0" i="0" u="none" strike="noStrike" cap="none">
         <a:solidFill>
           <a:srgbClr val="000000"/>
         </a:solidFill>
@@ -91,7 +98,7 @@
         <a:sym typeface="Arial"/>
       </a:defRPr>
     </a:lvl1pPr>
-    <a:lvl2pPr lvl="1" marR="0" rtl="0" algn="l">
+    <a:lvl2pPr marR="0" lvl="1" algn="l" rtl="0">
       <a:lnSpc>
         <a:spcPct val="100000"/>
       </a:lnSpc>
@@ -105,7 +112,7 @@
         <a:srgbClr val="000000"/>
       </a:buClr>
       <a:buFont typeface="Arial"/>
-      <a:defRPr b="0" i="0" sz="1400" u="none" cap="none" strike="noStrike">
+      <a:defRPr sz="1400" b="0" i="0" u="none" strike="noStrike" cap="none">
         <a:solidFill>
           <a:srgbClr val="000000"/>
         </a:solidFill>
@@ -115,7 +122,7 @@
         <a:sym typeface="Arial"/>
       </a:defRPr>
     </a:lvl2pPr>
-    <a:lvl3pPr lvl="2" marR="0" rtl="0" algn="l">
+    <a:lvl3pPr marR="0" lvl="2" algn="l" rtl="0">
       <a:lnSpc>
         <a:spcPct val="100000"/>
       </a:lnSpc>
@@ -129,7 +136,7 @@
         <a:srgbClr val="000000"/>
       </a:buClr>
       <a:buFont typeface="Arial"/>
-      <a:defRPr b="0" i="0" sz="1400" u="none" cap="none" strike="noStrike">
+      <a:defRPr sz="1400" b="0" i="0" u="none" strike="noStrike" cap="none">
         <a:solidFill>
           <a:srgbClr val="000000"/>
         </a:solidFill>
@@ -139,7 +146,7 @@
         <a:sym typeface="Arial"/>
       </a:defRPr>
     </a:lvl3pPr>
-    <a:lvl4pPr lvl="3" marR="0" rtl="0" algn="l">
+    <a:lvl4pPr marR="0" lvl="3" algn="l" rtl="0">
       <a:lnSpc>
         <a:spcPct val="100000"/>
       </a:lnSpc>
@@ -153,7 +160,7 @@
         <a:srgbClr val="000000"/>
       </a:buClr>
       <a:buFont typeface="Arial"/>
-      <a:defRPr b="0" i="0" sz="1400" u="none" cap="none" strike="noStrike">
+      <a:defRPr sz="1400" b="0" i="0" u="none" strike="noStrike" cap="none">
         <a:solidFill>
           <a:srgbClr val="000000"/>
         </a:solidFill>
@@ -163,7 +170,7 @@
         <a:sym typeface="Arial"/>
       </a:defRPr>
     </a:lvl4pPr>
-    <a:lvl5pPr lvl="4" marR="0" rtl="0" algn="l">
+    <a:lvl5pPr marR="0" lvl="4" algn="l" rtl="0">
       <a:lnSpc>
         <a:spcPct val="100000"/>
       </a:lnSpc>
@@ -177,7 +184,7 @@
         <a:srgbClr val="000000"/>
       </a:buClr>
       <a:buFont typeface="Arial"/>
-      <a:defRPr b="0" i="0" sz="1400" u="none" cap="none" strike="noStrike">
+      <a:defRPr sz="1400" b="0" i="0" u="none" strike="noStrike" cap="none">
         <a:solidFill>
           <a:srgbClr val="000000"/>
         </a:solidFill>
@@ -187,7 +194,7 @@
         <a:sym typeface="Arial"/>
       </a:defRPr>
     </a:lvl5pPr>
-    <a:lvl6pPr lvl="5" marR="0" rtl="0" algn="l">
+    <a:lvl6pPr marR="0" lvl="5" algn="l" rtl="0">
       <a:lnSpc>
         <a:spcPct val="100000"/>
       </a:lnSpc>
@@ -201,7 +208,7 @@
         <a:srgbClr val="000000"/>
       </a:buClr>
       <a:buFont typeface="Arial"/>
-      <a:defRPr b="0" i="0" sz="1400" u="none" cap="none" strike="noStrike">
+      <a:defRPr sz="1400" b="0" i="0" u="none" strike="noStrike" cap="none">
         <a:solidFill>
           <a:srgbClr val="000000"/>
         </a:solidFill>
@@ -211,7 +218,7 @@
         <a:sym typeface="Arial"/>
       </a:defRPr>
     </a:lvl6pPr>
-    <a:lvl7pPr lvl="6" marR="0" rtl="0" algn="l">
+    <a:lvl7pPr marR="0" lvl="6" algn="l" rtl="0">
       <a:lnSpc>
         <a:spcPct val="100000"/>
       </a:lnSpc>
@@ -225,7 +232,7 @@
         <a:srgbClr val="000000"/>
       </a:buClr>
       <a:buFont typeface="Arial"/>
-      <a:defRPr b="0" i="0" sz="1400" u="none" cap="none" strike="noStrike">
+      <a:defRPr sz="1400" b="0" i="0" u="none" strike="noStrike" cap="none">
         <a:solidFill>
           <a:srgbClr val="000000"/>
         </a:solidFill>
@@ -235,7 +242,7 @@
         <a:sym typeface="Arial"/>
       </a:defRPr>
     </a:lvl7pPr>
-    <a:lvl8pPr lvl="7" marR="0" rtl="0" algn="l">
+    <a:lvl8pPr marR="0" lvl="7" algn="l" rtl="0">
       <a:lnSpc>
         <a:spcPct val="100000"/>
       </a:lnSpc>
@@ -249,7 +256,7 @@
         <a:srgbClr val="000000"/>
       </a:buClr>
       <a:buFont typeface="Arial"/>
-      <a:defRPr b="0" i="0" sz="1400" u="none" cap="none" strike="noStrike">
+      <a:defRPr sz="1400" b="0" i="0" u="none" strike="noStrike" cap="none">
         <a:solidFill>
           <a:srgbClr val="000000"/>
         </a:solidFill>
@@ -259,7 +266,7 @@
         <a:sym typeface="Arial"/>
       </a:defRPr>
     </a:lvl8pPr>
-    <a:lvl9pPr lvl="8" marR="0" rtl="0" algn="l">
+    <a:lvl9pPr marR="0" lvl="8" algn="l" rtl="0">
       <a:lnSpc>
         <a:spcPct val="100000"/>
       </a:lnSpc>
@@ -273,7 +280,7 @@
         <a:srgbClr val="000000"/>
       </a:buClr>
       <a:buFont typeface="Arial"/>
-      <a:defRPr b="0" i="0" sz="1400" u="none" cap="none" strike="noStrike">
+      <a:defRPr sz="1400" b="0" i="0" u="none" strike="noStrike" cap="none">
         <a:solidFill>
           <a:srgbClr val="000000"/>
         </a:solidFill>
@@ -286,7 +293,7 @@
   </p:defaultTextStyle>
   <p:extLst>
     <p:ext uri="{EFAFB233-063F-42B5-8137-9DF3F51BA10A}">
-      <p15:sldGuideLst>
+      <p15:sldGuideLst xmlns:p15="http://schemas.microsoft.com/office/powerpoint/2012/main">
         <p15:guide id="1" orient="horz" pos="1620">
           <p15:clr>
             <a:srgbClr val="A4A3A4"/>
@@ -304,11 +311,16 @@
 </file>
 
 <file path=ppt/notesMasters/notesMaster1.xml><?xml version="1.0" encoding="utf-8"?>
-<p:notesMaster xmlns:a="http://schemas.openxmlformats.org/drawingml/2006/main" xmlns:r="http://schemas.openxmlformats.org/officeDocument/2006/relationships" xmlns:mc="http://schemas.openxmlformats.org/markup-compatibility/2006" xmlns:mv="urn:schemas-microsoft-com:mac:vml" xmlns:p="http://schemas.openxmlformats.org/presentationml/2006/main" xmlns:c="http://schemas.openxmlformats.org/drawingml/2006/chart" xmlns:dgm="http://schemas.openxmlformats.org/drawingml/2006/diagram" xmlns:o="urn:schemas-microsoft-com:office:office" xmlns:v="urn:schemas-microsoft-com:vml" xmlns:pvml="urn:schemas-microsoft-com:office:powerpoint" xmlns:com="http://schemas.openxmlformats.org/drawingml/2006/compatibility" xmlns:p14="http://schemas.microsoft.com/office/powerpoint/2010/main" xmlns:p15="http://schemas.microsoft.com/office/powerpoint/2012/main">
+<p:notesMaster xmlns:a="http://schemas.openxmlformats.org/drawingml/2006/main" xmlns:r="http://schemas.openxmlformats.org/officeDocument/2006/relationships" xmlns:p="http://schemas.openxmlformats.org/presentationml/2006/main">
   <p:cSld>
+    <p:bg>
+      <p:bgRef idx="1001">
+        <a:schemeClr val="bg1"/>
+      </p:bgRef>
+    </p:bg>
     <p:spTree>
       <p:nvGrpSpPr>
-        <p:cNvPr id="2" name="Shape 2"/>
+        <p:cNvPr id="1" name="Shape 2"/>
         <p:cNvGrpSpPr/>
         <p:nvPr/>
       </p:nvGrpSpPr>
@@ -323,9 +335,11 @@
       <p:sp>
         <p:nvSpPr>
           <p:cNvPr id="3" name="Google Shape;3;n"/>
-          <p:cNvSpPr/>
+          <p:cNvSpPr>
+            <a:spLocks noGrp="1" noRot="1" noChangeAspect="1"/>
+          </p:cNvSpPr>
           <p:nvPr>
-            <p:ph idx="2" type="sldImg"/>
+            <p:ph type="sldImg" idx="2"/>
           </p:nvPr>
         </p:nvSpPr>
         <p:spPr>
@@ -334,9 +348,13 @@
             <a:ext cx="6096075" cy="3429000"/>
           </a:xfrm>
           <a:custGeom>
-            <a:rect b="b" l="l" r="r" t="t"/>
+            <a:avLst/>
+            <a:gdLst/>
+            <a:ahLst/>
+            <a:cxnLst/>
+            <a:rect l="l" t="t" r="r" b="b"/>
             <a:pathLst>
-              <a:path extrusionOk="0" h="120000" w="120000">
+              <a:path w="120000" h="120000" extrusionOk="0">
                 <a:moveTo>
                   <a:pt x="0" y="0"/>
                 </a:moveTo>
@@ -354,23 +372,25 @@
             </a:pathLst>
           </a:custGeom>
           <a:noFill/>
-          <a:ln cap="flat" cmpd="sng" w="9525">
+          <a:ln w="9525" cap="flat" cmpd="sng">
             <a:solidFill>
               <a:srgbClr val="000000"/>
             </a:solidFill>
             <a:prstDash val="solid"/>
             <a:round/>
-            <a:headEnd len="sm" w="sm" type="none"/>
-            <a:tailEnd len="sm" w="sm" type="none"/>
+            <a:headEnd type="none" w="sm" len="sm"/>
+            <a:tailEnd type="none" w="sm" len="sm"/>
           </a:ln>
         </p:spPr>
       </p:sp>
       <p:sp>
         <p:nvSpPr>
           <p:cNvPr id="4" name="Google Shape;4;n"/>
-          <p:cNvSpPr txBox="1"/>
+          <p:cNvSpPr txBox="1">
+            <a:spLocks noGrp="1"/>
+          </p:cNvSpPr>
           <p:nvPr>
-            <p:ph idx="1" type="body"/>
+            <p:ph type="body" idx="1"/>
           </p:nvPr>
         </p:nvSpPr>
         <p:spPr>
@@ -387,11 +407,11 @@
           </a:ln>
         </p:spPr>
         <p:txBody>
-          <a:bodyPr anchorCtr="0" anchor="t" bIns="91425" lIns="91425" spcFirstLastPara="1" rIns="91425" wrap="square" tIns="91425">
+          <a:bodyPr spcFirstLastPara="1" wrap="square" lIns="91425" tIns="91425" rIns="91425" bIns="91425" anchor="t" anchorCtr="0">
             <a:noAutofit/>
           </a:bodyPr>
           <a:lstStyle>
-            <a:lvl1pPr indent="-298450" lvl="0" marL="457200">
+            <a:lvl1pPr marL="457200" lvl="0" indent="-298450">
               <a:spcBef>
                 <a:spcPts val="0"/>
               </a:spcBef>
@@ -402,7 +422,7 @@
               <a:buChar char="●"/>
               <a:defRPr sz="1100"/>
             </a:lvl1pPr>
-            <a:lvl2pPr indent="-298450" lvl="1" marL="914400">
+            <a:lvl2pPr marL="914400" lvl="1" indent="-298450">
               <a:spcBef>
                 <a:spcPts val="0"/>
               </a:spcBef>
@@ -413,7 +433,7 @@
               <a:buChar char="○"/>
               <a:defRPr sz="1100"/>
             </a:lvl2pPr>
-            <a:lvl3pPr indent="-298450" lvl="2" marL="1371600">
+            <a:lvl3pPr marL="1371600" lvl="2" indent="-298450">
               <a:spcBef>
                 <a:spcPts val="0"/>
               </a:spcBef>
@@ -424,7 +444,7 @@
               <a:buChar char="■"/>
               <a:defRPr sz="1100"/>
             </a:lvl3pPr>
-            <a:lvl4pPr indent="-298450" lvl="3" marL="1828800">
+            <a:lvl4pPr marL="1828800" lvl="3" indent="-298450">
               <a:spcBef>
                 <a:spcPts val="0"/>
               </a:spcBef>
@@ -435,7 +455,7 @@
               <a:buChar char="●"/>
               <a:defRPr sz="1100"/>
             </a:lvl4pPr>
-            <a:lvl5pPr indent="-298450" lvl="4" marL="2286000">
+            <a:lvl5pPr marL="2286000" lvl="4" indent="-298450">
               <a:spcBef>
                 <a:spcPts val="0"/>
               </a:spcBef>
@@ -446,7 +466,7 @@
               <a:buChar char="○"/>
               <a:defRPr sz="1100"/>
             </a:lvl5pPr>
-            <a:lvl6pPr indent="-298450" lvl="5" marL="2743200">
+            <a:lvl6pPr marL="2743200" lvl="5" indent="-298450">
               <a:spcBef>
                 <a:spcPts val="0"/>
               </a:spcBef>
@@ -457,7 +477,7 @@
               <a:buChar char="■"/>
               <a:defRPr sz="1100"/>
             </a:lvl6pPr>
-            <a:lvl7pPr indent="-298450" lvl="6" marL="3200400">
+            <a:lvl7pPr marL="3200400" lvl="6" indent="-298450">
               <a:spcBef>
                 <a:spcPts val="0"/>
               </a:spcBef>
@@ -468,7 +488,7 @@
               <a:buChar char="●"/>
               <a:defRPr sz="1100"/>
             </a:lvl7pPr>
-            <a:lvl8pPr indent="-298450" lvl="7" marL="3657600">
+            <a:lvl8pPr marL="3657600" lvl="7" indent="-298450">
               <a:spcBef>
                 <a:spcPts val="0"/>
               </a:spcBef>
@@ -479,7 +499,7 @@
               <a:buChar char="○"/>
               <a:defRPr sz="1100"/>
             </a:lvl8pPr>
-            <a:lvl9pPr indent="-298450" lvl="8" marL="4114800">
+            <a:lvl9pPr marL="4114800" lvl="8" indent="-298450">
               <a:spcBef>
                 <a:spcPts val="0"/>
               </a:spcBef>
@@ -491,14 +511,16 @@
               <a:defRPr sz="1100"/>
             </a:lvl9pPr>
           </a:lstStyle>
-          <a:p/>
+          <a:p>
+            <a:endParaRPr/>
+          </a:p>
         </p:txBody>
       </p:sp>
     </p:spTree>
   </p:cSld>
-  <p:clrMap accent1="accent1" accent2="accent2" accent3="accent3" accent4="accent4" accent5="accent5" accent6="accent6" bg1="lt1" bg2="dk2" tx1="dk1" tx2="lt2" folHlink="folHlink" hlink="hlink"/>
+  <p:clrMap bg1="lt1" tx1="dk1" bg2="dk2" tx2="lt2" accent1="accent1" accent2="accent2" accent3="accent3" accent4="accent4" accent5="accent5" accent6="accent6" hlink="hlink" folHlink="folHlink"/>
   <p:notesStyle>
-    <a:defPPr lvl="0" marR="0" rtl="0" algn="l">
+    <a:defPPr marR="0" lvl="0" algn="l" rtl="0">
       <a:lnSpc>
         <a:spcPct val="100000"/>
       </a:lnSpc>
@@ -509,7 +531,7 @@
         <a:spcPts val="0"/>
       </a:spcAft>
     </a:defPPr>
-    <a:lvl1pPr lvl="0" marR="0" rtl="0" algn="l">
+    <a:lvl1pPr marR="0" lvl="0" algn="l" rtl="0">
       <a:lnSpc>
         <a:spcPct val="100000"/>
       </a:lnSpc>
@@ -523,7 +545,7 @@
         <a:srgbClr val="000000"/>
       </a:buClr>
       <a:buFont typeface="Arial"/>
-      <a:defRPr b="0" i="0" sz="1400" u="none" cap="none" strike="noStrike">
+      <a:defRPr sz="1400" b="0" i="0" u="none" strike="noStrike" cap="none">
         <a:solidFill>
           <a:srgbClr val="000000"/>
         </a:solidFill>
@@ -533,7 +555,7 @@
         <a:sym typeface="Arial"/>
       </a:defRPr>
     </a:lvl1pPr>
-    <a:lvl2pPr lvl="1" marR="0" rtl="0" algn="l">
+    <a:lvl2pPr marR="0" lvl="1" algn="l" rtl="0">
       <a:lnSpc>
         <a:spcPct val="100000"/>
       </a:lnSpc>
@@ -547,7 +569,7 @@
         <a:srgbClr val="000000"/>
       </a:buClr>
       <a:buFont typeface="Arial"/>
-      <a:defRPr b="0" i="0" sz="1400" u="none" cap="none" strike="noStrike">
+      <a:defRPr sz="1400" b="0" i="0" u="none" strike="noStrike" cap="none">
         <a:solidFill>
           <a:srgbClr val="000000"/>
         </a:solidFill>
@@ -557,7 +579,7 @@
         <a:sym typeface="Arial"/>
       </a:defRPr>
     </a:lvl2pPr>
-    <a:lvl3pPr lvl="2" marR="0" rtl="0" algn="l">
+    <a:lvl3pPr marR="0" lvl="2" algn="l" rtl="0">
       <a:lnSpc>
         <a:spcPct val="100000"/>
       </a:lnSpc>
@@ -571,7 +593,7 @@
         <a:srgbClr val="000000"/>
       </a:buClr>
       <a:buFont typeface="Arial"/>
-      <a:defRPr b="0" i="0" sz="1400" u="none" cap="none" strike="noStrike">
+      <a:defRPr sz="1400" b="0" i="0" u="none" strike="noStrike" cap="none">
         <a:solidFill>
           <a:srgbClr val="000000"/>
         </a:solidFill>
@@ -581,7 +603,7 @@
         <a:sym typeface="Arial"/>
       </a:defRPr>
     </a:lvl3pPr>
-    <a:lvl4pPr lvl="3" marR="0" rtl="0" algn="l">
+    <a:lvl4pPr marR="0" lvl="3" algn="l" rtl="0">
       <a:lnSpc>
         <a:spcPct val="100000"/>
       </a:lnSpc>
@@ -595,7 +617,7 @@
         <a:srgbClr val="000000"/>
       </a:buClr>
       <a:buFont typeface="Arial"/>
-      <a:defRPr b="0" i="0" sz="1400" u="none" cap="none" strike="noStrike">
+      <a:defRPr sz="1400" b="0" i="0" u="none" strike="noStrike" cap="none">
         <a:solidFill>
           <a:srgbClr val="000000"/>
         </a:solidFill>
@@ -605,7 +627,7 @@
         <a:sym typeface="Arial"/>
       </a:defRPr>
     </a:lvl4pPr>
-    <a:lvl5pPr lvl="4" marR="0" rtl="0" algn="l">
+    <a:lvl5pPr marR="0" lvl="4" algn="l" rtl="0">
       <a:lnSpc>
         <a:spcPct val="100000"/>
       </a:lnSpc>
@@ -619,7 +641,7 @@
         <a:srgbClr val="000000"/>
       </a:buClr>
       <a:buFont typeface="Arial"/>
-      <a:defRPr b="0" i="0" sz="1400" u="none" cap="none" strike="noStrike">
+      <a:defRPr sz="1400" b="0" i="0" u="none" strike="noStrike" cap="none">
         <a:solidFill>
           <a:srgbClr val="000000"/>
         </a:solidFill>
@@ -629,7 +651,7 @@
         <a:sym typeface="Arial"/>
       </a:defRPr>
     </a:lvl5pPr>
-    <a:lvl6pPr lvl="5" marR="0" rtl="0" algn="l">
+    <a:lvl6pPr marR="0" lvl="5" algn="l" rtl="0">
       <a:lnSpc>
         <a:spcPct val="100000"/>
       </a:lnSpc>
@@ -643,7 +665,7 @@
         <a:srgbClr val="000000"/>
       </a:buClr>
       <a:buFont typeface="Arial"/>
-      <a:defRPr b="0" i="0" sz="1400" u="none" cap="none" strike="noStrike">
+      <a:defRPr sz="1400" b="0" i="0" u="none" strike="noStrike" cap="none">
         <a:solidFill>
           <a:srgbClr val="000000"/>
         </a:solidFill>
@@ -653,7 +675,7 @@
         <a:sym typeface="Arial"/>
       </a:defRPr>
     </a:lvl6pPr>
-    <a:lvl7pPr lvl="6" marR="0" rtl="0" algn="l">
+    <a:lvl7pPr marR="0" lvl="6" algn="l" rtl="0">
       <a:lnSpc>
         <a:spcPct val="100000"/>
       </a:lnSpc>
@@ -667,7 +689,7 @@
         <a:srgbClr val="000000"/>
       </a:buClr>
       <a:buFont typeface="Arial"/>
-      <a:defRPr b="0" i="0" sz="1400" u="none" cap="none" strike="noStrike">
+      <a:defRPr sz="1400" b="0" i="0" u="none" strike="noStrike" cap="none">
         <a:solidFill>
           <a:srgbClr val="000000"/>
         </a:solidFill>
@@ -677,7 +699,7 @@
         <a:sym typeface="Arial"/>
       </a:defRPr>
     </a:lvl7pPr>
-    <a:lvl8pPr lvl="7" marR="0" rtl="0" algn="l">
+    <a:lvl8pPr marR="0" lvl="7" algn="l" rtl="0">
       <a:lnSpc>
         <a:spcPct val="100000"/>
       </a:lnSpc>
@@ -691,7 +713,7 @@
         <a:srgbClr val="000000"/>
       </a:buClr>
       <a:buFont typeface="Arial"/>
-      <a:defRPr b="0" i="0" sz="1400" u="none" cap="none" strike="noStrike">
+      <a:defRPr sz="1400" b="0" i="0" u="none" strike="noStrike" cap="none">
         <a:solidFill>
           <a:srgbClr val="000000"/>
         </a:solidFill>
@@ -701,7 +723,7 @@
         <a:sym typeface="Arial"/>
       </a:defRPr>
     </a:lvl8pPr>
-    <a:lvl9pPr lvl="8" marR="0" rtl="0" algn="l">
+    <a:lvl9pPr marR="0" lvl="8" algn="l" rtl="0">
       <a:lnSpc>
         <a:spcPct val="100000"/>
       </a:lnSpc>
@@ -715,7 +737,7 @@
         <a:srgbClr val="000000"/>
       </a:buClr>
       <a:buFont typeface="Arial"/>
-      <a:defRPr b="0" i="0" sz="1400" u="none" cap="none" strike="noStrike">
+      <a:defRPr sz="1400" b="0" i="0" u="none" strike="noStrike" cap="none">
         <a:solidFill>
           <a:srgbClr val="000000"/>
         </a:solidFill>
@@ -730,11 +752,11 @@
 </file>
 
 <file path=ppt/notesSlides/notesSlide1.xml><?xml version="1.0" encoding="utf-8"?>
-<p:notes xmlns:a="http://schemas.openxmlformats.org/drawingml/2006/main" xmlns:r="http://schemas.openxmlformats.org/officeDocument/2006/relationships" xmlns:mc="http://schemas.openxmlformats.org/markup-compatibility/2006" xmlns:mv="urn:schemas-microsoft-com:mac:vml" xmlns:p="http://schemas.openxmlformats.org/presentationml/2006/main" xmlns:c="http://schemas.openxmlformats.org/drawingml/2006/chart" xmlns:dgm="http://schemas.openxmlformats.org/drawingml/2006/diagram" xmlns:o="urn:schemas-microsoft-com:office:office" xmlns:v="urn:schemas-microsoft-com:vml" xmlns:pvml="urn:schemas-microsoft-com:office:powerpoint" xmlns:com="http://schemas.openxmlformats.org/drawingml/2006/compatibility" xmlns:p14="http://schemas.microsoft.com/office/powerpoint/2010/main" xmlns:p15="http://schemas.microsoft.com/office/powerpoint/2012/main" showMasterPhAnim="0" showMasterSp="0">
+<p:notes xmlns:a="http://schemas.openxmlformats.org/drawingml/2006/main" xmlns:r="http://schemas.openxmlformats.org/officeDocument/2006/relationships" xmlns:p="http://schemas.openxmlformats.org/presentationml/2006/main" showMasterSp="0" showMasterPhAnim="0">
   <p:cSld>
     <p:spTree>
       <p:nvGrpSpPr>
-        <p:cNvPr id="81" name="Shape 81"/>
+        <p:cNvPr id="1" name="Shape 81"/>
         <p:cNvGrpSpPr/>
         <p:nvPr/>
       </p:nvGrpSpPr>
@@ -749,9 +771,11 @@
       <p:sp>
         <p:nvSpPr>
           <p:cNvPr id="82" name="Google Shape;82;g8b7f828e6e_1_465:notes"/>
-          <p:cNvSpPr txBox="1"/>
+          <p:cNvSpPr txBox="1">
+            <a:spLocks noGrp="1"/>
+          </p:cNvSpPr>
           <p:nvPr>
-            <p:ph idx="1" type="body"/>
+            <p:ph type="body" idx="1"/>
           </p:nvPr>
         </p:nvSpPr>
         <p:spPr>
@@ -768,12 +792,12 @@
           </a:ln>
         </p:spPr>
         <p:txBody>
-          <a:bodyPr anchorCtr="0" anchor="t" bIns="45700" lIns="91425" spcFirstLastPara="1" rIns="91425" wrap="square" tIns="45700">
+          <a:bodyPr spcFirstLastPara="1" wrap="square" lIns="91425" tIns="45700" rIns="91425" bIns="45700" anchor="t" anchorCtr="0">
             <a:noAutofit/>
           </a:bodyPr>
           <a:lstStyle/>
           <a:p>
-            <a:pPr indent="0" lvl="0" marL="0" rtl="0" algn="l">
+            <a:pPr marL="0" lvl="0" indent="0" algn="l" rtl="0">
               <a:lnSpc>
                 <a:spcPct val="100000"/>
               </a:lnSpc>
@@ -786,9 +810,6 @@
               <a:buSzPts val="1400"/>
               <a:buNone/>
             </a:pPr>
-            <a:r>
-              <a:t/>
-            </a:r>
             <a:endParaRPr/>
           </a:p>
         </p:txBody>
@@ -796,9 +817,11 @@
       <p:sp>
         <p:nvSpPr>
           <p:cNvPr id="83" name="Google Shape;83;g8b7f828e6e_1_465:notes"/>
-          <p:cNvSpPr/>
+          <p:cNvSpPr>
+            <a:spLocks noGrp="1" noRot="1" noChangeAspect="1"/>
+          </p:cNvSpPr>
           <p:nvPr>
-            <p:ph idx="2" type="sldImg"/>
+            <p:ph type="sldImg" idx="2"/>
           </p:nvPr>
         </p:nvSpPr>
         <p:spPr>
@@ -807,9 +830,13 @@
             <a:ext cx="5486400" cy="3086100"/>
           </a:xfrm>
           <a:custGeom>
-            <a:rect b="b" l="l" r="r" t="t"/>
+            <a:avLst/>
+            <a:gdLst/>
+            <a:ahLst/>
+            <a:cxnLst/>
+            <a:rect l="l" t="t" r="r" b="b"/>
             <a:pathLst>
-              <a:path extrusionOk="0" h="120000" w="120000">
+              <a:path w="120000" h="120000" extrusionOk="0">
                 <a:moveTo>
                   <a:pt x="0" y="0"/>
                 </a:moveTo>
@@ -827,14 +854,14 @@
             </a:pathLst>
           </a:custGeom>
           <a:noFill/>
-          <a:ln cap="flat" cmpd="sng" w="12700">
+          <a:ln w="12700" cap="flat" cmpd="sng">
             <a:solidFill>
               <a:srgbClr val="000000"/>
             </a:solidFill>
             <a:prstDash val="solid"/>
             <a:round/>
-            <a:headEnd len="sm" w="sm" type="none"/>
-            <a:tailEnd len="sm" w="sm" type="none"/>
+            <a:headEnd type="none" w="sm" len="sm"/>
+            <a:tailEnd type="none" w="sm" len="sm"/>
           </a:ln>
         </p:spPr>
       </p:sp>
@@ -847,11 +874,11 @@
 </file>
 
 <file path=ppt/notesSlides/notesSlide10.xml><?xml version="1.0" encoding="utf-8"?>
-<p:notes xmlns:a="http://schemas.openxmlformats.org/drawingml/2006/main" xmlns:r="http://schemas.openxmlformats.org/officeDocument/2006/relationships" xmlns:mc="http://schemas.openxmlformats.org/markup-compatibility/2006" xmlns:mv="urn:schemas-microsoft-com:mac:vml" xmlns:p="http://schemas.openxmlformats.org/presentationml/2006/main" xmlns:c="http://schemas.openxmlformats.org/drawingml/2006/chart" xmlns:dgm="http://schemas.openxmlformats.org/drawingml/2006/diagram" xmlns:o="urn:schemas-microsoft-com:office:office" xmlns:v="urn:schemas-microsoft-com:vml" xmlns:pvml="urn:schemas-microsoft-com:office:powerpoint" xmlns:com="http://schemas.openxmlformats.org/drawingml/2006/compatibility" xmlns:p14="http://schemas.microsoft.com/office/powerpoint/2010/main" xmlns:p15="http://schemas.microsoft.com/office/powerpoint/2012/main" showMasterPhAnim="0" showMasterSp="0">
+<p:notes xmlns:a="http://schemas.openxmlformats.org/drawingml/2006/main" xmlns:r="http://schemas.openxmlformats.org/officeDocument/2006/relationships" xmlns:p="http://schemas.openxmlformats.org/presentationml/2006/main" showMasterSp="0" showMasterPhAnim="0">
   <p:cSld>
     <p:spTree>
       <p:nvGrpSpPr>
-        <p:cNvPr id="144" name="Shape 144"/>
+        <p:cNvPr id="1" name="Shape 144"/>
         <p:cNvGrpSpPr/>
         <p:nvPr/>
       </p:nvGrpSpPr>
@@ -866,9 +893,11 @@
       <p:sp>
         <p:nvSpPr>
           <p:cNvPr id="145" name="Google Shape;145;g8b7f828e6e_1_176:notes"/>
-          <p:cNvSpPr/>
+          <p:cNvSpPr>
+            <a:spLocks noGrp="1" noRot="1" noChangeAspect="1"/>
+          </p:cNvSpPr>
           <p:nvPr>
-            <p:ph idx="2" type="sldImg"/>
+            <p:ph type="sldImg" idx="2"/>
           </p:nvPr>
         </p:nvSpPr>
         <p:spPr>
@@ -877,9 +906,13 @@
             <a:ext cx="6096000" cy="3429000"/>
           </a:xfrm>
           <a:custGeom>
-            <a:rect b="b" l="l" r="r" t="t"/>
+            <a:avLst/>
+            <a:gdLst/>
+            <a:ahLst/>
+            <a:cxnLst/>
+            <a:rect l="l" t="t" r="r" b="b"/>
             <a:pathLst>
-              <a:path extrusionOk="0" h="120000" w="120000">
+              <a:path w="120000" h="120000" extrusionOk="0">
                 <a:moveTo>
                   <a:pt x="0" y="0"/>
                 </a:moveTo>
@@ -901,9 +934,11 @@
       <p:sp>
         <p:nvSpPr>
           <p:cNvPr id="146" name="Google Shape;146;g8b7f828e6e_1_176:notes"/>
-          <p:cNvSpPr txBox="1"/>
+          <p:cNvSpPr txBox="1">
+            <a:spLocks noGrp="1"/>
+          </p:cNvSpPr>
           <p:nvPr>
-            <p:ph idx="1" type="body"/>
+            <p:ph type="body" idx="1"/>
           </p:nvPr>
         </p:nvSpPr>
         <p:spPr>
@@ -916,12 +951,12 @@
           </a:prstGeom>
         </p:spPr>
         <p:txBody>
-          <a:bodyPr anchorCtr="0" anchor="t" bIns="91425" lIns="91425" spcFirstLastPara="1" rIns="91425" wrap="square" tIns="91425">
+          <a:bodyPr spcFirstLastPara="1" wrap="square" lIns="91425" tIns="91425" rIns="91425" bIns="91425" anchor="t" anchorCtr="0">
             <a:noAutofit/>
           </a:bodyPr>
           <a:lstStyle/>
           <a:p>
-            <a:pPr indent="0" lvl="0" marL="0" rtl="0" algn="l">
+            <a:pPr marL="0" lvl="0" indent="0" algn="l" rtl="0">
               <a:spcBef>
                 <a:spcPts val="0"/>
               </a:spcBef>
@@ -930,9 +965,6 @@
               </a:spcAft>
               <a:buNone/>
             </a:pPr>
-            <a:r>
-              <a:t/>
-            </a:r>
             <a:endParaRPr/>
           </a:p>
         </p:txBody>
@@ -946,11 +978,11 @@
 </file>
 
 <file path=ppt/notesSlides/notesSlide11.xml><?xml version="1.0" encoding="utf-8"?>
-<p:notes xmlns:a="http://schemas.openxmlformats.org/drawingml/2006/main" xmlns:r="http://schemas.openxmlformats.org/officeDocument/2006/relationships" xmlns:mc="http://schemas.openxmlformats.org/markup-compatibility/2006" xmlns:mv="urn:schemas-microsoft-com:mac:vml" xmlns:p="http://schemas.openxmlformats.org/presentationml/2006/main" xmlns:c="http://schemas.openxmlformats.org/drawingml/2006/chart" xmlns:dgm="http://schemas.openxmlformats.org/drawingml/2006/diagram" xmlns:o="urn:schemas-microsoft-com:office:office" xmlns:v="urn:schemas-microsoft-com:vml" xmlns:pvml="urn:schemas-microsoft-com:office:powerpoint" xmlns:com="http://schemas.openxmlformats.org/drawingml/2006/compatibility" xmlns:p14="http://schemas.microsoft.com/office/powerpoint/2010/main" xmlns:p15="http://schemas.microsoft.com/office/powerpoint/2012/main" showMasterPhAnim="0" showMasterSp="0">
+<p:notes xmlns:a="http://schemas.openxmlformats.org/drawingml/2006/main" xmlns:r="http://schemas.openxmlformats.org/officeDocument/2006/relationships" xmlns:p="http://schemas.openxmlformats.org/presentationml/2006/main" showMasterSp="0" showMasterPhAnim="0">
   <p:cSld>
     <p:spTree>
       <p:nvGrpSpPr>
-        <p:cNvPr id="161" name="Shape 161"/>
+        <p:cNvPr id="1" name="Shape 161"/>
         <p:cNvGrpSpPr/>
         <p:nvPr/>
       </p:nvGrpSpPr>
@@ -965,9 +997,11 @@
       <p:sp>
         <p:nvSpPr>
           <p:cNvPr id="162" name="Google Shape;162;g8b7d02406f_0_84:notes"/>
-          <p:cNvSpPr/>
+          <p:cNvSpPr>
+            <a:spLocks noGrp="1" noRot="1" noChangeAspect="1"/>
+          </p:cNvSpPr>
           <p:nvPr>
-            <p:ph idx="2" type="sldImg"/>
+            <p:ph type="sldImg" idx="2"/>
           </p:nvPr>
         </p:nvSpPr>
         <p:spPr>
@@ -976,9 +1010,13 @@
             <a:ext cx="6096000" cy="3429000"/>
           </a:xfrm>
           <a:custGeom>
-            <a:rect b="b" l="l" r="r" t="t"/>
+            <a:avLst/>
+            <a:gdLst/>
+            <a:ahLst/>
+            <a:cxnLst/>
+            <a:rect l="l" t="t" r="r" b="b"/>
             <a:pathLst>
-              <a:path extrusionOk="0" h="120000" w="120000">
+              <a:path w="120000" h="120000" extrusionOk="0">
                 <a:moveTo>
                   <a:pt x="0" y="0"/>
                 </a:moveTo>
@@ -1000,9 +1038,11 @@
       <p:sp>
         <p:nvSpPr>
           <p:cNvPr id="163" name="Google Shape;163;g8b7d02406f_0_84:notes"/>
-          <p:cNvSpPr txBox="1"/>
+          <p:cNvSpPr txBox="1">
+            <a:spLocks noGrp="1"/>
+          </p:cNvSpPr>
           <p:nvPr>
-            <p:ph idx="1" type="body"/>
+            <p:ph type="body" idx="1"/>
           </p:nvPr>
         </p:nvSpPr>
         <p:spPr>
@@ -1015,12 +1055,12 @@
           </a:prstGeom>
         </p:spPr>
         <p:txBody>
-          <a:bodyPr anchorCtr="0" anchor="t" bIns="91425" lIns="91425" spcFirstLastPara="1" rIns="91425" wrap="square" tIns="91425">
+          <a:bodyPr spcFirstLastPara="1" wrap="square" lIns="91425" tIns="91425" rIns="91425" bIns="91425" anchor="t" anchorCtr="0">
             <a:noAutofit/>
           </a:bodyPr>
           <a:lstStyle/>
           <a:p>
-            <a:pPr indent="0" lvl="0" marL="0" rtl="0" algn="l">
+            <a:pPr marL="0" lvl="0" indent="0" algn="l" rtl="0">
               <a:spcBef>
                 <a:spcPts val="0"/>
               </a:spcBef>
@@ -1029,9 +1069,6 @@
               </a:spcAft>
               <a:buNone/>
             </a:pPr>
-            <a:r>
-              <a:t/>
-            </a:r>
             <a:endParaRPr/>
           </a:p>
         </p:txBody>
@@ -1045,11 +1082,11 @@
 </file>
 
 <file path=ppt/notesSlides/notesSlide12.xml><?xml version="1.0" encoding="utf-8"?>
-<p:notes xmlns:a="http://schemas.openxmlformats.org/drawingml/2006/main" xmlns:r="http://schemas.openxmlformats.org/officeDocument/2006/relationships" xmlns:mc="http://schemas.openxmlformats.org/markup-compatibility/2006" xmlns:mv="urn:schemas-microsoft-com:mac:vml" xmlns:p="http://schemas.openxmlformats.org/presentationml/2006/main" xmlns:c="http://schemas.openxmlformats.org/drawingml/2006/chart" xmlns:dgm="http://schemas.openxmlformats.org/drawingml/2006/diagram" xmlns:o="urn:schemas-microsoft-com:office:office" xmlns:v="urn:schemas-microsoft-com:vml" xmlns:pvml="urn:schemas-microsoft-com:office:powerpoint" xmlns:com="http://schemas.openxmlformats.org/drawingml/2006/compatibility" xmlns:p14="http://schemas.microsoft.com/office/powerpoint/2010/main" xmlns:p15="http://schemas.microsoft.com/office/powerpoint/2012/main" showMasterPhAnim="0" showMasterSp="0">
+<p:notes xmlns:a="http://schemas.openxmlformats.org/drawingml/2006/main" xmlns:r="http://schemas.openxmlformats.org/officeDocument/2006/relationships" xmlns:p="http://schemas.openxmlformats.org/presentationml/2006/main" showMasterSp="0" showMasterPhAnim="0">
   <p:cSld>
     <p:spTree>
       <p:nvGrpSpPr>
-        <p:cNvPr id="167" name="Shape 167"/>
+        <p:cNvPr id="1" name="Shape 167"/>
         <p:cNvGrpSpPr/>
         <p:nvPr/>
       </p:nvGrpSpPr>
@@ -1064,9 +1101,11 @@
       <p:sp>
         <p:nvSpPr>
           <p:cNvPr id="168" name="Google Shape;168;g8b7f828e6e_1_30:notes"/>
-          <p:cNvSpPr/>
+          <p:cNvSpPr>
+            <a:spLocks noGrp="1" noRot="1" noChangeAspect="1"/>
+          </p:cNvSpPr>
           <p:nvPr>
-            <p:ph idx="2" type="sldImg"/>
+            <p:ph type="sldImg" idx="2"/>
           </p:nvPr>
         </p:nvSpPr>
         <p:spPr>
@@ -1075,9 +1114,13 @@
             <a:ext cx="6096000" cy="3429000"/>
           </a:xfrm>
           <a:custGeom>
-            <a:rect b="b" l="l" r="r" t="t"/>
+            <a:avLst/>
+            <a:gdLst/>
+            <a:ahLst/>
+            <a:cxnLst/>
+            <a:rect l="l" t="t" r="r" b="b"/>
             <a:pathLst>
-              <a:path extrusionOk="0" h="120000" w="120000">
+              <a:path w="120000" h="120000" extrusionOk="0">
                 <a:moveTo>
                   <a:pt x="0" y="0"/>
                 </a:moveTo>
@@ -1099,9 +1142,11 @@
       <p:sp>
         <p:nvSpPr>
           <p:cNvPr id="169" name="Google Shape;169;g8b7f828e6e_1_30:notes"/>
-          <p:cNvSpPr txBox="1"/>
+          <p:cNvSpPr txBox="1">
+            <a:spLocks noGrp="1"/>
+          </p:cNvSpPr>
           <p:nvPr>
-            <p:ph idx="1" type="body"/>
+            <p:ph type="body" idx="1"/>
           </p:nvPr>
         </p:nvSpPr>
         <p:spPr>
@@ -1114,12 +1159,12 @@
           </a:prstGeom>
         </p:spPr>
         <p:txBody>
-          <a:bodyPr anchorCtr="0" anchor="t" bIns="91425" lIns="91425" spcFirstLastPara="1" rIns="91425" wrap="square" tIns="91425">
+          <a:bodyPr spcFirstLastPara="1" wrap="square" lIns="91425" tIns="91425" rIns="91425" bIns="91425" anchor="t" anchorCtr="0">
             <a:noAutofit/>
           </a:bodyPr>
           <a:lstStyle/>
           <a:p>
-            <a:pPr indent="0" lvl="0" marL="0" rtl="0" algn="l">
+            <a:pPr marL="0" lvl="0" indent="0" algn="l" rtl="0">
               <a:spcBef>
                 <a:spcPts val="0"/>
               </a:spcBef>
@@ -1128,9 +1173,6 @@
               </a:spcAft>
               <a:buNone/>
             </a:pPr>
-            <a:r>
-              <a:t/>
-            </a:r>
             <a:endParaRPr/>
           </a:p>
         </p:txBody>
@@ -1144,11 +1186,11 @@
 </file>
 
 <file path=ppt/notesSlides/notesSlide13.xml><?xml version="1.0" encoding="utf-8"?>
-<p:notes xmlns:a="http://schemas.openxmlformats.org/drawingml/2006/main" xmlns:r="http://schemas.openxmlformats.org/officeDocument/2006/relationships" xmlns:mc="http://schemas.openxmlformats.org/markup-compatibility/2006" xmlns:mv="urn:schemas-microsoft-com:mac:vml" xmlns:p="http://schemas.openxmlformats.org/presentationml/2006/main" xmlns:c="http://schemas.openxmlformats.org/drawingml/2006/chart" xmlns:dgm="http://schemas.openxmlformats.org/drawingml/2006/diagram" xmlns:o="urn:schemas-microsoft-com:office:office" xmlns:v="urn:schemas-microsoft-com:vml" xmlns:pvml="urn:schemas-microsoft-com:office:powerpoint" xmlns:com="http://schemas.openxmlformats.org/drawingml/2006/compatibility" xmlns:p14="http://schemas.microsoft.com/office/powerpoint/2010/main" xmlns:p15="http://schemas.microsoft.com/office/powerpoint/2012/main" showMasterPhAnim="0" showMasterSp="0">
+<p:notes xmlns:a="http://schemas.openxmlformats.org/drawingml/2006/main" xmlns:r="http://schemas.openxmlformats.org/officeDocument/2006/relationships" xmlns:p="http://schemas.openxmlformats.org/presentationml/2006/main" showMasterSp="0" showMasterPhAnim="0">
   <p:cSld>
     <p:spTree>
       <p:nvGrpSpPr>
-        <p:cNvPr id="173" name="Shape 173"/>
+        <p:cNvPr id="1" name="Shape 173"/>
         <p:cNvGrpSpPr/>
         <p:nvPr/>
       </p:nvGrpSpPr>
@@ -1163,9 +1205,11 @@
       <p:sp>
         <p:nvSpPr>
           <p:cNvPr id="174" name="Google Shape;174;g8b2996418c_1_5:notes"/>
-          <p:cNvSpPr/>
+          <p:cNvSpPr>
+            <a:spLocks noGrp="1" noRot="1" noChangeAspect="1"/>
+          </p:cNvSpPr>
           <p:nvPr>
-            <p:ph idx="2" type="sldImg"/>
+            <p:ph type="sldImg" idx="2"/>
           </p:nvPr>
         </p:nvSpPr>
         <p:spPr>
@@ -1174,9 +1218,13 @@
             <a:ext cx="6096000" cy="3429000"/>
           </a:xfrm>
           <a:custGeom>
-            <a:rect b="b" l="l" r="r" t="t"/>
+            <a:avLst/>
+            <a:gdLst/>
+            <a:ahLst/>
+            <a:cxnLst/>
+            <a:rect l="l" t="t" r="r" b="b"/>
             <a:pathLst>
-              <a:path extrusionOk="0" h="120000" w="120000">
+              <a:path w="120000" h="120000" extrusionOk="0">
                 <a:moveTo>
                   <a:pt x="0" y="0"/>
                 </a:moveTo>
@@ -1198,9 +1246,11 @@
       <p:sp>
         <p:nvSpPr>
           <p:cNvPr id="175" name="Google Shape;175;g8b2996418c_1_5:notes"/>
-          <p:cNvSpPr txBox="1"/>
+          <p:cNvSpPr txBox="1">
+            <a:spLocks noGrp="1"/>
+          </p:cNvSpPr>
           <p:nvPr>
-            <p:ph idx="1" type="body"/>
+            <p:ph type="body" idx="1"/>
           </p:nvPr>
         </p:nvSpPr>
         <p:spPr>
@@ -1213,12 +1263,12 @@
           </a:prstGeom>
         </p:spPr>
         <p:txBody>
-          <a:bodyPr anchorCtr="0" anchor="t" bIns="91425" lIns="91425" spcFirstLastPara="1" rIns="91425" wrap="square" tIns="91425">
+          <a:bodyPr spcFirstLastPara="1" wrap="square" lIns="91425" tIns="91425" rIns="91425" bIns="91425" anchor="t" anchorCtr="0">
             <a:noAutofit/>
           </a:bodyPr>
           <a:lstStyle/>
           <a:p>
-            <a:pPr indent="0" lvl="0" marL="0" rtl="0" algn="l">
+            <a:pPr marL="0" lvl="0" indent="0" algn="l" rtl="0">
               <a:spcBef>
                 <a:spcPts val="0"/>
               </a:spcBef>
@@ -1227,9 +1277,6 @@
               </a:spcAft>
               <a:buNone/>
             </a:pPr>
-            <a:r>
-              <a:t/>
-            </a:r>
             <a:endParaRPr/>
           </a:p>
         </p:txBody>
@@ -1243,11 +1290,11 @@
 </file>
 
 <file path=ppt/notesSlides/notesSlide14.xml><?xml version="1.0" encoding="utf-8"?>
-<p:notes xmlns:a="http://schemas.openxmlformats.org/drawingml/2006/main" xmlns:r="http://schemas.openxmlformats.org/officeDocument/2006/relationships" xmlns:mc="http://schemas.openxmlformats.org/markup-compatibility/2006" xmlns:mv="urn:schemas-microsoft-com:mac:vml" xmlns:p="http://schemas.openxmlformats.org/presentationml/2006/main" xmlns:c="http://schemas.openxmlformats.org/drawingml/2006/chart" xmlns:dgm="http://schemas.openxmlformats.org/drawingml/2006/diagram" xmlns:o="urn:schemas-microsoft-com:office:office" xmlns:v="urn:schemas-microsoft-com:vml" xmlns:pvml="urn:schemas-microsoft-com:office:powerpoint" xmlns:com="http://schemas.openxmlformats.org/drawingml/2006/compatibility" xmlns:p14="http://schemas.microsoft.com/office/powerpoint/2010/main" xmlns:p15="http://schemas.microsoft.com/office/powerpoint/2012/main" showMasterPhAnim="0" showMasterSp="0">
+<p:notes xmlns:a="http://schemas.openxmlformats.org/drawingml/2006/main" xmlns:r="http://schemas.openxmlformats.org/officeDocument/2006/relationships" xmlns:p="http://schemas.openxmlformats.org/presentationml/2006/main" showMasterSp="0" showMasterPhAnim="0">
   <p:cSld>
     <p:spTree>
       <p:nvGrpSpPr>
-        <p:cNvPr id="179" name="Shape 179"/>
+        <p:cNvPr id="1" name="Shape 179"/>
         <p:cNvGrpSpPr/>
         <p:nvPr/>
       </p:nvGrpSpPr>
@@ -1262,9 +1309,11 @@
       <p:sp>
         <p:nvSpPr>
           <p:cNvPr id="180" name="Google Shape;180;g8b7f828e6e_1_223:notes"/>
-          <p:cNvSpPr/>
+          <p:cNvSpPr>
+            <a:spLocks noGrp="1" noRot="1" noChangeAspect="1"/>
+          </p:cNvSpPr>
           <p:nvPr>
-            <p:ph idx="2" type="sldImg"/>
+            <p:ph type="sldImg" idx="2"/>
           </p:nvPr>
         </p:nvSpPr>
         <p:spPr>
@@ -1273,9 +1322,13 @@
             <a:ext cx="6096000" cy="3429000"/>
           </a:xfrm>
           <a:custGeom>
-            <a:rect b="b" l="l" r="r" t="t"/>
+            <a:avLst/>
+            <a:gdLst/>
+            <a:ahLst/>
+            <a:cxnLst/>
+            <a:rect l="l" t="t" r="r" b="b"/>
             <a:pathLst>
-              <a:path extrusionOk="0" h="120000" w="120000">
+              <a:path w="120000" h="120000" extrusionOk="0">
                 <a:moveTo>
                   <a:pt x="0" y="0"/>
                 </a:moveTo>
@@ -1297,9 +1350,11 @@
       <p:sp>
         <p:nvSpPr>
           <p:cNvPr id="181" name="Google Shape;181;g8b7f828e6e_1_223:notes"/>
-          <p:cNvSpPr txBox="1"/>
+          <p:cNvSpPr txBox="1">
+            <a:spLocks noGrp="1"/>
+          </p:cNvSpPr>
           <p:nvPr>
-            <p:ph idx="1" type="body"/>
+            <p:ph type="body" idx="1"/>
           </p:nvPr>
         </p:nvSpPr>
         <p:spPr>
@@ -1312,12 +1367,12 @@
           </a:prstGeom>
         </p:spPr>
         <p:txBody>
-          <a:bodyPr anchorCtr="0" anchor="t" bIns="91425" lIns="91425" spcFirstLastPara="1" rIns="91425" wrap="square" tIns="91425">
+          <a:bodyPr spcFirstLastPara="1" wrap="square" lIns="91425" tIns="91425" rIns="91425" bIns="91425" anchor="t" anchorCtr="0">
             <a:noAutofit/>
           </a:bodyPr>
           <a:lstStyle/>
           <a:p>
-            <a:pPr indent="0" lvl="0" marL="0" rtl="0" algn="l">
+            <a:pPr marL="0" lvl="0" indent="0" algn="l" rtl="0">
               <a:spcBef>
                 <a:spcPts val="0"/>
               </a:spcBef>
@@ -1326,9 +1381,6 @@
               </a:spcAft>
               <a:buNone/>
             </a:pPr>
-            <a:r>
-              <a:t/>
-            </a:r>
             <a:endParaRPr/>
           </a:p>
         </p:txBody>
@@ -1342,11 +1394,11 @@
 </file>
 
 <file path=ppt/notesSlides/notesSlide15.xml><?xml version="1.0" encoding="utf-8"?>
-<p:notes xmlns:a="http://schemas.openxmlformats.org/drawingml/2006/main" xmlns:r="http://schemas.openxmlformats.org/officeDocument/2006/relationships" xmlns:mc="http://schemas.openxmlformats.org/markup-compatibility/2006" xmlns:mv="urn:schemas-microsoft-com:mac:vml" xmlns:p="http://schemas.openxmlformats.org/presentationml/2006/main" xmlns:c="http://schemas.openxmlformats.org/drawingml/2006/chart" xmlns:dgm="http://schemas.openxmlformats.org/drawingml/2006/diagram" xmlns:o="urn:schemas-microsoft-com:office:office" xmlns:v="urn:schemas-microsoft-com:vml" xmlns:pvml="urn:schemas-microsoft-com:office:powerpoint" xmlns:com="http://schemas.openxmlformats.org/drawingml/2006/compatibility" xmlns:p14="http://schemas.microsoft.com/office/powerpoint/2010/main" xmlns:p15="http://schemas.microsoft.com/office/powerpoint/2012/main" showMasterPhAnim="0" showMasterSp="0">
+<p:notes xmlns:a="http://schemas.openxmlformats.org/drawingml/2006/main" xmlns:r="http://schemas.openxmlformats.org/officeDocument/2006/relationships" xmlns:p="http://schemas.openxmlformats.org/presentationml/2006/main" showMasterSp="0" showMasterPhAnim="0">
   <p:cSld>
     <p:spTree>
       <p:nvGrpSpPr>
-        <p:cNvPr id="185" name="Shape 185"/>
+        <p:cNvPr id="1" name="Shape 185"/>
         <p:cNvGrpSpPr/>
         <p:nvPr/>
       </p:nvGrpSpPr>
@@ -1361,20 +1413,26 @@
       <p:sp>
         <p:nvSpPr>
           <p:cNvPr id="186" name="Google Shape;186;g8ba48da770_0_0:notes"/>
-          <p:cNvSpPr/>
+          <p:cNvSpPr>
+            <a:spLocks noGrp="1" noRot="1" noChangeAspect="1"/>
+          </p:cNvSpPr>
           <p:nvPr>
-            <p:ph idx="2" type="sldImg"/>
+            <p:ph type="sldImg" idx="2"/>
           </p:nvPr>
         </p:nvSpPr>
         <p:spPr>
           <a:xfrm>
-            <a:off x="381300" y="685800"/>
+            <a:off x="381000" y="685800"/>
             <a:ext cx="6096000" cy="3429000"/>
           </a:xfrm>
           <a:custGeom>
-            <a:rect b="b" l="l" r="r" t="t"/>
+            <a:avLst/>
+            <a:gdLst/>
+            <a:ahLst/>
+            <a:cxnLst/>
+            <a:rect l="l" t="t" r="r" b="b"/>
             <a:pathLst>
-              <a:path extrusionOk="0" h="120000" w="120000">
+              <a:path w="120000" h="120000" extrusionOk="0">
                 <a:moveTo>
                   <a:pt x="0" y="0"/>
                 </a:moveTo>
@@ -1396,9 +1454,11 @@
       <p:sp>
         <p:nvSpPr>
           <p:cNvPr id="187" name="Google Shape;187;g8ba48da770_0_0:notes"/>
-          <p:cNvSpPr txBox="1"/>
+          <p:cNvSpPr txBox="1">
+            <a:spLocks noGrp="1"/>
+          </p:cNvSpPr>
           <p:nvPr>
-            <p:ph idx="1" type="body"/>
+            <p:ph type="body" idx="1"/>
           </p:nvPr>
         </p:nvSpPr>
         <p:spPr>
@@ -1411,12 +1471,12 @@
           </a:prstGeom>
         </p:spPr>
         <p:txBody>
-          <a:bodyPr anchorCtr="0" anchor="t" bIns="91425" lIns="91425" spcFirstLastPara="1" rIns="91425" wrap="square" tIns="91425">
+          <a:bodyPr spcFirstLastPara="1" wrap="square" lIns="91425" tIns="91425" rIns="91425" bIns="91425" anchor="t" anchorCtr="0">
             <a:noAutofit/>
           </a:bodyPr>
           <a:lstStyle/>
           <a:p>
-            <a:pPr indent="0" lvl="0" marL="0" rtl="0" algn="l">
+            <a:pPr marL="0" lvl="0" indent="0" algn="l" rtl="0">
               <a:spcBef>
                 <a:spcPts val="0"/>
               </a:spcBef>
@@ -1425,9 +1485,6 @@
               </a:spcAft>
               <a:buNone/>
             </a:pPr>
-            <a:r>
-              <a:t/>
-            </a:r>
             <a:endParaRPr/>
           </a:p>
         </p:txBody>
@@ -1441,11 +1498,11 @@
 </file>
 
 <file path=ppt/notesSlides/notesSlide16.xml><?xml version="1.0" encoding="utf-8"?>
-<p:notes xmlns:a="http://schemas.openxmlformats.org/drawingml/2006/main" xmlns:r="http://schemas.openxmlformats.org/officeDocument/2006/relationships" xmlns:mc="http://schemas.openxmlformats.org/markup-compatibility/2006" xmlns:mv="urn:schemas-microsoft-com:mac:vml" xmlns:p="http://schemas.openxmlformats.org/presentationml/2006/main" xmlns:c="http://schemas.openxmlformats.org/drawingml/2006/chart" xmlns:dgm="http://schemas.openxmlformats.org/drawingml/2006/diagram" xmlns:o="urn:schemas-microsoft-com:office:office" xmlns:v="urn:schemas-microsoft-com:vml" xmlns:pvml="urn:schemas-microsoft-com:office:powerpoint" xmlns:com="http://schemas.openxmlformats.org/drawingml/2006/compatibility" xmlns:p14="http://schemas.microsoft.com/office/powerpoint/2010/main" xmlns:p15="http://schemas.microsoft.com/office/powerpoint/2012/main" showMasterPhAnim="0" showMasterSp="0">
+<p:notes xmlns:a="http://schemas.openxmlformats.org/drawingml/2006/main" xmlns:r="http://schemas.openxmlformats.org/officeDocument/2006/relationships" xmlns:p="http://schemas.openxmlformats.org/presentationml/2006/main" showMasterSp="0" showMasterPhAnim="0">
   <p:cSld>
     <p:spTree>
       <p:nvGrpSpPr>
-        <p:cNvPr id="191" name="Shape 191"/>
+        <p:cNvPr id="1" name="Shape 191"/>
         <p:cNvGrpSpPr/>
         <p:nvPr/>
       </p:nvGrpSpPr>
@@ -1460,9 +1517,11 @@
       <p:sp>
         <p:nvSpPr>
           <p:cNvPr id="192" name="Google Shape;192;g8b2996418c_1_17:notes"/>
-          <p:cNvSpPr/>
+          <p:cNvSpPr>
+            <a:spLocks noGrp="1" noRot="1" noChangeAspect="1"/>
+          </p:cNvSpPr>
           <p:nvPr>
-            <p:ph idx="2" type="sldImg"/>
+            <p:ph type="sldImg" idx="2"/>
           </p:nvPr>
         </p:nvSpPr>
         <p:spPr>
@@ -1471,9 +1530,13 @@
             <a:ext cx="6096000" cy="3429000"/>
           </a:xfrm>
           <a:custGeom>
-            <a:rect b="b" l="l" r="r" t="t"/>
+            <a:avLst/>
+            <a:gdLst/>
+            <a:ahLst/>
+            <a:cxnLst/>
+            <a:rect l="l" t="t" r="r" b="b"/>
             <a:pathLst>
-              <a:path extrusionOk="0" h="120000" w="120000">
+              <a:path w="120000" h="120000" extrusionOk="0">
                 <a:moveTo>
                   <a:pt x="0" y="0"/>
                 </a:moveTo>
@@ -1495,9 +1558,11 @@
       <p:sp>
         <p:nvSpPr>
           <p:cNvPr id="193" name="Google Shape;193;g8b2996418c_1_17:notes"/>
-          <p:cNvSpPr txBox="1"/>
+          <p:cNvSpPr txBox="1">
+            <a:spLocks noGrp="1"/>
+          </p:cNvSpPr>
           <p:nvPr>
-            <p:ph idx="1" type="body"/>
+            <p:ph type="body" idx="1"/>
           </p:nvPr>
         </p:nvSpPr>
         <p:spPr>
@@ -1510,12 +1575,12 @@
           </a:prstGeom>
         </p:spPr>
         <p:txBody>
-          <a:bodyPr anchorCtr="0" anchor="t" bIns="91425" lIns="91425" spcFirstLastPara="1" rIns="91425" wrap="square" tIns="91425">
+          <a:bodyPr spcFirstLastPara="1" wrap="square" lIns="91425" tIns="91425" rIns="91425" bIns="91425" anchor="t" anchorCtr="0">
             <a:noAutofit/>
           </a:bodyPr>
           <a:lstStyle/>
           <a:p>
-            <a:pPr indent="0" lvl="0" marL="0" rtl="0" algn="l">
+            <a:pPr marL="0" lvl="0" indent="0" algn="l" rtl="0">
               <a:spcBef>
                 <a:spcPts val="0"/>
               </a:spcBef>
@@ -1524,9 +1589,6 @@
               </a:spcAft>
               <a:buNone/>
             </a:pPr>
-            <a:r>
-              <a:t/>
-            </a:r>
             <a:endParaRPr/>
           </a:p>
         </p:txBody>
@@ -1540,11 +1602,11 @@
 </file>
 
 <file path=ppt/notesSlides/notesSlide2.xml><?xml version="1.0" encoding="utf-8"?>
-<p:notes xmlns:a="http://schemas.openxmlformats.org/drawingml/2006/main" xmlns:r="http://schemas.openxmlformats.org/officeDocument/2006/relationships" xmlns:mc="http://schemas.openxmlformats.org/markup-compatibility/2006" xmlns:mv="urn:schemas-microsoft-com:mac:vml" xmlns:p="http://schemas.openxmlformats.org/presentationml/2006/main" xmlns:c="http://schemas.openxmlformats.org/drawingml/2006/chart" xmlns:dgm="http://schemas.openxmlformats.org/drawingml/2006/diagram" xmlns:o="urn:schemas-microsoft-com:office:office" xmlns:v="urn:schemas-microsoft-com:vml" xmlns:pvml="urn:schemas-microsoft-com:office:powerpoint" xmlns:com="http://schemas.openxmlformats.org/drawingml/2006/compatibility" xmlns:p14="http://schemas.microsoft.com/office/powerpoint/2010/main" xmlns:p15="http://schemas.microsoft.com/office/powerpoint/2012/main" showMasterPhAnim="0" showMasterSp="0">
+<p:notes xmlns:a="http://schemas.openxmlformats.org/drawingml/2006/main" xmlns:r="http://schemas.openxmlformats.org/officeDocument/2006/relationships" xmlns:p="http://schemas.openxmlformats.org/presentationml/2006/main" showMasterSp="0" showMasterPhAnim="0">
   <p:cSld>
     <p:spTree>
       <p:nvGrpSpPr>
-        <p:cNvPr id="89" name="Shape 89"/>
+        <p:cNvPr id="1" name="Shape 89"/>
         <p:cNvGrpSpPr/>
         <p:nvPr/>
       </p:nvGrpSpPr>
@@ -1559,9 +1621,11 @@
       <p:sp>
         <p:nvSpPr>
           <p:cNvPr id="90" name="Google Shape;90;p:notes"/>
-          <p:cNvSpPr/>
+          <p:cNvSpPr>
+            <a:spLocks noGrp="1" noRot="1" noChangeAspect="1"/>
+          </p:cNvSpPr>
           <p:nvPr>
-            <p:ph idx="2" type="sldImg"/>
+            <p:ph type="sldImg" idx="2"/>
           </p:nvPr>
         </p:nvSpPr>
         <p:spPr>
@@ -1570,9 +1634,13 @@
             <a:ext cx="6096075" cy="3429000"/>
           </a:xfrm>
           <a:custGeom>
-            <a:rect b="b" l="l" r="r" t="t"/>
+            <a:avLst/>
+            <a:gdLst/>
+            <a:ahLst/>
+            <a:cxnLst/>
+            <a:rect l="l" t="t" r="r" b="b"/>
             <a:pathLst>
-              <a:path extrusionOk="0" h="120000" w="120000">
+              <a:path w="120000" h="120000" extrusionOk="0">
                 <a:moveTo>
                   <a:pt x="0" y="0"/>
                 </a:moveTo>
@@ -1594,9 +1662,11 @@
       <p:sp>
         <p:nvSpPr>
           <p:cNvPr id="91" name="Google Shape;91;p:notes"/>
-          <p:cNvSpPr txBox="1"/>
+          <p:cNvSpPr txBox="1">
+            <a:spLocks noGrp="1"/>
+          </p:cNvSpPr>
           <p:nvPr>
-            <p:ph idx="1" type="body"/>
+            <p:ph type="body" idx="1"/>
           </p:nvPr>
         </p:nvSpPr>
         <p:spPr>
@@ -1609,12 +1679,12 @@
           </a:prstGeom>
         </p:spPr>
         <p:txBody>
-          <a:bodyPr anchorCtr="0" anchor="t" bIns="91425" lIns="91425" spcFirstLastPara="1" rIns="91425" wrap="square" tIns="91425">
+          <a:bodyPr spcFirstLastPara="1" wrap="square" lIns="91425" tIns="91425" rIns="91425" bIns="91425" anchor="t" anchorCtr="0">
             <a:noAutofit/>
           </a:bodyPr>
           <a:lstStyle/>
           <a:p>
-            <a:pPr indent="0" lvl="0" marL="0" rtl="0" algn="l">
+            <a:pPr marL="0" lvl="0" indent="0" algn="l" rtl="0">
               <a:spcBef>
                 <a:spcPts val="0"/>
               </a:spcBef>
@@ -1623,9 +1693,6 @@
               </a:spcAft>
               <a:buNone/>
             </a:pPr>
-            <a:r>
-              <a:t/>
-            </a:r>
             <a:endParaRPr/>
           </a:p>
         </p:txBody>
@@ -1639,11 +1706,11 @@
 </file>
 
 <file path=ppt/notesSlides/notesSlide3.xml><?xml version="1.0" encoding="utf-8"?>
-<p:notes xmlns:a="http://schemas.openxmlformats.org/drawingml/2006/main" xmlns:r="http://schemas.openxmlformats.org/officeDocument/2006/relationships" xmlns:mc="http://schemas.openxmlformats.org/markup-compatibility/2006" xmlns:mv="urn:schemas-microsoft-com:mac:vml" xmlns:p="http://schemas.openxmlformats.org/presentationml/2006/main" xmlns:c="http://schemas.openxmlformats.org/drawingml/2006/chart" xmlns:dgm="http://schemas.openxmlformats.org/drawingml/2006/diagram" xmlns:o="urn:schemas-microsoft-com:office:office" xmlns:v="urn:schemas-microsoft-com:vml" xmlns:pvml="urn:schemas-microsoft-com:office:powerpoint" xmlns:com="http://schemas.openxmlformats.org/drawingml/2006/compatibility" xmlns:p14="http://schemas.microsoft.com/office/powerpoint/2010/main" xmlns:p15="http://schemas.microsoft.com/office/powerpoint/2012/main" showMasterPhAnim="0" showMasterSp="0">
+<p:notes xmlns:a="http://schemas.openxmlformats.org/drawingml/2006/main" xmlns:r="http://schemas.openxmlformats.org/officeDocument/2006/relationships" xmlns:p="http://schemas.openxmlformats.org/presentationml/2006/main" showMasterSp="0" showMasterPhAnim="0">
   <p:cSld>
     <p:spTree>
       <p:nvGrpSpPr>
-        <p:cNvPr id="95" name="Shape 95"/>
+        <p:cNvPr id="1" name="Shape 95"/>
         <p:cNvGrpSpPr/>
         <p:nvPr/>
       </p:nvGrpSpPr>
@@ -1658,9 +1725,11 @@
       <p:sp>
         <p:nvSpPr>
           <p:cNvPr id="96" name="Google Shape;96;g8b7d02406f_0_78:notes"/>
-          <p:cNvSpPr/>
+          <p:cNvSpPr>
+            <a:spLocks noGrp="1" noRot="1" noChangeAspect="1"/>
+          </p:cNvSpPr>
           <p:nvPr>
-            <p:ph idx="2" type="sldImg"/>
+            <p:ph type="sldImg" idx="2"/>
           </p:nvPr>
         </p:nvSpPr>
         <p:spPr>
@@ -1669,9 +1738,13 @@
             <a:ext cx="6096000" cy="3429000"/>
           </a:xfrm>
           <a:custGeom>
-            <a:rect b="b" l="l" r="r" t="t"/>
+            <a:avLst/>
+            <a:gdLst/>
+            <a:ahLst/>
+            <a:cxnLst/>
+            <a:rect l="l" t="t" r="r" b="b"/>
             <a:pathLst>
-              <a:path extrusionOk="0" h="120000" w="120000">
+              <a:path w="120000" h="120000" extrusionOk="0">
                 <a:moveTo>
                   <a:pt x="0" y="0"/>
                 </a:moveTo>
@@ -1693,9 +1766,11 @@
       <p:sp>
         <p:nvSpPr>
           <p:cNvPr id="97" name="Google Shape;97;g8b7d02406f_0_78:notes"/>
-          <p:cNvSpPr txBox="1"/>
+          <p:cNvSpPr txBox="1">
+            <a:spLocks noGrp="1"/>
+          </p:cNvSpPr>
           <p:nvPr>
-            <p:ph idx="1" type="body"/>
+            <p:ph type="body" idx="1"/>
           </p:nvPr>
         </p:nvSpPr>
         <p:spPr>
@@ -1708,12 +1783,12 @@
           </a:prstGeom>
         </p:spPr>
         <p:txBody>
-          <a:bodyPr anchorCtr="0" anchor="t" bIns="91425" lIns="91425" spcFirstLastPara="1" rIns="91425" wrap="square" tIns="91425">
+          <a:bodyPr spcFirstLastPara="1" wrap="square" lIns="91425" tIns="91425" rIns="91425" bIns="91425" anchor="t" anchorCtr="0">
             <a:noAutofit/>
           </a:bodyPr>
           <a:lstStyle/>
           <a:p>
-            <a:pPr indent="0" lvl="0" marL="0" rtl="0" algn="l">
+            <a:pPr marL="0" lvl="0" indent="0" algn="l" rtl="0">
               <a:spcBef>
                 <a:spcPts val="0"/>
               </a:spcBef>
@@ -1722,9 +1797,6 @@
               </a:spcAft>
               <a:buNone/>
             </a:pPr>
-            <a:r>
-              <a:t/>
-            </a:r>
             <a:endParaRPr/>
           </a:p>
         </p:txBody>
@@ -1738,11 +1810,11 @@
 </file>
 
 <file path=ppt/notesSlides/notesSlide4.xml><?xml version="1.0" encoding="utf-8"?>
-<p:notes xmlns:a="http://schemas.openxmlformats.org/drawingml/2006/main" xmlns:r="http://schemas.openxmlformats.org/officeDocument/2006/relationships" xmlns:mc="http://schemas.openxmlformats.org/markup-compatibility/2006" xmlns:mv="urn:schemas-microsoft-com:mac:vml" xmlns:p="http://schemas.openxmlformats.org/presentationml/2006/main" xmlns:c="http://schemas.openxmlformats.org/drawingml/2006/chart" xmlns:dgm="http://schemas.openxmlformats.org/drawingml/2006/diagram" xmlns:o="urn:schemas-microsoft-com:office:office" xmlns:v="urn:schemas-microsoft-com:vml" xmlns:pvml="urn:schemas-microsoft-com:office:powerpoint" xmlns:com="http://schemas.openxmlformats.org/drawingml/2006/compatibility" xmlns:p14="http://schemas.microsoft.com/office/powerpoint/2010/main" xmlns:p15="http://schemas.microsoft.com/office/powerpoint/2012/main" showMasterPhAnim="0" showMasterSp="0">
+<p:notes xmlns:a="http://schemas.openxmlformats.org/drawingml/2006/main" xmlns:r="http://schemas.openxmlformats.org/officeDocument/2006/relationships" xmlns:p="http://schemas.openxmlformats.org/presentationml/2006/main" showMasterSp="0" showMasterPhAnim="0">
   <p:cSld>
     <p:spTree>
       <p:nvGrpSpPr>
-        <p:cNvPr id="101" name="Shape 101"/>
+        <p:cNvPr id="1" name="Shape 101"/>
         <p:cNvGrpSpPr/>
         <p:nvPr/>
       </p:nvGrpSpPr>
@@ -1757,9 +1829,11 @@
       <p:sp>
         <p:nvSpPr>
           <p:cNvPr id="102" name="Google Shape;102;g8b7d024139_0_22:notes"/>
-          <p:cNvSpPr/>
+          <p:cNvSpPr>
+            <a:spLocks noGrp="1" noRot="1" noChangeAspect="1"/>
+          </p:cNvSpPr>
           <p:nvPr>
-            <p:ph idx="2" type="sldImg"/>
+            <p:ph type="sldImg" idx="2"/>
           </p:nvPr>
         </p:nvSpPr>
         <p:spPr>
@@ -1768,9 +1842,13 @@
             <a:ext cx="6096000" cy="3429000"/>
           </a:xfrm>
           <a:custGeom>
-            <a:rect b="b" l="l" r="r" t="t"/>
+            <a:avLst/>
+            <a:gdLst/>
+            <a:ahLst/>
+            <a:cxnLst/>
+            <a:rect l="l" t="t" r="r" b="b"/>
             <a:pathLst>
-              <a:path extrusionOk="0" h="120000" w="120000">
+              <a:path w="120000" h="120000" extrusionOk="0">
                 <a:moveTo>
                   <a:pt x="0" y="0"/>
                 </a:moveTo>
@@ -1792,9 +1870,11 @@
       <p:sp>
         <p:nvSpPr>
           <p:cNvPr id="103" name="Google Shape;103;g8b7d024139_0_22:notes"/>
-          <p:cNvSpPr txBox="1"/>
+          <p:cNvSpPr txBox="1">
+            <a:spLocks noGrp="1"/>
+          </p:cNvSpPr>
           <p:nvPr>
-            <p:ph idx="1" type="body"/>
+            <p:ph type="body" idx="1"/>
           </p:nvPr>
         </p:nvSpPr>
         <p:spPr>
@@ -1807,12 +1887,12 @@
           </a:prstGeom>
         </p:spPr>
         <p:txBody>
-          <a:bodyPr anchorCtr="0" anchor="t" bIns="91425" lIns="91425" spcFirstLastPara="1" rIns="91425" wrap="square" tIns="91425">
+          <a:bodyPr spcFirstLastPara="1" wrap="square" lIns="91425" tIns="91425" rIns="91425" bIns="91425" anchor="t" anchorCtr="0">
             <a:noAutofit/>
           </a:bodyPr>
           <a:lstStyle/>
           <a:p>
-            <a:pPr indent="0" lvl="0" marL="0" rtl="0" algn="l">
+            <a:pPr marL="0" lvl="0" indent="0" algn="l" rtl="0">
               <a:spcBef>
                 <a:spcPts val="0"/>
               </a:spcBef>
@@ -1821,9 +1901,6 @@
               </a:spcAft>
               <a:buNone/>
             </a:pPr>
-            <a:r>
-              <a:t/>
-            </a:r>
             <a:endParaRPr/>
           </a:p>
         </p:txBody>
@@ -1837,11 +1914,11 @@
 </file>
 
 <file path=ppt/notesSlides/notesSlide5.xml><?xml version="1.0" encoding="utf-8"?>
-<p:notes xmlns:a="http://schemas.openxmlformats.org/drawingml/2006/main" xmlns:r="http://schemas.openxmlformats.org/officeDocument/2006/relationships" xmlns:mc="http://schemas.openxmlformats.org/markup-compatibility/2006" xmlns:mv="urn:schemas-microsoft-com:mac:vml" xmlns:p="http://schemas.openxmlformats.org/presentationml/2006/main" xmlns:c="http://schemas.openxmlformats.org/drawingml/2006/chart" xmlns:dgm="http://schemas.openxmlformats.org/drawingml/2006/diagram" xmlns:o="urn:schemas-microsoft-com:office:office" xmlns:v="urn:schemas-microsoft-com:vml" xmlns:pvml="urn:schemas-microsoft-com:office:powerpoint" xmlns:com="http://schemas.openxmlformats.org/drawingml/2006/compatibility" xmlns:p14="http://schemas.microsoft.com/office/powerpoint/2010/main" xmlns:p15="http://schemas.microsoft.com/office/powerpoint/2012/main" showMasterPhAnim="0" showMasterSp="0">
+<p:notes xmlns:a="http://schemas.openxmlformats.org/drawingml/2006/main" xmlns:r="http://schemas.openxmlformats.org/officeDocument/2006/relationships" xmlns:p="http://schemas.openxmlformats.org/presentationml/2006/main" showMasterSp="0" showMasterPhAnim="0">
   <p:cSld>
     <p:spTree>
       <p:nvGrpSpPr>
-        <p:cNvPr id="107" name="Shape 107"/>
+        <p:cNvPr id="1" name="Shape 107"/>
         <p:cNvGrpSpPr/>
         <p:nvPr/>
       </p:nvGrpSpPr>
@@ -1856,9 +1933,11 @@
       <p:sp>
         <p:nvSpPr>
           <p:cNvPr id="108" name="Google Shape;108;g8b7f828e6e_0_5:notes"/>
-          <p:cNvSpPr/>
+          <p:cNvSpPr>
+            <a:spLocks noGrp="1" noRot="1" noChangeAspect="1"/>
+          </p:cNvSpPr>
           <p:nvPr>
-            <p:ph idx="2" type="sldImg"/>
+            <p:ph type="sldImg" idx="2"/>
           </p:nvPr>
         </p:nvSpPr>
         <p:spPr>
@@ -1867,9 +1946,13 @@
             <a:ext cx="6096000" cy="3429000"/>
           </a:xfrm>
           <a:custGeom>
-            <a:rect b="b" l="l" r="r" t="t"/>
+            <a:avLst/>
+            <a:gdLst/>
+            <a:ahLst/>
+            <a:cxnLst/>
+            <a:rect l="l" t="t" r="r" b="b"/>
             <a:pathLst>
-              <a:path extrusionOk="0" h="120000" w="120000">
+              <a:path w="120000" h="120000" extrusionOk="0">
                 <a:moveTo>
                   <a:pt x="0" y="0"/>
                 </a:moveTo>
@@ -1891,9 +1974,11 @@
       <p:sp>
         <p:nvSpPr>
           <p:cNvPr id="109" name="Google Shape;109;g8b7f828e6e_0_5:notes"/>
-          <p:cNvSpPr txBox="1"/>
+          <p:cNvSpPr txBox="1">
+            <a:spLocks noGrp="1"/>
+          </p:cNvSpPr>
           <p:nvPr>
-            <p:ph idx="1" type="body"/>
+            <p:ph type="body" idx="1"/>
           </p:nvPr>
         </p:nvSpPr>
         <p:spPr>
@@ -1906,12 +1991,12 @@
           </a:prstGeom>
         </p:spPr>
         <p:txBody>
-          <a:bodyPr anchorCtr="0" anchor="t" bIns="91425" lIns="91425" spcFirstLastPara="1" rIns="91425" wrap="square" tIns="91425">
+          <a:bodyPr spcFirstLastPara="1" wrap="square" lIns="91425" tIns="91425" rIns="91425" bIns="91425" anchor="t" anchorCtr="0">
             <a:noAutofit/>
           </a:bodyPr>
           <a:lstStyle/>
           <a:p>
-            <a:pPr indent="0" lvl="0" marL="0" rtl="0" algn="l">
+            <a:pPr marL="0" lvl="0" indent="0" algn="l" rtl="0">
               <a:spcBef>
                 <a:spcPts val="0"/>
               </a:spcBef>
@@ -1920,9 +2005,6 @@
               </a:spcAft>
               <a:buNone/>
             </a:pPr>
-            <a:r>
-              <a:t/>
-            </a:r>
             <a:endParaRPr/>
           </a:p>
         </p:txBody>
@@ -1936,11 +2018,11 @@
 </file>
 
 <file path=ppt/notesSlides/notesSlide6.xml><?xml version="1.0" encoding="utf-8"?>
-<p:notes xmlns:a="http://schemas.openxmlformats.org/drawingml/2006/main" xmlns:r="http://schemas.openxmlformats.org/officeDocument/2006/relationships" xmlns:mc="http://schemas.openxmlformats.org/markup-compatibility/2006" xmlns:mv="urn:schemas-microsoft-com:mac:vml" xmlns:p="http://schemas.openxmlformats.org/presentationml/2006/main" xmlns:c="http://schemas.openxmlformats.org/drawingml/2006/chart" xmlns:dgm="http://schemas.openxmlformats.org/drawingml/2006/diagram" xmlns:o="urn:schemas-microsoft-com:office:office" xmlns:v="urn:schemas-microsoft-com:vml" xmlns:pvml="urn:schemas-microsoft-com:office:powerpoint" xmlns:com="http://schemas.openxmlformats.org/drawingml/2006/compatibility" xmlns:p14="http://schemas.microsoft.com/office/powerpoint/2010/main" xmlns:p15="http://schemas.microsoft.com/office/powerpoint/2012/main" showMasterPhAnim="0" showMasterSp="0">
+<p:notes xmlns:a="http://schemas.openxmlformats.org/drawingml/2006/main" xmlns:r="http://schemas.openxmlformats.org/officeDocument/2006/relationships" xmlns:p="http://schemas.openxmlformats.org/presentationml/2006/main" showMasterSp="0" showMasterPhAnim="0">
   <p:cSld>
     <p:spTree>
       <p:nvGrpSpPr>
-        <p:cNvPr id="116" name="Shape 116"/>
+        <p:cNvPr id="1" name="Shape 116"/>
         <p:cNvGrpSpPr/>
         <p:nvPr/>
       </p:nvGrpSpPr>
@@ -1955,9 +2037,11 @@
       <p:sp>
         <p:nvSpPr>
           <p:cNvPr id="117" name="Google Shape;117;g8b7f828e6e_1_1:notes"/>
-          <p:cNvSpPr/>
+          <p:cNvSpPr>
+            <a:spLocks noGrp="1" noRot="1" noChangeAspect="1"/>
+          </p:cNvSpPr>
           <p:nvPr>
-            <p:ph idx="2" type="sldImg"/>
+            <p:ph type="sldImg" idx="2"/>
           </p:nvPr>
         </p:nvSpPr>
         <p:spPr>
@@ -1966,9 +2050,13 @@
             <a:ext cx="6096000" cy="3429000"/>
           </a:xfrm>
           <a:custGeom>
-            <a:rect b="b" l="l" r="r" t="t"/>
+            <a:avLst/>
+            <a:gdLst/>
+            <a:ahLst/>
+            <a:cxnLst/>
+            <a:rect l="l" t="t" r="r" b="b"/>
             <a:pathLst>
-              <a:path extrusionOk="0" h="120000" w="120000">
+              <a:path w="120000" h="120000" extrusionOk="0">
                 <a:moveTo>
                   <a:pt x="0" y="0"/>
                 </a:moveTo>
@@ -1990,9 +2078,11 @@
       <p:sp>
         <p:nvSpPr>
           <p:cNvPr id="118" name="Google Shape;118;g8b7f828e6e_1_1:notes"/>
-          <p:cNvSpPr txBox="1"/>
+          <p:cNvSpPr txBox="1">
+            <a:spLocks noGrp="1"/>
+          </p:cNvSpPr>
           <p:nvPr>
-            <p:ph idx="1" type="body"/>
+            <p:ph type="body" idx="1"/>
           </p:nvPr>
         </p:nvSpPr>
         <p:spPr>
@@ -2005,12 +2095,12 @@
           </a:prstGeom>
         </p:spPr>
         <p:txBody>
-          <a:bodyPr anchorCtr="0" anchor="t" bIns="91425" lIns="91425" spcFirstLastPara="1" rIns="91425" wrap="square" tIns="91425">
+          <a:bodyPr spcFirstLastPara="1" wrap="square" lIns="91425" tIns="91425" rIns="91425" bIns="91425" anchor="t" anchorCtr="0">
             <a:noAutofit/>
           </a:bodyPr>
           <a:lstStyle/>
           <a:p>
-            <a:pPr indent="0" lvl="0" marL="0" rtl="0" algn="l">
+            <a:pPr marL="0" lvl="0" indent="0" algn="l" rtl="0">
               <a:spcBef>
                 <a:spcPts val="0"/>
               </a:spcBef>
@@ -2019,9 +2109,6 @@
               </a:spcAft>
               <a:buNone/>
             </a:pPr>
-            <a:r>
-              <a:t/>
-            </a:r>
             <a:endParaRPr/>
           </a:p>
         </p:txBody>
@@ -2035,11 +2122,11 @@
 </file>
 
 <file path=ppt/notesSlides/notesSlide7.xml><?xml version="1.0" encoding="utf-8"?>
-<p:notes xmlns:a="http://schemas.openxmlformats.org/drawingml/2006/main" xmlns:r="http://schemas.openxmlformats.org/officeDocument/2006/relationships" xmlns:mc="http://schemas.openxmlformats.org/markup-compatibility/2006" xmlns:mv="urn:schemas-microsoft-com:mac:vml" xmlns:p="http://schemas.openxmlformats.org/presentationml/2006/main" xmlns:c="http://schemas.openxmlformats.org/drawingml/2006/chart" xmlns:dgm="http://schemas.openxmlformats.org/drawingml/2006/diagram" xmlns:o="urn:schemas-microsoft-com:office:office" xmlns:v="urn:schemas-microsoft-com:vml" xmlns:pvml="urn:schemas-microsoft-com:office:powerpoint" xmlns:com="http://schemas.openxmlformats.org/drawingml/2006/compatibility" xmlns:p14="http://schemas.microsoft.com/office/powerpoint/2010/main" xmlns:p15="http://schemas.microsoft.com/office/powerpoint/2012/main" showMasterPhAnim="0" showMasterSp="0">
+<p:notes xmlns:a="http://schemas.openxmlformats.org/drawingml/2006/main" xmlns:r="http://schemas.openxmlformats.org/officeDocument/2006/relationships" xmlns:p="http://schemas.openxmlformats.org/presentationml/2006/main" showMasterSp="0" showMasterPhAnim="0">
   <p:cSld>
     <p:spTree>
       <p:nvGrpSpPr>
-        <p:cNvPr id="123" name="Shape 123"/>
+        <p:cNvPr id="1" name="Shape 123"/>
         <p:cNvGrpSpPr/>
         <p:nvPr/>
       </p:nvGrpSpPr>
@@ -2054,9 +2141,11 @@
       <p:sp>
         <p:nvSpPr>
           <p:cNvPr id="124" name="Google Shape;124;g8b7f828e6e_1_14:notes"/>
-          <p:cNvSpPr/>
+          <p:cNvSpPr>
+            <a:spLocks noGrp="1" noRot="1" noChangeAspect="1"/>
+          </p:cNvSpPr>
           <p:nvPr>
-            <p:ph idx="2" type="sldImg"/>
+            <p:ph type="sldImg" idx="2"/>
           </p:nvPr>
         </p:nvSpPr>
         <p:spPr>
@@ -2065,9 +2154,13 @@
             <a:ext cx="6096000" cy="3429000"/>
           </a:xfrm>
           <a:custGeom>
-            <a:rect b="b" l="l" r="r" t="t"/>
+            <a:avLst/>
+            <a:gdLst/>
+            <a:ahLst/>
+            <a:cxnLst/>
+            <a:rect l="l" t="t" r="r" b="b"/>
             <a:pathLst>
-              <a:path extrusionOk="0" h="120000" w="120000">
+              <a:path w="120000" h="120000" extrusionOk="0">
                 <a:moveTo>
                   <a:pt x="0" y="0"/>
                 </a:moveTo>
@@ -2089,9 +2182,11 @@
       <p:sp>
         <p:nvSpPr>
           <p:cNvPr id="125" name="Google Shape;125;g8b7f828e6e_1_14:notes"/>
-          <p:cNvSpPr txBox="1"/>
+          <p:cNvSpPr txBox="1">
+            <a:spLocks noGrp="1"/>
+          </p:cNvSpPr>
           <p:nvPr>
-            <p:ph idx="1" type="body"/>
+            <p:ph type="body" idx="1"/>
           </p:nvPr>
         </p:nvSpPr>
         <p:spPr>
@@ -2104,12 +2199,12 @@
           </a:prstGeom>
         </p:spPr>
         <p:txBody>
-          <a:bodyPr anchorCtr="0" anchor="t" bIns="91425" lIns="91425" spcFirstLastPara="1" rIns="91425" wrap="square" tIns="91425">
+          <a:bodyPr spcFirstLastPara="1" wrap="square" lIns="91425" tIns="91425" rIns="91425" bIns="91425" anchor="t" anchorCtr="0">
             <a:noAutofit/>
           </a:bodyPr>
           <a:lstStyle/>
           <a:p>
-            <a:pPr indent="0" lvl="0" marL="0" rtl="0" algn="l">
+            <a:pPr marL="0" lvl="0" indent="0" algn="l" rtl="0">
               <a:spcBef>
                 <a:spcPts val="0"/>
               </a:spcBef>
@@ -2118,9 +2213,6 @@
               </a:spcAft>
               <a:buNone/>
             </a:pPr>
-            <a:r>
-              <a:t/>
-            </a:r>
             <a:endParaRPr/>
           </a:p>
         </p:txBody>
@@ -2134,11 +2226,11 @@
 </file>
 
 <file path=ppt/notesSlides/notesSlide8.xml><?xml version="1.0" encoding="utf-8"?>
-<p:notes xmlns:a="http://schemas.openxmlformats.org/drawingml/2006/main" xmlns:r="http://schemas.openxmlformats.org/officeDocument/2006/relationships" xmlns:mc="http://schemas.openxmlformats.org/markup-compatibility/2006" xmlns:mv="urn:schemas-microsoft-com:mac:vml" xmlns:p="http://schemas.openxmlformats.org/presentationml/2006/main" xmlns:c="http://schemas.openxmlformats.org/drawingml/2006/chart" xmlns:dgm="http://schemas.openxmlformats.org/drawingml/2006/diagram" xmlns:o="urn:schemas-microsoft-com:office:office" xmlns:v="urn:schemas-microsoft-com:vml" xmlns:pvml="urn:schemas-microsoft-com:office:powerpoint" xmlns:com="http://schemas.openxmlformats.org/drawingml/2006/compatibility" xmlns:p14="http://schemas.microsoft.com/office/powerpoint/2010/main" xmlns:p15="http://schemas.microsoft.com/office/powerpoint/2012/main" showMasterPhAnim="0" showMasterSp="0">
+<p:notes xmlns:a="http://schemas.openxmlformats.org/drawingml/2006/main" xmlns:r="http://schemas.openxmlformats.org/officeDocument/2006/relationships" xmlns:p="http://schemas.openxmlformats.org/presentationml/2006/main" showMasterSp="0" showMasterPhAnim="0">
   <p:cSld>
     <p:spTree>
       <p:nvGrpSpPr>
-        <p:cNvPr id="130" name="Shape 130"/>
+        <p:cNvPr id="1" name="Shape 130"/>
         <p:cNvGrpSpPr/>
         <p:nvPr/>
       </p:nvGrpSpPr>
@@ -2153,9 +2245,11 @@
       <p:sp>
         <p:nvSpPr>
           <p:cNvPr id="131" name="Google Shape;131;g8b7f828e6e_1_25:notes"/>
-          <p:cNvSpPr/>
+          <p:cNvSpPr>
+            <a:spLocks noGrp="1" noRot="1" noChangeAspect="1"/>
+          </p:cNvSpPr>
           <p:nvPr>
-            <p:ph idx="2" type="sldImg"/>
+            <p:ph type="sldImg" idx="2"/>
           </p:nvPr>
         </p:nvSpPr>
         <p:spPr>
@@ -2164,9 +2258,13 @@
             <a:ext cx="6096000" cy="3429000"/>
           </a:xfrm>
           <a:custGeom>
-            <a:rect b="b" l="l" r="r" t="t"/>
+            <a:avLst/>
+            <a:gdLst/>
+            <a:ahLst/>
+            <a:cxnLst/>
+            <a:rect l="l" t="t" r="r" b="b"/>
             <a:pathLst>
-              <a:path extrusionOk="0" h="120000" w="120000">
+              <a:path w="120000" h="120000" extrusionOk="0">
                 <a:moveTo>
                   <a:pt x="0" y="0"/>
                 </a:moveTo>
@@ -2188,9 +2286,11 @@
       <p:sp>
         <p:nvSpPr>
           <p:cNvPr id="132" name="Google Shape;132;g8b7f828e6e_1_25:notes"/>
-          <p:cNvSpPr txBox="1"/>
+          <p:cNvSpPr txBox="1">
+            <a:spLocks noGrp="1"/>
+          </p:cNvSpPr>
           <p:nvPr>
-            <p:ph idx="1" type="body"/>
+            <p:ph type="body" idx="1"/>
           </p:nvPr>
         </p:nvSpPr>
         <p:spPr>
@@ -2203,12 +2303,12 @@
           </a:prstGeom>
         </p:spPr>
         <p:txBody>
-          <a:bodyPr anchorCtr="0" anchor="t" bIns="91425" lIns="91425" spcFirstLastPara="1" rIns="91425" wrap="square" tIns="91425">
+          <a:bodyPr spcFirstLastPara="1" wrap="square" lIns="91425" tIns="91425" rIns="91425" bIns="91425" anchor="t" anchorCtr="0">
             <a:noAutofit/>
           </a:bodyPr>
           <a:lstStyle/>
           <a:p>
-            <a:pPr indent="0" lvl="0" marL="0" rtl="0" algn="l">
+            <a:pPr marL="0" lvl="0" indent="0" algn="l" rtl="0">
               <a:spcBef>
                 <a:spcPts val="0"/>
               </a:spcBef>
@@ -2217,9 +2317,6 @@
               </a:spcAft>
               <a:buNone/>
             </a:pPr>
-            <a:r>
-              <a:t/>
-            </a:r>
             <a:endParaRPr/>
           </a:p>
         </p:txBody>
@@ -2233,11 +2330,11 @@
 </file>
 
 <file path=ppt/notesSlides/notesSlide9.xml><?xml version="1.0" encoding="utf-8"?>
-<p:notes xmlns:a="http://schemas.openxmlformats.org/drawingml/2006/main" xmlns:r="http://schemas.openxmlformats.org/officeDocument/2006/relationships" xmlns:mc="http://schemas.openxmlformats.org/markup-compatibility/2006" xmlns:mv="urn:schemas-microsoft-com:mac:vml" xmlns:p="http://schemas.openxmlformats.org/presentationml/2006/main" xmlns:c="http://schemas.openxmlformats.org/drawingml/2006/chart" xmlns:dgm="http://schemas.openxmlformats.org/drawingml/2006/diagram" xmlns:o="urn:schemas-microsoft-com:office:office" xmlns:v="urn:schemas-microsoft-com:vml" xmlns:pvml="urn:schemas-microsoft-com:office:powerpoint" xmlns:com="http://schemas.openxmlformats.org/drawingml/2006/compatibility" xmlns:p14="http://schemas.microsoft.com/office/powerpoint/2010/main" xmlns:p15="http://schemas.microsoft.com/office/powerpoint/2012/main" showMasterPhAnim="0" showMasterSp="0">
+<p:notes xmlns:a="http://schemas.openxmlformats.org/drawingml/2006/main" xmlns:r="http://schemas.openxmlformats.org/officeDocument/2006/relationships" xmlns:p="http://schemas.openxmlformats.org/presentationml/2006/main" showMasterSp="0" showMasterPhAnim="0">
   <p:cSld>
     <p:spTree>
       <p:nvGrpSpPr>
-        <p:cNvPr id="137" name="Shape 137"/>
+        <p:cNvPr id="1" name="Shape 137"/>
         <p:cNvGrpSpPr/>
         <p:nvPr/>
       </p:nvGrpSpPr>
@@ -2252,9 +2349,11 @@
       <p:sp>
         <p:nvSpPr>
           <p:cNvPr id="138" name="Google Shape;138;g8b7f828e6e_1_212:notes"/>
-          <p:cNvSpPr/>
+          <p:cNvSpPr>
+            <a:spLocks noGrp="1" noRot="1" noChangeAspect="1"/>
+          </p:cNvSpPr>
           <p:nvPr>
-            <p:ph idx="2" type="sldImg"/>
+            <p:ph type="sldImg" idx="2"/>
           </p:nvPr>
         </p:nvSpPr>
         <p:spPr>
@@ -2263,9 +2362,13 @@
             <a:ext cx="6096000" cy="3429000"/>
           </a:xfrm>
           <a:custGeom>
-            <a:rect b="b" l="l" r="r" t="t"/>
+            <a:avLst/>
+            <a:gdLst/>
+            <a:ahLst/>
+            <a:cxnLst/>
+            <a:rect l="l" t="t" r="r" b="b"/>
             <a:pathLst>
-              <a:path extrusionOk="0" h="120000" w="120000">
+              <a:path w="120000" h="120000" extrusionOk="0">
                 <a:moveTo>
                   <a:pt x="0" y="0"/>
                 </a:moveTo>
@@ -2287,9 +2390,11 @@
       <p:sp>
         <p:nvSpPr>
           <p:cNvPr id="139" name="Google Shape;139;g8b7f828e6e_1_212:notes"/>
-          <p:cNvSpPr txBox="1"/>
+          <p:cNvSpPr txBox="1">
+            <a:spLocks noGrp="1"/>
+          </p:cNvSpPr>
           <p:nvPr>
-            <p:ph idx="1" type="body"/>
+            <p:ph type="body" idx="1"/>
           </p:nvPr>
         </p:nvSpPr>
         <p:spPr>
@@ -2302,12 +2407,12 @@
           </a:prstGeom>
         </p:spPr>
         <p:txBody>
-          <a:bodyPr anchorCtr="0" anchor="t" bIns="91425" lIns="91425" spcFirstLastPara="1" rIns="91425" wrap="square" tIns="91425">
+          <a:bodyPr spcFirstLastPara="1" wrap="square" lIns="91425" tIns="91425" rIns="91425" bIns="91425" anchor="t" anchorCtr="0">
             <a:noAutofit/>
           </a:bodyPr>
           <a:lstStyle/>
           <a:p>
-            <a:pPr indent="0" lvl="0" marL="0" rtl="0" algn="l">
+            <a:pPr marL="0" lvl="0" indent="0" algn="l" rtl="0">
               <a:spcBef>
                 <a:spcPts val="0"/>
               </a:spcBef>
@@ -2316,9 +2421,6 @@
               </a:spcAft>
               <a:buNone/>
             </a:pPr>
-            <a:r>
-              <a:t/>
-            </a:r>
             <a:endParaRPr/>
           </a:p>
         </p:txBody>
@@ -2332,11 +2434,11 @@
 </file>
 
 <file path=ppt/slideLayouts/slideLayout1.xml><?xml version="1.0" encoding="utf-8"?>
-<p:sldLayout xmlns:a="http://schemas.openxmlformats.org/drawingml/2006/main" xmlns:r="http://schemas.openxmlformats.org/officeDocument/2006/relationships" xmlns:mc="http://schemas.openxmlformats.org/markup-compatibility/2006" xmlns:mv="urn:schemas-microsoft-com:mac:vml" xmlns:p="http://schemas.openxmlformats.org/presentationml/2006/main" xmlns:c="http://schemas.openxmlformats.org/drawingml/2006/chart" xmlns:dgm="http://schemas.openxmlformats.org/drawingml/2006/diagram" xmlns:o="urn:schemas-microsoft-com:office:office" xmlns:v="urn:schemas-microsoft-com:vml" xmlns:pvml="urn:schemas-microsoft-com:office:powerpoint" xmlns:com="http://schemas.openxmlformats.org/drawingml/2006/compatibility" xmlns:p14="http://schemas.microsoft.com/office/powerpoint/2010/main" xmlns:p15="http://schemas.microsoft.com/office/powerpoint/2012/main" matchingName="Title slide" type="title">
+<p:sldLayout xmlns:a="http://schemas.openxmlformats.org/drawingml/2006/main" xmlns:r="http://schemas.openxmlformats.org/officeDocument/2006/relationships" xmlns:p="http://schemas.openxmlformats.org/presentationml/2006/main" matchingName="Title slide" type="title">
   <p:cSld name="TITLE">
     <p:spTree>
       <p:nvGrpSpPr>
-        <p:cNvPr id="9" name="Shape 9"/>
+        <p:cNvPr id="1" name="Shape 9"/>
         <p:cNvGrpSpPr/>
         <p:nvPr/>
       </p:nvGrpSpPr>
@@ -2384,12 +2486,12 @@
             </a:ln>
           </p:spPr>
           <p:txBody>
-            <a:bodyPr anchorCtr="0" anchor="ctr" bIns="91425" lIns="91425" spcFirstLastPara="1" rIns="91425" wrap="square" tIns="91425">
+            <a:bodyPr spcFirstLastPara="1" wrap="square" lIns="91425" tIns="91425" rIns="91425" bIns="91425" anchor="ctr" anchorCtr="0">
               <a:noAutofit/>
             </a:bodyPr>
             <a:lstStyle/>
             <a:p>
-              <a:pPr indent="0" lvl="0" marL="0" rtl="0" algn="l">
+              <a:pPr marL="0" lvl="0" indent="0" algn="l" rtl="0">
                 <a:spcBef>
                   <a:spcPts val="0"/>
                 </a:spcBef>
@@ -2398,9 +2500,6 @@
                 </a:spcAft>
                 <a:buNone/>
               </a:pPr>
-              <a:r>
-                <a:t/>
-              </a:r>
               <a:endParaRPr/>
             </a:p>
           </p:txBody>
@@ -2427,12 +2526,12 @@
             </a:ln>
           </p:spPr>
           <p:txBody>
-            <a:bodyPr anchorCtr="0" anchor="ctr" bIns="91425" lIns="91425" spcFirstLastPara="1" rIns="91425" wrap="square" tIns="91425">
+            <a:bodyPr spcFirstLastPara="1" wrap="square" lIns="91425" tIns="91425" rIns="91425" bIns="91425" anchor="ctr" anchorCtr="0">
               <a:noAutofit/>
             </a:bodyPr>
             <a:lstStyle/>
             <a:p>
-              <a:pPr indent="0" lvl="0" marL="0" rtl="0" algn="l">
+              <a:pPr marL="0" lvl="0" indent="0" algn="l" rtl="0">
                 <a:spcBef>
                   <a:spcPts val="0"/>
                 </a:spcBef>
@@ -2441,9 +2540,6 @@
                 </a:spcAft>
                 <a:buNone/>
               </a:pPr>
-              <a:r>
-                <a:t/>
-              </a:r>
               <a:endParaRPr/>
             </a:p>
           </p:txBody>
@@ -2455,7 +2551,7 @@
             <p:nvPr/>
           </p:nvSpPr>
           <p:spPr>
-            <a:xfrm flipH="1" rot="10800000">
+            <a:xfrm rot="10800000" flipH="1">
               <a:off x="7113588" y="107"/>
               <a:ext cx="1015200" cy="1015200"/>
             </a:xfrm>
@@ -2470,12 +2566,12 @@
             </a:ln>
           </p:spPr>
           <p:txBody>
-            <a:bodyPr anchorCtr="0" anchor="ctr" bIns="91425" lIns="91425" spcFirstLastPara="1" rIns="91425" wrap="square" tIns="91425">
+            <a:bodyPr spcFirstLastPara="1" wrap="square" lIns="91425" tIns="91425" rIns="91425" bIns="91425" anchor="ctr" anchorCtr="0">
               <a:noAutofit/>
             </a:bodyPr>
             <a:lstStyle/>
             <a:p>
-              <a:pPr indent="0" lvl="0" marL="0" rtl="0" algn="l">
+              <a:pPr marL="0" lvl="0" indent="0" algn="l" rtl="0">
                 <a:spcBef>
                   <a:spcPts val="0"/>
                 </a:spcBef>
@@ -2484,9 +2580,6 @@
                 </a:spcAft>
                 <a:buNone/>
               </a:pPr>
-              <a:r>
-                <a:t/>
-              </a:r>
               <a:endParaRPr/>
             </a:p>
           </p:txBody>
@@ -2513,12 +2606,12 @@
             </a:ln>
           </p:spPr>
           <p:txBody>
-            <a:bodyPr anchorCtr="0" anchor="ctr" bIns="91425" lIns="91425" spcFirstLastPara="1" rIns="91425" wrap="square" tIns="91425">
+            <a:bodyPr spcFirstLastPara="1" wrap="square" lIns="91425" tIns="91425" rIns="91425" bIns="91425" anchor="ctr" anchorCtr="0">
               <a:noAutofit/>
             </a:bodyPr>
             <a:lstStyle/>
             <a:p>
-              <a:pPr indent="0" lvl="0" marL="0" rtl="0" algn="l">
+              <a:pPr marL="0" lvl="0" indent="0" algn="l" rtl="0">
                 <a:spcBef>
                   <a:spcPts val="0"/>
                 </a:spcBef>
@@ -2527,9 +2620,6 @@
                 </a:spcAft>
                 <a:buNone/>
               </a:pPr>
-              <a:r>
-                <a:t/>
-              </a:r>
               <a:endParaRPr/>
             </a:p>
           </p:txBody>
@@ -2556,12 +2646,12 @@
             </a:ln>
           </p:spPr>
           <p:txBody>
-            <a:bodyPr anchorCtr="0" anchor="ctr" bIns="91425" lIns="91425" spcFirstLastPara="1" rIns="91425" wrap="square" tIns="91425">
+            <a:bodyPr spcFirstLastPara="1" wrap="square" lIns="91425" tIns="91425" rIns="91425" bIns="91425" anchor="ctr" anchorCtr="0">
               <a:noAutofit/>
             </a:bodyPr>
             <a:lstStyle/>
             <a:p>
-              <a:pPr indent="0" lvl="0" marL="0" rtl="0" algn="l">
+              <a:pPr marL="0" lvl="0" indent="0" algn="l" rtl="0">
                 <a:spcBef>
                   <a:spcPts val="0"/>
                 </a:spcBef>
@@ -2570,9 +2660,6 @@
                 </a:spcAft>
                 <a:buNone/>
               </a:pPr>
-              <a:r>
-                <a:t/>
-              </a:r>
               <a:endParaRPr/>
             </a:p>
           </p:txBody>
@@ -2581,7 +2668,9 @@
       <p:sp>
         <p:nvSpPr>
           <p:cNvPr id="16" name="Google Shape;16;p2"/>
-          <p:cNvSpPr txBox="1"/>
+          <p:cNvSpPr txBox="1">
+            <a:spLocks noGrp="1"/>
+          </p:cNvSpPr>
           <p:nvPr>
             <p:ph type="ctrTitle"/>
           </p:nvPr>
@@ -2596,7 +2685,7 @@
           </a:prstGeom>
         </p:spPr>
         <p:txBody>
-          <a:bodyPr anchorCtr="0" anchor="b" bIns="91425" lIns="91425" spcFirstLastPara="1" rIns="91425" wrap="square" tIns="91425">
+          <a:bodyPr spcFirstLastPara="1" wrap="square" lIns="91425" tIns="91425" rIns="91425" bIns="91425" anchor="b" anchorCtr="0">
             <a:noAutofit/>
           </a:bodyPr>
           <a:lstStyle>
@@ -2763,15 +2852,19 @@
               </a:defRPr>
             </a:lvl9pPr>
           </a:lstStyle>
-          <a:p/>
+          <a:p>
+            <a:endParaRPr/>
+          </a:p>
         </p:txBody>
       </p:sp>
       <p:sp>
         <p:nvSpPr>
           <p:cNvPr id="17" name="Google Shape;17;p2"/>
-          <p:cNvSpPr txBox="1"/>
+          <p:cNvSpPr txBox="1">
+            <a:spLocks noGrp="1"/>
+          </p:cNvSpPr>
           <p:nvPr>
-            <p:ph idx="1" type="subTitle"/>
+            <p:ph type="subTitle" idx="1"/>
           </p:nvPr>
         </p:nvSpPr>
         <p:spPr>
@@ -2784,7 +2877,7 @@
           </a:prstGeom>
         </p:spPr>
         <p:txBody>
-          <a:bodyPr anchorCtr="0" anchor="t" bIns="91425" lIns="91425" spcFirstLastPara="1" rIns="91425" wrap="square" tIns="91425">
+          <a:bodyPr spcFirstLastPara="1" wrap="square" lIns="91425" tIns="91425" rIns="91425" bIns="91425" anchor="t" anchorCtr="0">
             <a:noAutofit/>
           </a:bodyPr>
           <a:lstStyle>
@@ -2978,15 +3071,19 @@
               </a:defRPr>
             </a:lvl9pPr>
           </a:lstStyle>
-          <a:p/>
+          <a:p>
+            <a:endParaRPr/>
+          </a:p>
         </p:txBody>
       </p:sp>
       <p:sp>
         <p:nvSpPr>
           <p:cNvPr id="18" name="Google Shape;18;p2"/>
-          <p:cNvSpPr txBox="1"/>
+          <p:cNvSpPr txBox="1">
+            <a:spLocks noGrp="1"/>
+          </p:cNvSpPr>
           <p:nvPr>
-            <p:ph idx="12" type="sldNum"/>
+            <p:ph type="sldNum" idx="12"/>
           </p:nvPr>
         </p:nvSpPr>
         <p:spPr>
@@ -2999,7 +3096,7 @@
           </a:prstGeom>
         </p:spPr>
         <p:txBody>
-          <a:bodyPr anchorCtr="0" anchor="ctr" bIns="91425" lIns="91425" spcFirstLastPara="1" rIns="91425" wrap="square" tIns="91425">
+          <a:bodyPr spcFirstLastPara="1" wrap="square" lIns="91425" tIns="91425" rIns="91425" bIns="91425" anchor="ctr" anchorCtr="0">
             <a:noAutofit/>
           </a:bodyPr>
           <a:lstStyle>
@@ -3041,7 +3138,7 @@
             </a:lvl9pPr>
           </a:lstStyle>
           <a:p>
-            <a:pPr indent="0" lvl="0" marL="0" rtl="0" algn="r">
+            <a:pPr marL="0" lvl="0" indent="0" algn="r" rtl="0">
               <a:spcBef>
                 <a:spcPts val="0"/>
               </a:spcBef>
@@ -3067,11 +3164,11 @@
 </file>
 
 <file path=ppt/slideLayouts/slideLayout10.xml><?xml version="1.0" encoding="utf-8"?>
-<p:sldLayout xmlns:a="http://schemas.openxmlformats.org/drawingml/2006/main" xmlns:r="http://schemas.openxmlformats.org/officeDocument/2006/relationships" xmlns:mc="http://schemas.openxmlformats.org/markup-compatibility/2006" xmlns:mv="urn:schemas-microsoft-com:mac:vml" xmlns:p="http://schemas.openxmlformats.org/presentationml/2006/main" xmlns:c="http://schemas.openxmlformats.org/drawingml/2006/chart" xmlns:dgm="http://schemas.openxmlformats.org/drawingml/2006/diagram" xmlns:o="urn:schemas-microsoft-com:office:office" xmlns:v="urn:schemas-microsoft-com:vml" xmlns:pvml="urn:schemas-microsoft-com:office:powerpoint" xmlns:com="http://schemas.openxmlformats.org/drawingml/2006/compatibility" xmlns:p14="http://schemas.microsoft.com/office/powerpoint/2010/main" xmlns:p15="http://schemas.microsoft.com/office/powerpoint/2012/main" matchingName="Big number">
+<p:sldLayout xmlns:a="http://schemas.openxmlformats.org/drawingml/2006/main" xmlns:r="http://schemas.openxmlformats.org/officeDocument/2006/relationships" xmlns:p="http://schemas.openxmlformats.org/presentationml/2006/main" matchingName="Big number">
   <p:cSld name="BIG_NUMBER">
     <p:spTree>
       <p:nvGrpSpPr>
-        <p:cNvPr id="69" name="Shape 69"/>
+        <p:cNvPr id="1" name="Shape 69"/>
         <p:cNvGrpSpPr/>
         <p:nvPr/>
       </p:nvGrpSpPr>
@@ -3119,12 +3216,12 @@
             </a:ln>
           </p:spPr>
           <p:txBody>
-            <a:bodyPr anchorCtr="0" anchor="ctr" bIns="91425" lIns="91425" spcFirstLastPara="1" rIns="91425" wrap="square" tIns="91425">
+            <a:bodyPr spcFirstLastPara="1" wrap="square" lIns="91425" tIns="91425" rIns="91425" bIns="91425" anchor="ctr" anchorCtr="0">
               <a:noAutofit/>
             </a:bodyPr>
             <a:lstStyle/>
             <a:p>
-              <a:pPr indent="0" lvl="0" marL="0" rtl="0" algn="l">
+              <a:pPr marL="0" lvl="0" indent="0" algn="l" rtl="0">
                 <a:spcBef>
                   <a:spcPts val="0"/>
                 </a:spcBef>
@@ -3133,9 +3230,6 @@
                 </a:spcAft>
                 <a:buNone/>
               </a:pPr>
-              <a:r>
-                <a:t/>
-              </a:r>
               <a:endParaRPr/>
             </a:p>
           </p:txBody>
@@ -3162,12 +3256,12 @@
             </a:ln>
           </p:spPr>
           <p:txBody>
-            <a:bodyPr anchorCtr="0" anchor="ctr" bIns="91425" lIns="91425" spcFirstLastPara="1" rIns="91425" wrap="square" tIns="91425">
+            <a:bodyPr spcFirstLastPara="1" wrap="square" lIns="91425" tIns="91425" rIns="91425" bIns="91425" anchor="ctr" anchorCtr="0">
               <a:noAutofit/>
             </a:bodyPr>
             <a:lstStyle/>
             <a:p>
-              <a:pPr indent="0" lvl="0" marL="0" rtl="0" algn="l">
+              <a:pPr marL="0" lvl="0" indent="0" algn="l" rtl="0">
                 <a:spcBef>
                   <a:spcPts val="0"/>
                 </a:spcBef>
@@ -3176,9 +3270,6 @@
                 </a:spcAft>
                 <a:buNone/>
               </a:pPr>
-              <a:r>
-                <a:t/>
-              </a:r>
               <a:endParaRPr/>
             </a:p>
           </p:txBody>
@@ -3190,7 +3281,7 @@
             <p:nvPr/>
           </p:nvSpPr>
           <p:spPr>
-            <a:xfrm flipH="1" rot="10800000">
+            <a:xfrm rot="10800000" flipH="1">
               <a:off x="7113588" y="107"/>
               <a:ext cx="1015200" cy="1015200"/>
             </a:xfrm>
@@ -3205,12 +3296,12 @@
             </a:ln>
           </p:spPr>
           <p:txBody>
-            <a:bodyPr anchorCtr="0" anchor="ctr" bIns="91425" lIns="91425" spcFirstLastPara="1" rIns="91425" wrap="square" tIns="91425">
+            <a:bodyPr spcFirstLastPara="1" wrap="square" lIns="91425" tIns="91425" rIns="91425" bIns="91425" anchor="ctr" anchorCtr="0">
               <a:noAutofit/>
             </a:bodyPr>
             <a:lstStyle/>
             <a:p>
-              <a:pPr indent="0" lvl="0" marL="0" rtl="0" algn="l">
+              <a:pPr marL="0" lvl="0" indent="0" algn="l" rtl="0">
                 <a:spcBef>
                   <a:spcPts val="0"/>
                 </a:spcBef>
@@ -3219,9 +3310,6 @@
                 </a:spcAft>
                 <a:buNone/>
               </a:pPr>
-              <a:r>
-                <a:t/>
-              </a:r>
               <a:endParaRPr/>
             </a:p>
           </p:txBody>
@@ -3248,12 +3336,12 @@
             </a:ln>
           </p:spPr>
           <p:txBody>
-            <a:bodyPr anchorCtr="0" anchor="ctr" bIns="91425" lIns="91425" spcFirstLastPara="1" rIns="91425" wrap="square" tIns="91425">
+            <a:bodyPr spcFirstLastPara="1" wrap="square" lIns="91425" tIns="91425" rIns="91425" bIns="91425" anchor="ctr" anchorCtr="0">
               <a:noAutofit/>
             </a:bodyPr>
             <a:lstStyle/>
             <a:p>
-              <a:pPr indent="0" lvl="0" marL="0" rtl="0" algn="l">
+              <a:pPr marL="0" lvl="0" indent="0" algn="l" rtl="0">
                 <a:spcBef>
                   <a:spcPts val="0"/>
                 </a:spcBef>
@@ -3262,9 +3350,6 @@
                 </a:spcAft>
                 <a:buNone/>
               </a:pPr>
-              <a:r>
-                <a:t/>
-              </a:r>
               <a:endParaRPr/>
             </a:p>
           </p:txBody>
@@ -3291,12 +3376,12 @@
             </a:ln>
           </p:spPr>
           <p:txBody>
-            <a:bodyPr anchorCtr="0" anchor="ctr" bIns="91425" lIns="91425" spcFirstLastPara="1" rIns="91425" wrap="square" tIns="91425">
+            <a:bodyPr spcFirstLastPara="1" wrap="square" lIns="91425" tIns="91425" rIns="91425" bIns="91425" anchor="ctr" anchorCtr="0">
               <a:noAutofit/>
             </a:bodyPr>
             <a:lstStyle/>
             <a:p>
-              <a:pPr indent="0" lvl="0" marL="0" rtl="0" algn="l">
+              <a:pPr marL="0" lvl="0" indent="0" algn="l" rtl="0">
                 <a:spcBef>
                   <a:spcPts val="0"/>
                 </a:spcBef>
@@ -3305,9 +3390,6 @@
                 </a:spcAft>
                 <a:buNone/>
               </a:pPr>
-              <a:r>
-                <a:t/>
-              </a:r>
               <a:endParaRPr/>
             </a:p>
           </p:txBody>
@@ -3316,9 +3398,11 @@
       <p:sp>
         <p:nvSpPr>
           <p:cNvPr id="76" name="Google Shape;76;p11"/>
-          <p:cNvSpPr txBox="1"/>
+          <p:cNvSpPr txBox="1">
+            <a:spLocks noGrp="1"/>
+          </p:cNvSpPr>
           <p:nvPr>
-            <p:ph hasCustomPrompt="1" type="title"/>
+            <p:ph type="title" hasCustomPrompt="1"/>
           </p:nvPr>
         </p:nvSpPr>
         <p:spPr>
@@ -3331,7 +3415,7 @@
           </a:prstGeom>
         </p:spPr>
         <p:txBody>
-          <a:bodyPr anchorCtr="0" anchor="b" bIns="91425" lIns="91425" spcFirstLastPara="1" rIns="91425" wrap="square" tIns="91425">
+          <a:bodyPr spcFirstLastPara="1" wrap="square" lIns="91425" tIns="91425" rIns="91425" bIns="91425" anchor="b" anchorCtr="0">
             <a:noAutofit/>
           </a:bodyPr>
           <a:lstStyle>
@@ -3508,9 +3592,11 @@
       <p:sp>
         <p:nvSpPr>
           <p:cNvPr id="77" name="Google Shape;77;p11"/>
-          <p:cNvSpPr txBox="1"/>
+          <p:cNvSpPr txBox="1">
+            <a:spLocks noGrp="1"/>
+          </p:cNvSpPr>
           <p:nvPr>
-            <p:ph idx="1" type="body"/>
+            <p:ph type="body" idx="1"/>
           </p:nvPr>
         </p:nvSpPr>
         <p:spPr>
@@ -3523,11 +3609,11 @@
           </a:prstGeom>
         </p:spPr>
         <p:txBody>
-          <a:bodyPr anchorCtr="0" anchor="t" bIns="91425" lIns="91425" spcFirstLastPara="1" rIns="91425" wrap="square" tIns="91425">
+          <a:bodyPr spcFirstLastPara="1" wrap="square" lIns="91425" tIns="91425" rIns="91425" bIns="91425" anchor="t" anchorCtr="0">
             <a:noAutofit/>
           </a:bodyPr>
           <a:lstStyle>
-            <a:lvl1pPr indent="-342900" lvl="0" marL="457200" algn="ctr">
+            <a:lvl1pPr marL="457200" lvl="0" indent="-342900" algn="ctr">
               <a:spcBef>
                 <a:spcPts val="0"/>
               </a:spcBef>
@@ -3545,7 +3631,7 @@
                 </a:solidFill>
               </a:defRPr>
             </a:lvl1pPr>
-            <a:lvl2pPr indent="-317500" lvl="1" marL="914400" algn="ctr">
+            <a:lvl2pPr marL="914400" lvl="1" indent="-317500" algn="ctr">
               <a:spcBef>
                 <a:spcPts val="1600"/>
               </a:spcBef>
@@ -3563,7 +3649,7 @@
                 </a:solidFill>
               </a:defRPr>
             </a:lvl2pPr>
-            <a:lvl3pPr indent="-317500" lvl="2" marL="1371600" algn="ctr">
+            <a:lvl3pPr marL="1371600" lvl="2" indent="-317500" algn="ctr">
               <a:spcBef>
                 <a:spcPts val="1600"/>
               </a:spcBef>
@@ -3581,7 +3667,7 @@
                 </a:solidFill>
               </a:defRPr>
             </a:lvl3pPr>
-            <a:lvl4pPr indent="-317500" lvl="3" marL="1828800" algn="ctr">
+            <a:lvl4pPr marL="1828800" lvl="3" indent="-317500" algn="ctr">
               <a:spcBef>
                 <a:spcPts val="1600"/>
               </a:spcBef>
@@ -3599,7 +3685,7 @@
                 </a:solidFill>
               </a:defRPr>
             </a:lvl4pPr>
-            <a:lvl5pPr indent="-317500" lvl="4" marL="2286000" algn="ctr">
+            <a:lvl5pPr marL="2286000" lvl="4" indent="-317500" algn="ctr">
               <a:spcBef>
                 <a:spcPts val="1600"/>
               </a:spcBef>
@@ -3617,7 +3703,7 @@
                 </a:solidFill>
               </a:defRPr>
             </a:lvl5pPr>
-            <a:lvl6pPr indent="-317500" lvl="5" marL="2743200" algn="ctr">
+            <a:lvl6pPr marL="2743200" lvl="5" indent="-317500" algn="ctr">
               <a:spcBef>
                 <a:spcPts val="1600"/>
               </a:spcBef>
@@ -3635,7 +3721,7 @@
                 </a:solidFill>
               </a:defRPr>
             </a:lvl6pPr>
-            <a:lvl7pPr indent="-317500" lvl="6" marL="3200400" algn="ctr">
+            <a:lvl7pPr marL="3200400" lvl="6" indent="-317500" algn="ctr">
               <a:spcBef>
                 <a:spcPts val="1600"/>
               </a:spcBef>
@@ -3653,7 +3739,7 @@
                 </a:solidFill>
               </a:defRPr>
             </a:lvl7pPr>
-            <a:lvl8pPr indent="-317500" lvl="7" marL="3657600" algn="ctr">
+            <a:lvl8pPr marL="3657600" lvl="7" indent="-317500" algn="ctr">
               <a:spcBef>
                 <a:spcPts val="1600"/>
               </a:spcBef>
@@ -3671,7 +3757,7 @@
                 </a:solidFill>
               </a:defRPr>
             </a:lvl8pPr>
-            <a:lvl9pPr indent="-317500" lvl="8" marL="4114800" algn="ctr">
+            <a:lvl9pPr marL="4114800" lvl="8" indent="-317500" algn="ctr">
               <a:spcBef>
                 <a:spcPts val="1600"/>
               </a:spcBef>
@@ -3690,15 +3776,19 @@
               </a:defRPr>
             </a:lvl9pPr>
           </a:lstStyle>
-          <a:p/>
+          <a:p>
+            <a:endParaRPr/>
+          </a:p>
         </p:txBody>
       </p:sp>
       <p:sp>
         <p:nvSpPr>
           <p:cNvPr id="78" name="Google Shape;78;p11"/>
-          <p:cNvSpPr txBox="1"/>
+          <p:cNvSpPr txBox="1">
+            <a:spLocks noGrp="1"/>
+          </p:cNvSpPr>
           <p:nvPr>
-            <p:ph idx="12" type="sldNum"/>
+            <p:ph type="sldNum" idx="12"/>
           </p:nvPr>
         </p:nvSpPr>
         <p:spPr>
@@ -3711,7 +3801,7 @@
           </a:prstGeom>
         </p:spPr>
         <p:txBody>
-          <a:bodyPr anchorCtr="0" anchor="ctr" bIns="91425" lIns="91425" spcFirstLastPara="1" rIns="91425" wrap="square" tIns="91425">
+          <a:bodyPr spcFirstLastPara="1" wrap="square" lIns="91425" tIns="91425" rIns="91425" bIns="91425" anchor="ctr" anchorCtr="0">
             <a:noAutofit/>
           </a:bodyPr>
           <a:lstStyle>
@@ -3753,7 +3843,7 @@
             </a:lvl9pPr>
           </a:lstStyle>
           <a:p>
-            <a:pPr indent="0" lvl="0" marL="0" rtl="0" algn="r">
+            <a:pPr marL="0" lvl="0" indent="0" algn="r" rtl="0">
               <a:spcBef>
                 <a:spcPts val="0"/>
               </a:spcBef>
@@ -3779,11 +3869,11 @@
 </file>
 
 <file path=ppt/slideLayouts/slideLayout11.xml><?xml version="1.0" encoding="utf-8"?>
-<p:sldLayout xmlns:a="http://schemas.openxmlformats.org/drawingml/2006/main" xmlns:r="http://schemas.openxmlformats.org/officeDocument/2006/relationships" xmlns:mc="http://schemas.openxmlformats.org/markup-compatibility/2006" xmlns:mv="urn:schemas-microsoft-com:mac:vml" xmlns:p="http://schemas.openxmlformats.org/presentationml/2006/main" xmlns:c="http://schemas.openxmlformats.org/drawingml/2006/chart" xmlns:dgm="http://schemas.openxmlformats.org/drawingml/2006/diagram" xmlns:o="urn:schemas-microsoft-com:office:office" xmlns:v="urn:schemas-microsoft-com:vml" xmlns:pvml="urn:schemas-microsoft-com:office:powerpoint" xmlns:com="http://schemas.openxmlformats.org/drawingml/2006/compatibility" xmlns:p14="http://schemas.microsoft.com/office/powerpoint/2010/main" xmlns:p15="http://schemas.microsoft.com/office/powerpoint/2012/main" matchingName="Blank" type="blank">
+<p:sldLayout xmlns:a="http://schemas.openxmlformats.org/drawingml/2006/main" xmlns:r="http://schemas.openxmlformats.org/officeDocument/2006/relationships" xmlns:p="http://schemas.openxmlformats.org/presentationml/2006/main" matchingName="Blank" type="blank">
   <p:cSld name="BLANK">
     <p:spTree>
       <p:nvGrpSpPr>
-        <p:cNvPr id="79" name="Shape 79"/>
+        <p:cNvPr id="1" name="Shape 79"/>
         <p:cNvGrpSpPr/>
         <p:nvPr/>
       </p:nvGrpSpPr>
@@ -3798,9 +3888,11 @@
       <p:sp>
         <p:nvSpPr>
           <p:cNvPr id="80" name="Google Shape;80;p12"/>
-          <p:cNvSpPr txBox="1"/>
+          <p:cNvSpPr txBox="1">
+            <a:spLocks noGrp="1"/>
+          </p:cNvSpPr>
           <p:nvPr>
-            <p:ph idx="12" type="sldNum"/>
+            <p:ph type="sldNum" idx="12"/>
           </p:nvPr>
         </p:nvSpPr>
         <p:spPr>
@@ -3813,7 +3905,7 @@
           </a:prstGeom>
         </p:spPr>
         <p:txBody>
-          <a:bodyPr anchorCtr="0" anchor="ctr" bIns="91425" lIns="91425" spcFirstLastPara="1" rIns="91425" wrap="square" tIns="91425">
+          <a:bodyPr spcFirstLastPara="1" wrap="square" lIns="91425" tIns="91425" rIns="91425" bIns="91425" anchor="ctr" anchorCtr="0">
             <a:noAutofit/>
           </a:bodyPr>
           <a:lstStyle>
@@ -3891,7 +3983,7 @@
             </a:lvl9pPr>
           </a:lstStyle>
           <a:p>
-            <a:pPr indent="0" lvl="0" marL="0" rtl="0" algn="r">
+            <a:pPr marL="0" lvl="0" indent="0" algn="r" rtl="0">
               <a:spcBef>
                 <a:spcPts val="0"/>
               </a:spcBef>
@@ -3917,11 +4009,11 @@
 </file>
 
 <file path=ppt/slideLayouts/slideLayout2.xml><?xml version="1.0" encoding="utf-8"?>
-<p:sldLayout xmlns:a="http://schemas.openxmlformats.org/drawingml/2006/main" xmlns:r="http://schemas.openxmlformats.org/officeDocument/2006/relationships" xmlns:mc="http://schemas.openxmlformats.org/markup-compatibility/2006" xmlns:mv="urn:schemas-microsoft-com:mac:vml" xmlns:p="http://schemas.openxmlformats.org/presentationml/2006/main" xmlns:c="http://schemas.openxmlformats.org/drawingml/2006/chart" xmlns:dgm="http://schemas.openxmlformats.org/drawingml/2006/diagram" xmlns:o="urn:schemas-microsoft-com:office:office" xmlns:v="urn:schemas-microsoft-com:vml" xmlns:pvml="urn:schemas-microsoft-com:office:powerpoint" xmlns:com="http://schemas.openxmlformats.org/drawingml/2006/compatibility" xmlns:p14="http://schemas.microsoft.com/office/powerpoint/2010/main" xmlns:p15="http://schemas.microsoft.com/office/powerpoint/2012/main" matchingName="Section header" type="secHead">
+<p:sldLayout xmlns:a="http://schemas.openxmlformats.org/drawingml/2006/main" xmlns:r="http://schemas.openxmlformats.org/officeDocument/2006/relationships" xmlns:p="http://schemas.openxmlformats.org/presentationml/2006/main" matchingName="Section header" type="secHead">
   <p:cSld name="SECTION_HEADER">
     <p:spTree>
       <p:nvGrpSpPr>
-        <p:cNvPr id="19" name="Shape 19"/>
+        <p:cNvPr id="1" name="Shape 19"/>
         <p:cNvGrpSpPr/>
         <p:nvPr/>
       </p:nvGrpSpPr>
@@ -3969,12 +4061,12 @@
             </a:ln>
           </p:spPr>
           <p:txBody>
-            <a:bodyPr anchorCtr="0" anchor="ctr" bIns="91425" lIns="91425" spcFirstLastPara="1" rIns="91425" wrap="square" tIns="91425">
+            <a:bodyPr spcFirstLastPara="1" wrap="square" lIns="91425" tIns="91425" rIns="91425" bIns="91425" anchor="ctr" anchorCtr="0">
               <a:noAutofit/>
             </a:bodyPr>
             <a:lstStyle/>
             <a:p>
-              <a:pPr indent="0" lvl="0" marL="0" rtl="0" algn="l">
+              <a:pPr marL="0" lvl="0" indent="0" algn="l" rtl="0">
                 <a:spcBef>
                   <a:spcPts val="0"/>
                 </a:spcBef>
@@ -3983,9 +4075,6 @@
                 </a:spcAft>
                 <a:buNone/>
               </a:pPr>
-              <a:r>
-                <a:t/>
-              </a:r>
               <a:endParaRPr/>
             </a:p>
           </p:txBody>
@@ -4012,12 +4101,12 @@
             </a:ln>
           </p:spPr>
           <p:txBody>
-            <a:bodyPr anchorCtr="0" anchor="ctr" bIns="91425" lIns="91425" spcFirstLastPara="1" rIns="91425" wrap="square" tIns="91425">
+            <a:bodyPr spcFirstLastPara="1" wrap="square" lIns="91425" tIns="91425" rIns="91425" bIns="91425" anchor="ctr" anchorCtr="0">
               <a:noAutofit/>
             </a:bodyPr>
             <a:lstStyle/>
             <a:p>
-              <a:pPr indent="0" lvl="0" marL="0" rtl="0" algn="l">
+              <a:pPr marL="0" lvl="0" indent="0" algn="l" rtl="0">
                 <a:spcBef>
                   <a:spcPts val="0"/>
                 </a:spcBef>
@@ -4026,9 +4115,6 @@
                 </a:spcAft>
                 <a:buNone/>
               </a:pPr>
-              <a:r>
-                <a:t/>
-              </a:r>
               <a:endParaRPr/>
             </a:p>
           </p:txBody>
@@ -4040,7 +4126,7 @@
             <p:nvPr/>
           </p:nvSpPr>
           <p:spPr>
-            <a:xfrm flipH="1" rot="10800000">
+            <a:xfrm rot="10800000" flipH="1">
               <a:off x="7113588" y="107"/>
               <a:ext cx="1015200" cy="1015200"/>
             </a:xfrm>
@@ -4055,12 +4141,12 @@
             </a:ln>
           </p:spPr>
           <p:txBody>
-            <a:bodyPr anchorCtr="0" anchor="ctr" bIns="91425" lIns="91425" spcFirstLastPara="1" rIns="91425" wrap="square" tIns="91425">
+            <a:bodyPr spcFirstLastPara="1" wrap="square" lIns="91425" tIns="91425" rIns="91425" bIns="91425" anchor="ctr" anchorCtr="0">
               <a:noAutofit/>
             </a:bodyPr>
             <a:lstStyle/>
             <a:p>
-              <a:pPr indent="0" lvl="0" marL="0" rtl="0" algn="l">
+              <a:pPr marL="0" lvl="0" indent="0" algn="l" rtl="0">
                 <a:spcBef>
                   <a:spcPts val="0"/>
                 </a:spcBef>
@@ -4069,9 +4155,6 @@
                 </a:spcAft>
                 <a:buNone/>
               </a:pPr>
-              <a:r>
-                <a:t/>
-              </a:r>
               <a:endParaRPr/>
             </a:p>
           </p:txBody>
@@ -4098,12 +4181,12 @@
             </a:ln>
           </p:spPr>
           <p:txBody>
-            <a:bodyPr anchorCtr="0" anchor="ctr" bIns="91425" lIns="91425" spcFirstLastPara="1" rIns="91425" wrap="square" tIns="91425">
+            <a:bodyPr spcFirstLastPara="1" wrap="square" lIns="91425" tIns="91425" rIns="91425" bIns="91425" anchor="ctr" anchorCtr="0">
               <a:noAutofit/>
             </a:bodyPr>
             <a:lstStyle/>
             <a:p>
-              <a:pPr indent="0" lvl="0" marL="0" rtl="0" algn="l">
+              <a:pPr marL="0" lvl="0" indent="0" algn="l" rtl="0">
                 <a:spcBef>
                   <a:spcPts val="0"/>
                 </a:spcBef>
@@ -4112,9 +4195,6 @@
                 </a:spcAft>
                 <a:buNone/>
               </a:pPr>
-              <a:r>
-                <a:t/>
-              </a:r>
               <a:endParaRPr/>
             </a:p>
           </p:txBody>
@@ -4141,12 +4221,12 @@
             </a:ln>
           </p:spPr>
           <p:txBody>
-            <a:bodyPr anchorCtr="0" anchor="ctr" bIns="91425" lIns="91425" spcFirstLastPara="1" rIns="91425" wrap="square" tIns="91425">
+            <a:bodyPr spcFirstLastPara="1" wrap="square" lIns="91425" tIns="91425" rIns="91425" bIns="91425" anchor="ctr" anchorCtr="0">
               <a:noAutofit/>
             </a:bodyPr>
             <a:lstStyle/>
             <a:p>
-              <a:pPr indent="0" lvl="0" marL="0" rtl="0" algn="l">
+              <a:pPr marL="0" lvl="0" indent="0" algn="l" rtl="0">
                 <a:spcBef>
                   <a:spcPts val="0"/>
                 </a:spcBef>
@@ -4155,9 +4235,6 @@
                 </a:spcAft>
                 <a:buNone/>
               </a:pPr>
-              <a:r>
-                <a:t/>
-              </a:r>
               <a:endParaRPr/>
             </a:p>
           </p:txBody>
@@ -4166,7 +4243,9 @@
       <p:sp>
         <p:nvSpPr>
           <p:cNvPr id="26" name="Google Shape;26;p3"/>
-          <p:cNvSpPr txBox="1"/>
+          <p:cNvSpPr txBox="1">
+            <a:spLocks noGrp="1"/>
+          </p:cNvSpPr>
           <p:nvPr>
             <p:ph type="title"/>
           </p:nvPr>
@@ -4181,7 +4260,7 @@
           </a:prstGeom>
         </p:spPr>
         <p:txBody>
-          <a:bodyPr anchorCtr="0" anchor="ctr" bIns="91425" lIns="91425" spcFirstLastPara="1" rIns="91425" wrap="square" tIns="91425">
+          <a:bodyPr spcFirstLastPara="1" wrap="square" lIns="91425" tIns="91425" rIns="91425" bIns="91425" anchor="ctr" anchorCtr="0">
             <a:noAutofit/>
           </a:bodyPr>
           <a:lstStyle>
@@ -4348,15 +4427,19 @@
               </a:defRPr>
             </a:lvl9pPr>
           </a:lstStyle>
-          <a:p/>
+          <a:p>
+            <a:endParaRPr/>
+          </a:p>
         </p:txBody>
       </p:sp>
       <p:sp>
         <p:nvSpPr>
           <p:cNvPr id="27" name="Google Shape;27;p3"/>
-          <p:cNvSpPr txBox="1"/>
+          <p:cNvSpPr txBox="1">
+            <a:spLocks noGrp="1"/>
+          </p:cNvSpPr>
           <p:nvPr>
-            <p:ph idx="12" type="sldNum"/>
+            <p:ph type="sldNum" idx="12"/>
           </p:nvPr>
         </p:nvSpPr>
         <p:spPr>
@@ -4369,7 +4452,7 @@
           </a:prstGeom>
         </p:spPr>
         <p:txBody>
-          <a:bodyPr anchorCtr="0" anchor="ctr" bIns="91425" lIns="91425" spcFirstLastPara="1" rIns="91425" wrap="square" tIns="91425">
+          <a:bodyPr spcFirstLastPara="1" wrap="square" lIns="91425" tIns="91425" rIns="91425" bIns="91425" anchor="ctr" anchorCtr="0">
             <a:noAutofit/>
           </a:bodyPr>
           <a:lstStyle>
@@ -4411,7 +4494,7 @@
             </a:lvl9pPr>
           </a:lstStyle>
           <a:p>
-            <a:pPr indent="0" lvl="0" marL="0" rtl="0" algn="r">
+            <a:pPr marL="0" lvl="0" indent="0" algn="r" rtl="0">
               <a:spcBef>
                 <a:spcPts val="0"/>
               </a:spcBef>
@@ -4437,11 +4520,11 @@
 </file>
 
 <file path=ppt/slideLayouts/slideLayout3.xml><?xml version="1.0" encoding="utf-8"?>
-<p:sldLayout xmlns:a="http://schemas.openxmlformats.org/drawingml/2006/main" xmlns:r="http://schemas.openxmlformats.org/officeDocument/2006/relationships" xmlns:mc="http://schemas.openxmlformats.org/markup-compatibility/2006" xmlns:mv="urn:schemas-microsoft-com:mac:vml" xmlns:p="http://schemas.openxmlformats.org/presentationml/2006/main" xmlns:c="http://schemas.openxmlformats.org/drawingml/2006/chart" xmlns:dgm="http://schemas.openxmlformats.org/drawingml/2006/diagram" xmlns:o="urn:schemas-microsoft-com:office:office" xmlns:v="urn:schemas-microsoft-com:vml" xmlns:pvml="urn:schemas-microsoft-com:office:powerpoint" xmlns:com="http://schemas.openxmlformats.org/drawingml/2006/compatibility" xmlns:p14="http://schemas.microsoft.com/office/powerpoint/2010/main" xmlns:p15="http://schemas.microsoft.com/office/powerpoint/2012/main" matchingName="Title and body" type="tx">
+<p:sldLayout xmlns:a="http://schemas.openxmlformats.org/drawingml/2006/main" xmlns:r="http://schemas.openxmlformats.org/officeDocument/2006/relationships" xmlns:p="http://schemas.openxmlformats.org/presentationml/2006/main" matchingName="Title and body" type="tx">
   <p:cSld name="TITLE_AND_BODY">
     <p:spTree>
       <p:nvGrpSpPr>
-        <p:cNvPr id="28" name="Shape 28"/>
+        <p:cNvPr id="1" name="Shape 28"/>
         <p:cNvGrpSpPr/>
         <p:nvPr/>
       </p:nvGrpSpPr>
@@ -4489,12 +4572,12 @@
             </a:ln>
           </p:spPr>
           <p:txBody>
-            <a:bodyPr anchorCtr="0" anchor="ctr" bIns="91425" lIns="91425" spcFirstLastPara="1" rIns="91425" wrap="square" tIns="91425">
+            <a:bodyPr spcFirstLastPara="1" wrap="square" lIns="91425" tIns="91425" rIns="91425" bIns="91425" anchor="ctr" anchorCtr="0">
               <a:noAutofit/>
             </a:bodyPr>
             <a:lstStyle/>
             <a:p>
-              <a:pPr indent="0" lvl="0" marL="0" rtl="0" algn="l">
+              <a:pPr marL="0" lvl="0" indent="0" algn="l" rtl="0">
                 <a:spcBef>
                   <a:spcPts val="0"/>
                 </a:spcBef>
@@ -4503,9 +4586,6 @@
                 </a:spcAft>
                 <a:buNone/>
               </a:pPr>
-              <a:r>
-                <a:t/>
-              </a:r>
               <a:endParaRPr/>
             </a:p>
           </p:txBody>
@@ -4532,12 +4612,12 @@
             </a:ln>
           </p:spPr>
           <p:txBody>
-            <a:bodyPr anchorCtr="0" anchor="ctr" bIns="91425" lIns="91425" spcFirstLastPara="1" rIns="91425" wrap="square" tIns="91425">
+            <a:bodyPr spcFirstLastPara="1" wrap="square" lIns="91425" tIns="91425" rIns="91425" bIns="91425" anchor="ctr" anchorCtr="0">
               <a:noAutofit/>
             </a:bodyPr>
             <a:lstStyle/>
             <a:p>
-              <a:pPr indent="0" lvl="0" marL="0" rtl="0" algn="l">
+              <a:pPr marL="0" lvl="0" indent="0" algn="l" rtl="0">
                 <a:spcBef>
                   <a:spcPts val="0"/>
                 </a:spcBef>
@@ -4546,9 +4626,6 @@
                 </a:spcAft>
                 <a:buNone/>
               </a:pPr>
-              <a:r>
-                <a:t/>
-              </a:r>
               <a:endParaRPr/>
             </a:p>
           </p:txBody>
@@ -4575,12 +4652,12 @@
             </a:ln>
           </p:spPr>
           <p:txBody>
-            <a:bodyPr anchorCtr="0" anchor="ctr" bIns="91425" lIns="91425" spcFirstLastPara="1" rIns="91425" wrap="square" tIns="91425">
+            <a:bodyPr spcFirstLastPara="1" wrap="square" lIns="91425" tIns="91425" rIns="91425" bIns="91425" anchor="ctr" anchorCtr="0">
               <a:noAutofit/>
             </a:bodyPr>
             <a:lstStyle/>
             <a:p>
-              <a:pPr indent="0" lvl="0" marL="0" rtl="0" algn="l">
+              <a:pPr marL="0" lvl="0" indent="0" algn="l" rtl="0">
                 <a:spcBef>
                   <a:spcPts val="0"/>
                 </a:spcBef>
@@ -4589,9 +4666,6 @@
                 </a:spcAft>
                 <a:buNone/>
               </a:pPr>
-              <a:r>
-                <a:t/>
-              </a:r>
               <a:endParaRPr/>
             </a:p>
           </p:txBody>
@@ -4618,12 +4692,12 @@
             </a:ln>
           </p:spPr>
           <p:txBody>
-            <a:bodyPr anchorCtr="0" anchor="ctr" bIns="91425" lIns="91425" spcFirstLastPara="1" rIns="91425" wrap="square" tIns="91425">
+            <a:bodyPr spcFirstLastPara="1" wrap="square" lIns="91425" tIns="91425" rIns="91425" bIns="91425" anchor="ctr" anchorCtr="0">
               <a:noAutofit/>
             </a:bodyPr>
             <a:lstStyle/>
             <a:p>
-              <a:pPr indent="0" lvl="0" marL="0" rtl="0" algn="l">
+              <a:pPr marL="0" lvl="0" indent="0" algn="l" rtl="0">
                 <a:spcBef>
                   <a:spcPts val="0"/>
                 </a:spcBef>
@@ -4632,9 +4706,6 @@
                 </a:spcAft>
                 <a:buNone/>
               </a:pPr>
-              <a:r>
-                <a:t/>
-              </a:r>
               <a:endParaRPr/>
             </a:p>
           </p:txBody>
@@ -4661,12 +4732,12 @@
             </a:ln>
           </p:spPr>
           <p:txBody>
-            <a:bodyPr anchorCtr="0" anchor="ctr" bIns="91425" lIns="91425" spcFirstLastPara="1" rIns="91425" wrap="square" tIns="91425">
+            <a:bodyPr spcFirstLastPara="1" wrap="square" lIns="91425" tIns="91425" rIns="91425" bIns="91425" anchor="ctr" anchorCtr="0">
               <a:noAutofit/>
             </a:bodyPr>
             <a:lstStyle/>
             <a:p>
-              <a:pPr indent="0" lvl="0" marL="0" rtl="0" algn="l">
+              <a:pPr marL="0" lvl="0" indent="0" algn="l" rtl="0">
                 <a:spcBef>
                   <a:spcPts val="0"/>
                 </a:spcBef>
@@ -4675,9 +4746,6 @@
                 </a:spcAft>
                 <a:buNone/>
               </a:pPr>
-              <a:r>
-                <a:t/>
-              </a:r>
               <a:endParaRPr/>
             </a:p>
           </p:txBody>
@@ -4686,7 +4754,9 @@
       <p:sp>
         <p:nvSpPr>
           <p:cNvPr id="35" name="Google Shape;35;p4"/>
-          <p:cNvSpPr txBox="1"/>
+          <p:cNvSpPr txBox="1">
+            <a:spLocks noGrp="1"/>
+          </p:cNvSpPr>
           <p:nvPr>
             <p:ph type="title"/>
           </p:nvPr>
@@ -4701,7 +4771,7 @@
           </a:prstGeom>
         </p:spPr>
         <p:txBody>
-          <a:bodyPr anchorCtr="0" anchor="t" bIns="91425" lIns="91425" spcFirstLastPara="1" rIns="91425" wrap="square" tIns="91425">
+          <a:bodyPr spcFirstLastPara="1" wrap="square" lIns="91425" tIns="91425" rIns="91425" bIns="91425" anchor="t" anchorCtr="0">
             <a:noAutofit/>
           </a:bodyPr>
           <a:lstStyle>
@@ -4805,15 +4875,19 @@
               <a:defRPr/>
             </a:lvl9pPr>
           </a:lstStyle>
-          <a:p/>
+          <a:p>
+            <a:endParaRPr/>
+          </a:p>
         </p:txBody>
       </p:sp>
       <p:sp>
         <p:nvSpPr>
           <p:cNvPr id="36" name="Google Shape;36;p4"/>
-          <p:cNvSpPr txBox="1"/>
+          <p:cNvSpPr txBox="1">
+            <a:spLocks noGrp="1"/>
+          </p:cNvSpPr>
           <p:nvPr>
-            <p:ph idx="1" type="body"/>
+            <p:ph type="body" idx="1"/>
           </p:nvPr>
         </p:nvSpPr>
         <p:spPr>
@@ -4826,11 +4900,11 @@
           </a:prstGeom>
         </p:spPr>
         <p:txBody>
-          <a:bodyPr anchorCtr="0" anchor="t" bIns="91425" lIns="91425" spcFirstLastPara="1" rIns="91425" wrap="square" tIns="91425">
+          <a:bodyPr spcFirstLastPara="1" wrap="square" lIns="91425" tIns="91425" rIns="91425" bIns="91425" anchor="t" anchorCtr="0">
             <a:noAutofit/>
           </a:bodyPr>
           <a:lstStyle>
-            <a:lvl1pPr indent="-342900" lvl="0" marL="457200">
+            <a:lvl1pPr marL="457200" lvl="0" indent="-342900">
               <a:spcBef>
                 <a:spcPts val="0"/>
               </a:spcBef>
@@ -4841,7 +4915,7 @@
               <a:buChar char="●"/>
               <a:defRPr/>
             </a:lvl1pPr>
-            <a:lvl2pPr indent="-317500" lvl="1" marL="914400">
+            <a:lvl2pPr marL="914400" lvl="1" indent="-317500">
               <a:spcBef>
                 <a:spcPts val="1600"/>
               </a:spcBef>
@@ -4852,7 +4926,7 @@
               <a:buChar char="○"/>
               <a:defRPr/>
             </a:lvl2pPr>
-            <a:lvl3pPr indent="-317500" lvl="2" marL="1371600">
+            <a:lvl3pPr marL="1371600" lvl="2" indent="-317500">
               <a:spcBef>
                 <a:spcPts val="1600"/>
               </a:spcBef>
@@ -4863,7 +4937,7 @@
               <a:buChar char="■"/>
               <a:defRPr/>
             </a:lvl3pPr>
-            <a:lvl4pPr indent="-317500" lvl="3" marL="1828800">
+            <a:lvl4pPr marL="1828800" lvl="3" indent="-317500">
               <a:spcBef>
                 <a:spcPts val="1600"/>
               </a:spcBef>
@@ -4874,7 +4948,7 @@
               <a:buChar char="●"/>
               <a:defRPr/>
             </a:lvl4pPr>
-            <a:lvl5pPr indent="-317500" lvl="4" marL="2286000">
+            <a:lvl5pPr marL="2286000" lvl="4" indent="-317500">
               <a:spcBef>
                 <a:spcPts val="1600"/>
               </a:spcBef>
@@ -4885,7 +4959,7 @@
               <a:buChar char="○"/>
               <a:defRPr/>
             </a:lvl5pPr>
-            <a:lvl6pPr indent="-317500" lvl="5" marL="2743200">
+            <a:lvl6pPr marL="2743200" lvl="5" indent="-317500">
               <a:spcBef>
                 <a:spcPts val="1600"/>
               </a:spcBef>
@@ -4896,7 +4970,7 @@
               <a:buChar char="■"/>
               <a:defRPr/>
             </a:lvl6pPr>
-            <a:lvl7pPr indent="-317500" lvl="6" marL="3200400">
+            <a:lvl7pPr marL="3200400" lvl="6" indent="-317500">
               <a:spcBef>
                 <a:spcPts val="1600"/>
               </a:spcBef>
@@ -4907,7 +4981,7 @@
               <a:buChar char="●"/>
               <a:defRPr/>
             </a:lvl7pPr>
-            <a:lvl8pPr indent="-317500" lvl="7" marL="3657600">
+            <a:lvl8pPr marL="3657600" lvl="7" indent="-317500">
               <a:spcBef>
                 <a:spcPts val="1600"/>
               </a:spcBef>
@@ -4918,7 +4992,7 @@
               <a:buChar char="○"/>
               <a:defRPr/>
             </a:lvl8pPr>
-            <a:lvl9pPr indent="-317500" lvl="8" marL="4114800">
+            <a:lvl9pPr marL="4114800" lvl="8" indent="-317500">
               <a:spcBef>
                 <a:spcPts val="1600"/>
               </a:spcBef>
@@ -4930,15 +5004,19 @@
               <a:defRPr/>
             </a:lvl9pPr>
           </a:lstStyle>
-          <a:p/>
+          <a:p>
+            <a:endParaRPr/>
+          </a:p>
         </p:txBody>
       </p:sp>
       <p:sp>
         <p:nvSpPr>
           <p:cNvPr id="37" name="Google Shape;37;p4"/>
-          <p:cNvSpPr txBox="1"/>
+          <p:cNvSpPr txBox="1">
+            <a:spLocks noGrp="1"/>
+          </p:cNvSpPr>
           <p:nvPr>
-            <p:ph idx="12" type="sldNum"/>
+            <p:ph type="sldNum" idx="12"/>
           </p:nvPr>
         </p:nvSpPr>
         <p:spPr>
@@ -4951,7 +5029,7 @@
           </a:prstGeom>
         </p:spPr>
         <p:txBody>
-          <a:bodyPr anchorCtr="0" anchor="ctr" bIns="91425" lIns="91425" spcFirstLastPara="1" rIns="91425" wrap="square" tIns="91425">
+          <a:bodyPr spcFirstLastPara="1" wrap="square" lIns="91425" tIns="91425" rIns="91425" bIns="91425" anchor="ctr" anchorCtr="0">
             <a:noAutofit/>
           </a:bodyPr>
           <a:lstStyle>
@@ -4993,7 +5071,7 @@
             </a:lvl9pPr>
           </a:lstStyle>
           <a:p>
-            <a:pPr indent="0" lvl="0" marL="0" rtl="0" algn="r">
+            <a:pPr marL="0" lvl="0" indent="0" algn="r" rtl="0">
               <a:spcBef>
                 <a:spcPts val="0"/>
               </a:spcBef>
@@ -5019,11 +5097,11 @@
 </file>
 
 <file path=ppt/slideLayouts/slideLayout4.xml><?xml version="1.0" encoding="utf-8"?>
-<p:sldLayout xmlns:a="http://schemas.openxmlformats.org/drawingml/2006/main" xmlns:r="http://schemas.openxmlformats.org/officeDocument/2006/relationships" xmlns:mc="http://schemas.openxmlformats.org/markup-compatibility/2006" xmlns:mv="urn:schemas-microsoft-com:mac:vml" xmlns:p="http://schemas.openxmlformats.org/presentationml/2006/main" xmlns:c="http://schemas.openxmlformats.org/drawingml/2006/chart" xmlns:dgm="http://schemas.openxmlformats.org/drawingml/2006/diagram" xmlns:o="urn:schemas-microsoft-com:office:office" xmlns:v="urn:schemas-microsoft-com:vml" xmlns:pvml="urn:schemas-microsoft-com:office:powerpoint" xmlns:com="http://schemas.openxmlformats.org/drawingml/2006/compatibility" xmlns:p14="http://schemas.microsoft.com/office/powerpoint/2010/main" xmlns:p15="http://schemas.microsoft.com/office/powerpoint/2012/main" matchingName="Title and two columns" type="twoColTx">
+<p:sldLayout xmlns:a="http://schemas.openxmlformats.org/drawingml/2006/main" xmlns:r="http://schemas.openxmlformats.org/officeDocument/2006/relationships" xmlns:p="http://schemas.openxmlformats.org/presentationml/2006/main" matchingName="Title and two columns" type="twoColTx">
   <p:cSld name="TITLE_AND_TWO_COLUMNS">
     <p:spTree>
       <p:nvGrpSpPr>
-        <p:cNvPr id="38" name="Shape 38"/>
+        <p:cNvPr id="1" name="Shape 38"/>
         <p:cNvGrpSpPr/>
         <p:nvPr/>
       </p:nvGrpSpPr>
@@ -5038,7 +5116,9 @@
       <p:sp>
         <p:nvSpPr>
           <p:cNvPr id="39" name="Google Shape;39;p5"/>
-          <p:cNvSpPr txBox="1"/>
+          <p:cNvSpPr txBox="1">
+            <a:spLocks noGrp="1"/>
+          </p:cNvSpPr>
           <p:nvPr>
             <p:ph type="title"/>
           </p:nvPr>
@@ -5053,7 +5133,7 @@
           </a:prstGeom>
         </p:spPr>
         <p:txBody>
-          <a:bodyPr anchorCtr="0" anchor="t" bIns="91425" lIns="91425" spcFirstLastPara="1" rIns="91425" wrap="square" tIns="91425">
+          <a:bodyPr spcFirstLastPara="1" wrap="square" lIns="91425" tIns="91425" rIns="91425" bIns="91425" anchor="t" anchorCtr="0">
             <a:noAutofit/>
           </a:bodyPr>
           <a:lstStyle>
@@ -5157,15 +5237,19 @@
               <a:defRPr/>
             </a:lvl9pPr>
           </a:lstStyle>
-          <a:p/>
+          <a:p>
+            <a:endParaRPr/>
+          </a:p>
         </p:txBody>
       </p:sp>
       <p:sp>
         <p:nvSpPr>
           <p:cNvPr id="40" name="Google Shape;40;p5"/>
-          <p:cNvSpPr txBox="1"/>
+          <p:cNvSpPr txBox="1">
+            <a:spLocks noGrp="1"/>
+          </p:cNvSpPr>
           <p:nvPr>
-            <p:ph idx="1" type="body"/>
+            <p:ph type="body" idx="1"/>
           </p:nvPr>
         </p:nvSpPr>
         <p:spPr>
@@ -5178,11 +5262,11 @@
           </a:prstGeom>
         </p:spPr>
         <p:txBody>
-          <a:bodyPr anchorCtr="0" anchor="t" bIns="91425" lIns="91425" spcFirstLastPara="1" rIns="91425" wrap="square" tIns="91425">
+          <a:bodyPr spcFirstLastPara="1" wrap="square" lIns="91425" tIns="91425" rIns="91425" bIns="91425" anchor="t" anchorCtr="0">
             <a:noAutofit/>
           </a:bodyPr>
           <a:lstStyle>
-            <a:lvl1pPr indent="-317500" lvl="0" marL="457200">
+            <a:lvl1pPr marL="457200" lvl="0" indent="-317500">
               <a:spcBef>
                 <a:spcPts val="0"/>
               </a:spcBef>
@@ -5193,7 +5277,7 @@
               <a:buChar char="●"/>
               <a:defRPr sz="1400"/>
             </a:lvl1pPr>
-            <a:lvl2pPr indent="-304800" lvl="1" marL="914400">
+            <a:lvl2pPr marL="914400" lvl="1" indent="-304800">
               <a:spcBef>
                 <a:spcPts val="1600"/>
               </a:spcBef>
@@ -5204,7 +5288,7 @@
               <a:buChar char="○"/>
               <a:defRPr sz="1200"/>
             </a:lvl2pPr>
-            <a:lvl3pPr indent="-304800" lvl="2" marL="1371600">
+            <a:lvl3pPr marL="1371600" lvl="2" indent="-304800">
               <a:spcBef>
                 <a:spcPts val="1600"/>
               </a:spcBef>
@@ -5215,7 +5299,7 @@
               <a:buChar char="■"/>
               <a:defRPr sz="1200"/>
             </a:lvl3pPr>
-            <a:lvl4pPr indent="-304800" lvl="3" marL="1828800">
+            <a:lvl4pPr marL="1828800" lvl="3" indent="-304800">
               <a:spcBef>
                 <a:spcPts val="1600"/>
               </a:spcBef>
@@ -5226,7 +5310,7 @@
               <a:buChar char="●"/>
               <a:defRPr sz="1200"/>
             </a:lvl4pPr>
-            <a:lvl5pPr indent="-304800" lvl="4" marL="2286000">
+            <a:lvl5pPr marL="2286000" lvl="4" indent="-304800">
               <a:spcBef>
                 <a:spcPts val="1600"/>
               </a:spcBef>
@@ -5237,7 +5321,7 @@
               <a:buChar char="○"/>
               <a:defRPr sz="1200"/>
             </a:lvl5pPr>
-            <a:lvl6pPr indent="-304800" lvl="5" marL="2743200">
+            <a:lvl6pPr marL="2743200" lvl="5" indent="-304800">
               <a:spcBef>
                 <a:spcPts val="1600"/>
               </a:spcBef>
@@ -5248,7 +5332,7 @@
               <a:buChar char="■"/>
               <a:defRPr sz="1200"/>
             </a:lvl6pPr>
-            <a:lvl7pPr indent="-304800" lvl="6" marL="3200400">
+            <a:lvl7pPr marL="3200400" lvl="6" indent="-304800">
               <a:spcBef>
                 <a:spcPts val="1600"/>
               </a:spcBef>
@@ -5259,7 +5343,7 @@
               <a:buChar char="●"/>
               <a:defRPr sz="1200"/>
             </a:lvl7pPr>
-            <a:lvl8pPr indent="-304800" lvl="7" marL="3657600">
+            <a:lvl8pPr marL="3657600" lvl="7" indent="-304800">
               <a:spcBef>
                 <a:spcPts val="1600"/>
               </a:spcBef>
@@ -5270,7 +5354,7 @@
               <a:buChar char="○"/>
               <a:defRPr sz="1200"/>
             </a:lvl8pPr>
-            <a:lvl9pPr indent="-304800" lvl="8" marL="4114800">
+            <a:lvl9pPr marL="4114800" lvl="8" indent="-304800">
               <a:spcBef>
                 <a:spcPts val="1600"/>
               </a:spcBef>
@@ -5282,15 +5366,19 @@
               <a:defRPr sz="1200"/>
             </a:lvl9pPr>
           </a:lstStyle>
-          <a:p/>
+          <a:p>
+            <a:endParaRPr/>
+          </a:p>
         </p:txBody>
       </p:sp>
       <p:sp>
         <p:nvSpPr>
           <p:cNvPr id="41" name="Google Shape;41;p5"/>
-          <p:cNvSpPr txBox="1"/>
+          <p:cNvSpPr txBox="1">
+            <a:spLocks noGrp="1"/>
+          </p:cNvSpPr>
           <p:nvPr>
-            <p:ph idx="2" type="body"/>
+            <p:ph type="body" idx="2"/>
           </p:nvPr>
         </p:nvSpPr>
         <p:spPr>
@@ -5303,11 +5391,11 @@
           </a:prstGeom>
         </p:spPr>
         <p:txBody>
-          <a:bodyPr anchorCtr="0" anchor="t" bIns="91425" lIns="91425" spcFirstLastPara="1" rIns="91425" wrap="square" tIns="91425">
+          <a:bodyPr spcFirstLastPara="1" wrap="square" lIns="91425" tIns="91425" rIns="91425" bIns="91425" anchor="t" anchorCtr="0">
             <a:noAutofit/>
           </a:bodyPr>
           <a:lstStyle>
-            <a:lvl1pPr indent="-317500" lvl="0" marL="457200">
+            <a:lvl1pPr marL="457200" lvl="0" indent="-317500">
               <a:spcBef>
                 <a:spcPts val="0"/>
               </a:spcBef>
@@ -5318,7 +5406,7 @@
               <a:buChar char="●"/>
               <a:defRPr sz="1400"/>
             </a:lvl1pPr>
-            <a:lvl2pPr indent="-304800" lvl="1" marL="914400">
+            <a:lvl2pPr marL="914400" lvl="1" indent="-304800">
               <a:spcBef>
                 <a:spcPts val="1600"/>
               </a:spcBef>
@@ -5329,7 +5417,7 @@
               <a:buChar char="○"/>
               <a:defRPr sz="1200"/>
             </a:lvl2pPr>
-            <a:lvl3pPr indent="-304800" lvl="2" marL="1371600">
+            <a:lvl3pPr marL="1371600" lvl="2" indent="-304800">
               <a:spcBef>
                 <a:spcPts val="1600"/>
               </a:spcBef>
@@ -5340,7 +5428,7 @@
               <a:buChar char="■"/>
               <a:defRPr sz="1200"/>
             </a:lvl3pPr>
-            <a:lvl4pPr indent="-304800" lvl="3" marL="1828800">
+            <a:lvl4pPr marL="1828800" lvl="3" indent="-304800">
               <a:spcBef>
                 <a:spcPts val="1600"/>
               </a:spcBef>
@@ -5351,7 +5439,7 @@
               <a:buChar char="●"/>
               <a:defRPr sz="1200"/>
             </a:lvl4pPr>
-            <a:lvl5pPr indent="-304800" lvl="4" marL="2286000">
+            <a:lvl5pPr marL="2286000" lvl="4" indent="-304800">
               <a:spcBef>
                 <a:spcPts val="1600"/>
               </a:spcBef>
@@ -5362,7 +5450,7 @@
               <a:buChar char="○"/>
               <a:defRPr sz="1200"/>
             </a:lvl5pPr>
-            <a:lvl6pPr indent="-304800" lvl="5" marL="2743200">
+            <a:lvl6pPr marL="2743200" lvl="5" indent="-304800">
               <a:spcBef>
                 <a:spcPts val="1600"/>
               </a:spcBef>
@@ -5373,7 +5461,7 @@
               <a:buChar char="■"/>
               <a:defRPr sz="1200"/>
             </a:lvl6pPr>
-            <a:lvl7pPr indent="-304800" lvl="6" marL="3200400">
+            <a:lvl7pPr marL="3200400" lvl="6" indent="-304800">
               <a:spcBef>
                 <a:spcPts val="1600"/>
               </a:spcBef>
@@ -5384,7 +5472,7 @@
               <a:buChar char="●"/>
               <a:defRPr sz="1200"/>
             </a:lvl7pPr>
-            <a:lvl8pPr indent="-304800" lvl="7" marL="3657600">
+            <a:lvl8pPr marL="3657600" lvl="7" indent="-304800">
               <a:spcBef>
                 <a:spcPts val="1600"/>
               </a:spcBef>
@@ -5395,7 +5483,7 @@
               <a:buChar char="○"/>
               <a:defRPr sz="1200"/>
             </a:lvl8pPr>
-            <a:lvl9pPr indent="-304800" lvl="8" marL="4114800">
+            <a:lvl9pPr marL="4114800" lvl="8" indent="-304800">
               <a:spcBef>
                 <a:spcPts val="1600"/>
               </a:spcBef>
@@ -5407,15 +5495,19 @@
               <a:defRPr sz="1200"/>
             </a:lvl9pPr>
           </a:lstStyle>
-          <a:p/>
+          <a:p>
+            <a:endParaRPr/>
+          </a:p>
         </p:txBody>
       </p:sp>
       <p:sp>
         <p:nvSpPr>
           <p:cNvPr id="42" name="Google Shape;42;p5"/>
-          <p:cNvSpPr txBox="1"/>
+          <p:cNvSpPr txBox="1">
+            <a:spLocks noGrp="1"/>
+          </p:cNvSpPr>
           <p:nvPr>
-            <p:ph idx="12" type="sldNum"/>
+            <p:ph type="sldNum" idx="12"/>
           </p:nvPr>
         </p:nvSpPr>
         <p:spPr>
@@ -5428,7 +5520,7 @@
           </a:prstGeom>
         </p:spPr>
         <p:txBody>
-          <a:bodyPr anchorCtr="0" anchor="ctr" bIns="91425" lIns="91425" spcFirstLastPara="1" rIns="91425" wrap="square" tIns="91425">
+          <a:bodyPr spcFirstLastPara="1" wrap="square" lIns="91425" tIns="91425" rIns="91425" bIns="91425" anchor="ctr" anchorCtr="0">
             <a:noAutofit/>
           </a:bodyPr>
           <a:lstStyle>
@@ -5506,7 +5598,7 @@
             </a:lvl9pPr>
           </a:lstStyle>
           <a:p>
-            <a:pPr indent="0" lvl="0" marL="0" rtl="0" algn="r">
+            <a:pPr marL="0" lvl="0" indent="0" algn="r" rtl="0">
               <a:spcBef>
                 <a:spcPts val="0"/>
               </a:spcBef>
@@ -5532,11 +5624,11 @@
 </file>
 
 <file path=ppt/slideLayouts/slideLayout5.xml><?xml version="1.0" encoding="utf-8"?>
-<p:sldLayout xmlns:a="http://schemas.openxmlformats.org/drawingml/2006/main" xmlns:r="http://schemas.openxmlformats.org/officeDocument/2006/relationships" xmlns:mc="http://schemas.openxmlformats.org/markup-compatibility/2006" xmlns:mv="urn:schemas-microsoft-com:mac:vml" xmlns:p="http://schemas.openxmlformats.org/presentationml/2006/main" xmlns:c="http://schemas.openxmlformats.org/drawingml/2006/chart" xmlns:dgm="http://schemas.openxmlformats.org/drawingml/2006/diagram" xmlns:o="urn:schemas-microsoft-com:office:office" xmlns:v="urn:schemas-microsoft-com:vml" xmlns:pvml="urn:schemas-microsoft-com:office:powerpoint" xmlns:com="http://schemas.openxmlformats.org/drawingml/2006/compatibility" xmlns:p14="http://schemas.microsoft.com/office/powerpoint/2010/main" xmlns:p15="http://schemas.microsoft.com/office/powerpoint/2012/main" matchingName="Title only" type="titleOnly">
+<p:sldLayout xmlns:a="http://schemas.openxmlformats.org/drawingml/2006/main" xmlns:r="http://schemas.openxmlformats.org/officeDocument/2006/relationships" xmlns:p="http://schemas.openxmlformats.org/presentationml/2006/main" matchingName="Title only" type="titleOnly">
   <p:cSld name="TITLE_ONLY">
     <p:spTree>
       <p:nvGrpSpPr>
-        <p:cNvPr id="43" name="Shape 43"/>
+        <p:cNvPr id="1" name="Shape 43"/>
         <p:cNvGrpSpPr/>
         <p:nvPr/>
       </p:nvGrpSpPr>
@@ -5551,7 +5643,9 @@
       <p:sp>
         <p:nvSpPr>
           <p:cNvPr id="44" name="Google Shape;44;p6"/>
-          <p:cNvSpPr txBox="1"/>
+          <p:cNvSpPr txBox="1">
+            <a:spLocks noGrp="1"/>
+          </p:cNvSpPr>
           <p:nvPr>
             <p:ph type="title"/>
           </p:nvPr>
@@ -5566,7 +5660,7 @@
           </a:prstGeom>
         </p:spPr>
         <p:txBody>
-          <a:bodyPr anchorCtr="0" anchor="t" bIns="91425" lIns="91425" spcFirstLastPara="1" rIns="91425" wrap="square" tIns="91425">
+          <a:bodyPr spcFirstLastPara="1" wrap="square" lIns="91425" tIns="91425" rIns="91425" bIns="91425" anchor="t" anchorCtr="0">
             <a:noAutofit/>
           </a:bodyPr>
           <a:lstStyle>
@@ -5670,15 +5764,19 @@
               <a:defRPr/>
             </a:lvl9pPr>
           </a:lstStyle>
-          <a:p/>
+          <a:p>
+            <a:endParaRPr/>
+          </a:p>
         </p:txBody>
       </p:sp>
       <p:sp>
         <p:nvSpPr>
           <p:cNvPr id="45" name="Google Shape;45;p6"/>
-          <p:cNvSpPr txBox="1"/>
+          <p:cNvSpPr txBox="1">
+            <a:spLocks noGrp="1"/>
+          </p:cNvSpPr>
           <p:nvPr>
-            <p:ph idx="12" type="sldNum"/>
+            <p:ph type="sldNum" idx="12"/>
           </p:nvPr>
         </p:nvSpPr>
         <p:spPr>
@@ -5691,7 +5789,7 @@
           </a:prstGeom>
         </p:spPr>
         <p:txBody>
-          <a:bodyPr anchorCtr="0" anchor="ctr" bIns="91425" lIns="91425" spcFirstLastPara="1" rIns="91425" wrap="square" tIns="91425">
+          <a:bodyPr spcFirstLastPara="1" wrap="square" lIns="91425" tIns="91425" rIns="91425" bIns="91425" anchor="ctr" anchorCtr="0">
             <a:noAutofit/>
           </a:bodyPr>
           <a:lstStyle>
@@ -5769,7 +5867,7 @@
             </a:lvl9pPr>
           </a:lstStyle>
           <a:p>
-            <a:pPr indent="0" lvl="0" marL="0" rtl="0" algn="r">
+            <a:pPr marL="0" lvl="0" indent="0" algn="r" rtl="0">
               <a:spcBef>
                 <a:spcPts val="0"/>
               </a:spcBef>
@@ -5795,11 +5893,11 @@
 </file>
 
 <file path=ppt/slideLayouts/slideLayout6.xml><?xml version="1.0" encoding="utf-8"?>
-<p:sldLayout xmlns:a="http://schemas.openxmlformats.org/drawingml/2006/main" xmlns:r="http://schemas.openxmlformats.org/officeDocument/2006/relationships" xmlns:mc="http://schemas.openxmlformats.org/markup-compatibility/2006" xmlns:mv="urn:schemas-microsoft-com:mac:vml" xmlns:p="http://schemas.openxmlformats.org/presentationml/2006/main" xmlns:c="http://schemas.openxmlformats.org/drawingml/2006/chart" xmlns:dgm="http://schemas.openxmlformats.org/drawingml/2006/diagram" xmlns:o="urn:schemas-microsoft-com:office:office" xmlns:v="urn:schemas-microsoft-com:vml" xmlns:pvml="urn:schemas-microsoft-com:office:powerpoint" xmlns:com="http://schemas.openxmlformats.org/drawingml/2006/compatibility" xmlns:p14="http://schemas.microsoft.com/office/powerpoint/2010/main" xmlns:p15="http://schemas.microsoft.com/office/powerpoint/2012/main" matchingName="One column text">
+<p:sldLayout xmlns:a="http://schemas.openxmlformats.org/drawingml/2006/main" xmlns:r="http://schemas.openxmlformats.org/officeDocument/2006/relationships" xmlns:p="http://schemas.openxmlformats.org/presentationml/2006/main" matchingName="One column text">
   <p:cSld name="ONE_COLUMN_TEXT">
     <p:spTree>
       <p:nvGrpSpPr>
-        <p:cNvPr id="46" name="Shape 46"/>
+        <p:cNvPr id="1" name="Shape 46"/>
         <p:cNvGrpSpPr/>
         <p:nvPr/>
       </p:nvGrpSpPr>
@@ -5814,7 +5912,9 @@
       <p:sp>
         <p:nvSpPr>
           <p:cNvPr id="47" name="Google Shape;47;p7"/>
-          <p:cNvSpPr txBox="1"/>
+          <p:cNvSpPr txBox="1">
+            <a:spLocks noGrp="1"/>
+          </p:cNvSpPr>
           <p:nvPr>
             <p:ph type="title"/>
           </p:nvPr>
@@ -5829,7 +5929,7 @@
           </a:prstGeom>
         </p:spPr>
         <p:txBody>
-          <a:bodyPr anchorCtr="0" anchor="b" bIns="91425" lIns="91425" spcFirstLastPara="1" rIns="91425" wrap="square" tIns="91425">
+          <a:bodyPr spcFirstLastPara="1" wrap="square" lIns="91425" tIns="91425" rIns="91425" bIns="91425" anchor="b" anchorCtr="0">
             <a:noAutofit/>
           </a:bodyPr>
           <a:lstStyle>
@@ -5933,15 +6033,19 @@
               <a:defRPr sz="2400"/>
             </a:lvl9pPr>
           </a:lstStyle>
-          <a:p/>
+          <a:p>
+            <a:endParaRPr/>
+          </a:p>
         </p:txBody>
       </p:sp>
       <p:sp>
         <p:nvSpPr>
           <p:cNvPr id="48" name="Google Shape;48;p7"/>
-          <p:cNvSpPr txBox="1"/>
+          <p:cNvSpPr txBox="1">
+            <a:spLocks noGrp="1"/>
+          </p:cNvSpPr>
           <p:nvPr>
-            <p:ph idx="1" type="body"/>
+            <p:ph type="body" idx="1"/>
           </p:nvPr>
         </p:nvSpPr>
         <p:spPr>
@@ -5954,11 +6058,11 @@
           </a:prstGeom>
         </p:spPr>
         <p:txBody>
-          <a:bodyPr anchorCtr="0" anchor="t" bIns="91425" lIns="91425" spcFirstLastPara="1" rIns="91425" wrap="square" tIns="91425">
+          <a:bodyPr spcFirstLastPara="1" wrap="square" lIns="91425" tIns="91425" rIns="91425" bIns="91425" anchor="t" anchorCtr="0">
             <a:noAutofit/>
           </a:bodyPr>
           <a:lstStyle>
-            <a:lvl1pPr indent="-304800" lvl="0" marL="457200">
+            <a:lvl1pPr marL="457200" lvl="0" indent="-304800">
               <a:spcBef>
                 <a:spcPts val="0"/>
               </a:spcBef>
@@ -5969,7 +6073,7 @@
               <a:buChar char="●"/>
               <a:defRPr sz="1200"/>
             </a:lvl1pPr>
-            <a:lvl2pPr indent="-304800" lvl="1" marL="914400">
+            <a:lvl2pPr marL="914400" lvl="1" indent="-304800">
               <a:spcBef>
                 <a:spcPts val="1600"/>
               </a:spcBef>
@@ -5980,7 +6084,7 @@
               <a:buChar char="○"/>
               <a:defRPr sz="1200"/>
             </a:lvl2pPr>
-            <a:lvl3pPr indent="-304800" lvl="2" marL="1371600">
+            <a:lvl3pPr marL="1371600" lvl="2" indent="-304800">
               <a:spcBef>
                 <a:spcPts val="1600"/>
               </a:spcBef>
@@ -5991,7 +6095,7 @@
               <a:buChar char="■"/>
               <a:defRPr sz="1200"/>
             </a:lvl3pPr>
-            <a:lvl4pPr indent="-304800" lvl="3" marL="1828800">
+            <a:lvl4pPr marL="1828800" lvl="3" indent="-304800">
               <a:spcBef>
                 <a:spcPts val="1600"/>
               </a:spcBef>
@@ -6002,7 +6106,7 @@
               <a:buChar char="●"/>
               <a:defRPr sz="1200"/>
             </a:lvl4pPr>
-            <a:lvl5pPr indent="-304800" lvl="4" marL="2286000">
+            <a:lvl5pPr marL="2286000" lvl="4" indent="-304800">
               <a:spcBef>
                 <a:spcPts val="1600"/>
               </a:spcBef>
@@ -6013,7 +6117,7 @@
               <a:buChar char="○"/>
               <a:defRPr sz="1200"/>
             </a:lvl5pPr>
-            <a:lvl6pPr indent="-304800" lvl="5" marL="2743200">
+            <a:lvl6pPr marL="2743200" lvl="5" indent="-304800">
               <a:spcBef>
                 <a:spcPts val="1600"/>
               </a:spcBef>
@@ -6024,7 +6128,7 @@
               <a:buChar char="■"/>
               <a:defRPr sz="1200"/>
             </a:lvl6pPr>
-            <a:lvl7pPr indent="-304800" lvl="6" marL="3200400">
+            <a:lvl7pPr marL="3200400" lvl="6" indent="-304800">
               <a:spcBef>
                 <a:spcPts val="1600"/>
               </a:spcBef>
@@ -6035,7 +6139,7 @@
               <a:buChar char="●"/>
               <a:defRPr sz="1200"/>
             </a:lvl7pPr>
-            <a:lvl8pPr indent="-304800" lvl="7" marL="3657600">
+            <a:lvl8pPr marL="3657600" lvl="7" indent="-304800">
               <a:spcBef>
                 <a:spcPts val="1600"/>
               </a:spcBef>
@@ -6046,7 +6150,7 @@
               <a:buChar char="○"/>
               <a:defRPr sz="1200"/>
             </a:lvl8pPr>
-            <a:lvl9pPr indent="-304800" lvl="8" marL="4114800">
+            <a:lvl9pPr marL="4114800" lvl="8" indent="-304800">
               <a:spcBef>
                 <a:spcPts val="1600"/>
               </a:spcBef>
@@ -6058,15 +6162,19 @@
               <a:defRPr sz="1200"/>
             </a:lvl9pPr>
           </a:lstStyle>
-          <a:p/>
+          <a:p>
+            <a:endParaRPr/>
+          </a:p>
         </p:txBody>
       </p:sp>
       <p:sp>
         <p:nvSpPr>
           <p:cNvPr id="49" name="Google Shape;49;p7"/>
-          <p:cNvSpPr txBox="1"/>
+          <p:cNvSpPr txBox="1">
+            <a:spLocks noGrp="1"/>
+          </p:cNvSpPr>
           <p:nvPr>
-            <p:ph idx="12" type="sldNum"/>
+            <p:ph type="sldNum" idx="12"/>
           </p:nvPr>
         </p:nvSpPr>
         <p:spPr>
@@ -6079,7 +6187,7 @@
           </a:prstGeom>
         </p:spPr>
         <p:txBody>
-          <a:bodyPr anchorCtr="0" anchor="ctr" bIns="91425" lIns="91425" spcFirstLastPara="1" rIns="91425" wrap="square" tIns="91425">
+          <a:bodyPr spcFirstLastPara="1" wrap="square" lIns="91425" tIns="91425" rIns="91425" bIns="91425" anchor="ctr" anchorCtr="0">
             <a:noAutofit/>
           </a:bodyPr>
           <a:lstStyle>
@@ -6157,7 +6265,7 @@
             </a:lvl9pPr>
           </a:lstStyle>
           <a:p>
-            <a:pPr indent="0" lvl="0" marL="0" rtl="0" algn="r">
+            <a:pPr marL="0" lvl="0" indent="0" algn="r" rtl="0">
               <a:spcBef>
                 <a:spcPts val="0"/>
               </a:spcBef>
@@ -6183,11 +6291,11 @@
 </file>
 
 <file path=ppt/slideLayouts/slideLayout7.xml><?xml version="1.0" encoding="utf-8"?>
-<p:sldLayout xmlns:a="http://schemas.openxmlformats.org/drawingml/2006/main" xmlns:r="http://schemas.openxmlformats.org/officeDocument/2006/relationships" xmlns:mc="http://schemas.openxmlformats.org/markup-compatibility/2006" xmlns:mv="urn:schemas-microsoft-com:mac:vml" xmlns:p="http://schemas.openxmlformats.org/presentationml/2006/main" xmlns:c="http://schemas.openxmlformats.org/drawingml/2006/chart" xmlns:dgm="http://schemas.openxmlformats.org/drawingml/2006/diagram" xmlns:o="urn:schemas-microsoft-com:office:office" xmlns:v="urn:schemas-microsoft-com:vml" xmlns:pvml="urn:schemas-microsoft-com:office:powerpoint" xmlns:com="http://schemas.openxmlformats.org/drawingml/2006/compatibility" xmlns:p14="http://schemas.microsoft.com/office/powerpoint/2010/main" xmlns:p15="http://schemas.microsoft.com/office/powerpoint/2012/main" matchingName="Main point">
+<p:sldLayout xmlns:a="http://schemas.openxmlformats.org/drawingml/2006/main" xmlns:r="http://schemas.openxmlformats.org/officeDocument/2006/relationships" xmlns:p="http://schemas.openxmlformats.org/presentationml/2006/main" matchingName="Main point">
   <p:cSld name="MAIN_POINT">
     <p:spTree>
       <p:nvGrpSpPr>
-        <p:cNvPr id="50" name="Shape 50"/>
+        <p:cNvPr id="1" name="Shape 50"/>
         <p:cNvGrpSpPr/>
         <p:nvPr/>
       </p:nvGrpSpPr>
@@ -6235,12 +6343,12 @@
             </a:ln>
           </p:spPr>
           <p:txBody>
-            <a:bodyPr anchorCtr="0" anchor="ctr" bIns="91425" lIns="91425" spcFirstLastPara="1" rIns="91425" wrap="square" tIns="91425">
+            <a:bodyPr spcFirstLastPara="1" wrap="square" lIns="91425" tIns="91425" rIns="91425" bIns="91425" anchor="ctr" anchorCtr="0">
               <a:noAutofit/>
             </a:bodyPr>
             <a:lstStyle/>
             <a:p>
-              <a:pPr indent="0" lvl="0" marL="0" rtl="0" algn="l">
+              <a:pPr marL="0" lvl="0" indent="0" algn="l" rtl="0">
                 <a:spcBef>
                   <a:spcPts val="0"/>
                 </a:spcBef>
@@ -6249,9 +6357,6 @@
                 </a:spcAft>
                 <a:buNone/>
               </a:pPr>
-              <a:r>
-                <a:t/>
-              </a:r>
               <a:endParaRPr/>
             </a:p>
           </p:txBody>
@@ -6278,12 +6383,12 @@
             </a:ln>
           </p:spPr>
           <p:txBody>
-            <a:bodyPr anchorCtr="0" anchor="ctr" bIns="91425" lIns="91425" spcFirstLastPara="1" rIns="91425" wrap="square" tIns="91425">
+            <a:bodyPr spcFirstLastPara="1" wrap="square" lIns="91425" tIns="91425" rIns="91425" bIns="91425" anchor="ctr" anchorCtr="0">
               <a:noAutofit/>
             </a:bodyPr>
             <a:lstStyle/>
             <a:p>
-              <a:pPr indent="0" lvl="0" marL="0" rtl="0" algn="l">
+              <a:pPr marL="0" lvl="0" indent="0" algn="l" rtl="0">
                 <a:spcBef>
                   <a:spcPts val="0"/>
                 </a:spcBef>
@@ -6292,9 +6397,6 @@
                 </a:spcAft>
                 <a:buNone/>
               </a:pPr>
-              <a:r>
-                <a:t/>
-              </a:r>
               <a:endParaRPr/>
             </a:p>
           </p:txBody>
@@ -6306,7 +6408,7 @@
             <p:nvPr/>
           </p:nvSpPr>
           <p:spPr>
-            <a:xfrm flipH="1" rot="10800000">
+            <a:xfrm rot="10800000" flipH="1">
               <a:off x="7113588" y="107"/>
               <a:ext cx="1015200" cy="1015200"/>
             </a:xfrm>
@@ -6321,12 +6423,12 @@
             </a:ln>
           </p:spPr>
           <p:txBody>
-            <a:bodyPr anchorCtr="0" anchor="ctr" bIns="91425" lIns="91425" spcFirstLastPara="1" rIns="91425" wrap="square" tIns="91425">
+            <a:bodyPr spcFirstLastPara="1" wrap="square" lIns="91425" tIns="91425" rIns="91425" bIns="91425" anchor="ctr" anchorCtr="0">
               <a:noAutofit/>
             </a:bodyPr>
             <a:lstStyle/>
             <a:p>
-              <a:pPr indent="0" lvl="0" marL="0" rtl="0" algn="l">
+              <a:pPr marL="0" lvl="0" indent="0" algn="l" rtl="0">
                 <a:spcBef>
                   <a:spcPts val="0"/>
                 </a:spcBef>
@@ -6335,9 +6437,6 @@
                 </a:spcAft>
                 <a:buNone/>
               </a:pPr>
-              <a:r>
-                <a:t/>
-              </a:r>
               <a:endParaRPr/>
             </a:p>
           </p:txBody>
@@ -6364,12 +6463,12 @@
             </a:ln>
           </p:spPr>
           <p:txBody>
-            <a:bodyPr anchorCtr="0" anchor="ctr" bIns="91425" lIns="91425" spcFirstLastPara="1" rIns="91425" wrap="square" tIns="91425">
+            <a:bodyPr spcFirstLastPara="1" wrap="square" lIns="91425" tIns="91425" rIns="91425" bIns="91425" anchor="ctr" anchorCtr="0">
               <a:noAutofit/>
             </a:bodyPr>
             <a:lstStyle/>
             <a:p>
-              <a:pPr indent="0" lvl="0" marL="0" rtl="0" algn="l">
+              <a:pPr marL="0" lvl="0" indent="0" algn="l" rtl="0">
                 <a:spcBef>
                   <a:spcPts val="0"/>
                 </a:spcBef>
@@ -6378,9 +6477,6 @@
                 </a:spcAft>
                 <a:buNone/>
               </a:pPr>
-              <a:r>
-                <a:t/>
-              </a:r>
               <a:endParaRPr/>
             </a:p>
           </p:txBody>
@@ -6407,12 +6503,12 @@
             </a:ln>
           </p:spPr>
           <p:txBody>
-            <a:bodyPr anchorCtr="0" anchor="ctr" bIns="91425" lIns="91425" spcFirstLastPara="1" rIns="91425" wrap="square" tIns="91425">
+            <a:bodyPr spcFirstLastPara="1" wrap="square" lIns="91425" tIns="91425" rIns="91425" bIns="91425" anchor="ctr" anchorCtr="0">
               <a:noAutofit/>
             </a:bodyPr>
             <a:lstStyle/>
             <a:p>
-              <a:pPr indent="0" lvl="0" marL="0" rtl="0" algn="l">
+              <a:pPr marL="0" lvl="0" indent="0" algn="l" rtl="0">
                 <a:spcBef>
                   <a:spcPts val="0"/>
                 </a:spcBef>
@@ -6421,9 +6517,6 @@
                 </a:spcAft>
                 <a:buNone/>
               </a:pPr>
-              <a:r>
-                <a:t/>
-              </a:r>
               <a:endParaRPr/>
             </a:p>
           </p:txBody>
@@ -6432,7 +6525,9 @@
       <p:sp>
         <p:nvSpPr>
           <p:cNvPr id="57" name="Google Shape;57;p8"/>
-          <p:cNvSpPr txBox="1"/>
+          <p:cNvSpPr txBox="1">
+            <a:spLocks noGrp="1"/>
+          </p:cNvSpPr>
           <p:nvPr>
             <p:ph type="title"/>
           </p:nvPr>
@@ -6447,7 +6542,7 @@
           </a:prstGeom>
         </p:spPr>
         <p:txBody>
-          <a:bodyPr anchorCtr="0" anchor="ctr" bIns="91425" lIns="91425" spcFirstLastPara="1" rIns="91425" wrap="square" tIns="91425">
+          <a:bodyPr spcFirstLastPara="1" wrap="square" lIns="91425" tIns="91425" rIns="91425" bIns="91425" anchor="ctr" anchorCtr="0">
             <a:noAutofit/>
           </a:bodyPr>
           <a:lstStyle>
@@ -6614,15 +6709,19 @@
               </a:defRPr>
             </a:lvl9pPr>
           </a:lstStyle>
-          <a:p/>
+          <a:p>
+            <a:endParaRPr/>
+          </a:p>
         </p:txBody>
       </p:sp>
       <p:sp>
         <p:nvSpPr>
           <p:cNvPr id="58" name="Google Shape;58;p8"/>
-          <p:cNvSpPr txBox="1"/>
+          <p:cNvSpPr txBox="1">
+            <a:spLocks noGrp="1"/>
+          </p:cNvSpPr>
           <p:nvPr>
-            <p:ph idx="12" type="sldNum"/>
+            <p:ph type="sldNum" idx="12"/>
           </p:nvPr>
         </p:nvSpPr>
         <p:spPr>
@@ -6635,7 +6734,7 @@
           </a:prstGeom>
         </p:spPr>
         <p:txBody>
-          <a:bodyPr anchorCtr="0" anchor="ctr" bIns="91425" lIns="91425" spcFirstLastPara="1" rIns="91425" wrap="square" tIns="91425">
+          <a:bodyPr spcFirstLastPara="1" wrap="square" lIns="91425" tIns="91425" rIns="91425" bIns="91425" anchor="ctr" anchorCtr="0">
             <a:noAutofit/>
           </a:bodyPr>
           <a:lstStyle>
@@ -6677,7 +6776,7 @@
             </a:lvl9pPr>
           </a:lstStyle>
           <a:p>
-            <a:pPr indent="0" lvl="0" marL="0" rtl="0" algn="r">
+            <a:pPr marL="0" lvl="0" indent="0" algn="r" rtl="0">
               <a:spcBef>
                 <a:spcPts val="0"/>
               </a:spcBef>
@@ -6703,11 +6802,11 @@
 </file>
 
 <file path=ppt/slideLayouts/slideLayout8.xml><?xml version="1.0" encoding="utf-8"?>
-<p:sldLayout xmlns:a="http://schemas.openxmlformats.org/drawingml/2006/main" xmlns:r="http://schemas.openxmlformats.org/officeDocument/2006/relationships" xmlns:mc="http://schemas.openxmlformats.org/markup-compatibility/2006" xmlns:mv="urn:schemas-microsoft-com:mac:vml" xmlns:p="http://schemas.openxmlformats.org/presentationml/2006/main" xmlns:c="http://schemas.openxmlformats.org/drawingml/2006/chart" xmlns:dgm="http://schemas.openxmlformats.org/drawingml/2006/diagram" xmlns:o="urn:schemas-microsoft-com:office:office" xmlns:v="urn:schemas-microsoft-com:vml" xmlns:pvml="urn:schemas-microsoft-com:office:powerpoint" xmlns:com="http://schemas.openxmlformats.org/drawingml/2006/compatibility" xmlns:p14="http://schemas.microsoft.com/office/powerpoint/2010/main" xmlns:p15="http://schemas.microsoft.com/office/powerpoint/2012/main" matchingName="Section title and description">
+<p:sldLayout xmlns:a="http://schemas.openxmlformats.org/drawingml/2006/main" xmlns:r="http://schemas.openxmlformats.org/officeDocument/2006/relationships" xmlns:p="http://schemas.openxmlformats.org/presentationml/2006/main" matchingName="Section title and description">
   <p:cSld name="SECTION_TITLE_AND_DESCRIPTION">
     <p:spTree>
       <p:nvGrpSpPr>
-        <p:cNvPr id="59" name="Shape 59"/>
+        <p:cNvPr id="1" name="Shape 59"/>
         <p:cNvGrpSpPr/>
         <p:nvPr/>
       </p:nvGrpSpPr>
@@ -6741,12 +6840,12 @@
           </a:ln>
         </p:spPr>
         <p:txBody>
-          <a:bodyPr anchorCtr="0" anchor="ctr" bIns="91425" lIns="91425" spcFirstLastPara="1" rIns="91425" wrap="square" tIns="91425">
+          <a:bodyPr spcFirstLastPara="1" wrap="square" lIns="91425" tIns="91425" rIns="91425" bIns="91425" anchor="ctr" anchorCtr="0">
             <a:noAutofit/>
           </a:bodyPr>
           <a:lstStyle/>
           <a:p>
-            <a:pPr indent="0" lvl="0" marL="0" rtl="0" algn="l">
+            <a:pPr marL="0" lvl="0" indent="0" algn="l" rtl="0">
               <a:spcBef>
                 <a:spcPts val="0"/>
               </a:spcBef>
@@ -6755,9 +6854,6 @@
               </a:spcAft>
               <a:buNone/>
             </a:pPr>
-            <a:r>
-              <a:t/>
-            </a:r>
             <a:endParaRPr/>
           </a:p>
         </p:txBody>
@@ -6777,21 +6873,23 @@
             <a:avLst/>
           </a:prstGeom>
           <a:noFill/>
-          <a:ln cap="flat" cmpd="sng" w="19050">
+          <a:ln w="19050" cap="flat" cmpd="sng">
             <a:solidFill>
               <a:schemeClr val="lt1"/>
             </a:solidFill>
             <a:prstDash val="solid"/>
             <a:round/>
-            <a:headEnd len="sm" w="sm" type="none"/>
-            <a:tailEnd len="sm" w="sm" type="none"/>
+            <a:headEnd type="none" w="sm" len="sm"/>
+            <a:tailEnd type="none" w="sm" len="sm"/>
           </a:ln>
         </p:spPr>
       </p:cxnSp>
       <p:sp>
         <p:nvSpPr>
           <p:cNvPr id="62" name="Google Shape;62;p9"/>
-          <p:cNvSpPr txBox="1"/>
+          <p:cNvSpPr txBox="1">
+            <a:spLocks noGrp="1"/>
+          </p:cNvSpPr>
           <p:nvPr>
             <p:ph type="title"/>
           </p:nvPr>
@@ -6806,7 +6904,7 @@
           </a:prstGeom>
         </p:spPr>
         <p:txBody>
-          <a:bodyPr anchorCtr="0" anchor="b" bIns="91425" lIns="91425" spcFirstLastPara="1" rIns="91425" wrap="square" tIns="91425">
+          <a:bodyPr spcFirstLastPara="1" wrap="square" lIns="91425" tIns="91425" rIns="91425" bIns="91425" anchor="b" anchorCtr="0">
             <a:noAutofit/>
           </a:bodyPr>
           <a:lstStyle>
@@ -6910,15 +7008,19 @@
               <a:defRPr sz="4200"/>
             </a:lvl9pPr>
           </a:lstStyle>
-          <a:p/>
+          <a:p>
+            <a:endParaRPr/>
+          </a:p>
         </p:txBody>
       </p:sp>
       <p:sp>
         <p:nvSpPr>
           <p:cNvPr id="63" name="Google Shape;63;p9"/>
-          <p:cNvSpPr txBox="1"/>
+          <p:cNvSpPr txBox="1">
+            <a:spLocks noGrp="1"/>
+          </p:cNvSpPr>
           <p:nvPr>
-            <p:ph idx="1" type="subTitle"/>
+            <p:ph type="subTitle" idx="1"/>
           </p:nvPr>
         </p:nvSpPr>
         <p:spPr>
@@ -6931,7 +7033,7 @@
           </a:prstGeom>
         </p:spPr>
         <p:txBody>
-          <a:bodyPr anchorCtr="0" anchor="t" bIns="91425" lIns="91425" spcFirstLastPara="1" rIns="91425" wrap="square" tIns="91425">
+          <a:bodyPr spcFirstLastPara="1" wrap="square" lIns="91425" tIns="91425" rIns="91425" bIns="91425" anchor="t" anchorCtr="0">
             <a:noAutofit/>
           </a:bodyPr>
           <a:lstStyle>
@@ -7062,15 +7164,19 @@
               <a:defRPr sz="2100"/>
             </a:lvl9pPr>
           </a:lstStyle>
-          <a:p/>
+          <a:p>
+            <a:endParaRPr/>
+          </a:p>
         </p:txBody>
       </p:sp>
       <p:sp>
         <p:nvSpPr>
           <p:cNvPr id="64" name="Google Shape;64;p9"/>
-          <p:cNvSpPr txBox="1"/>
+          <p:cNvSpPr txBox="1">
+            <a:spLocks noGrp="1"/>
+          </p:cNvSpPr>
           <p:nvPr>
-            <p:ph idx="2" type="body"/>
+            <p:ph type="body" idx="2"/>
           </p:nvPr>
         </p:nvSpPr>
         <p:spPr>
@@ -7083,11 +7189,11 @@
           </a:prstGeom>
         </p:spPr>
         <p:txBody>
-          <a:bodyPr anchorCtr="0" anchor="ctr" bIns="91425" lIns="91425" spcFirstLastPara="1" rIns="91425" wrap="square" tIns="91425">
+          <a:bodyPr spcFirstLastPara="1" wrap="square" lIns="91425" tIns="91425" rIns="91425" bIns="91425" anchor="ctr" anchorCtr="0">
             <a:noAutofit/>
           </a:bodyPr>
           <a:lstStyle>
-            <a:lvl1pPr indent="-342900" lvl="0" marL="457200">
+            <a:lvl1pPr marL="457200" lvl="0" indent="-342900">
               <a:spcBef>
                 <a:spcPts val="0"/>
               </a:spcBef>
@@ -7105,7 +7211,7 @@
                 </a:solidFill>
               </a:defRPr>
             </a:lvl1pPr>
-            <a:lvl2pPr indent="-317500" lvl="1" marL="914400">
+            <a:lvl2pPr marL="914400" lvl="1" indent="-317500">
               <a:spcBef>
                 <a:spcPts val="1600"/>
               </a:spcBef>
@@ -7123,7 +7229,7 @@
                 </a:solidFill>
               </a:defRPr>
             </a:lvl2pPr>
-            <a:lvl3pPr indent="-317500" lvl="2" marL="1371600">
+            <a:lvl3pPr marL="1371600" lvl="2" indent="-317500">
               <a:spcBef>
                 <a:spcPts val="1600"/>
               </a:spcBef>
@@ -7141,7 +7247,7 @@
                 </a:solidFill>
               </a:defRPr>
             </a:lvl3pPr>
-            <a:lvl4pPr indent="-317500" lvl="3" marL="1828800">
+            <a:lvl4pPr marL="1828800" lvl="3" indent="-317500">
               <a:spcBef>
                 <a:spcPts val="1600"/>
               </a:spcBef>
@@ -7159,7 +7265,7 @@
                 </a:solidFill>
               </a:defRPr>
             </a:lvl4pPr>
-            <a:lvl5pPr indent="-317500" lvl="4" marL="2286000">
+            <a:lvl5pPr marL="2286000" lvl="4" indent="-317500">
               <a:spcBef>
                 <a:spcPts val="1600"/>
               </a:spcBef>
@@ -7177,7 +7283,7 @@
                 </a:solidFill>
               </a:defRPr>
             </a:lvl5pPr>
-            <a:lvl6pPr indent="-317500" lvl="5" marL="2743200">
+            <a:lvl6pPr marL="2743200" lvl="5" indent="-317500">
               <a:spcBef>
                 <a:spcPts val="1600"/>
               </a:spcBef>
@@ -7195,7 +7301,7 @@
                 </a:solidFill>
               </a:defRPr>
             </a:lvl6pPr>
-            <a:lvl7pPr indent="-317500" lvl="6" marL="3200400">
+            <a:lvl7pPr marL="3200400" lvl="6" indent="-317500">
               <a:spcBef>
                 <a:spcPts val="1600"/>
               </a:spcBef>
@@ -7213,7 +7319,7 @@
                 </a:solidFill>
               </a:defRPr>
             </a:lvl7pPr>
-            <a:lvl8pPr indent="-317500" lvl="7" marL="3657600">
+            <a:lvl8pPr marL="3657600" lvl="7" indent="-317500">
               <a:spcBef>
                 <a:spcPts val="1600"/>
               </a:spcBef>
@@ -7231,7 +7337,7 @@
                 </a:solidFill>
               </a:defRPr>
             </a:lvl8pPr>
-            <a:lvl9pPr indent="-317500" lvl="8" marL="4114800">
+            <a:lvl9pPr marL="4114800" lvl="8" indent="-317500">
               <a:spcBef>
                 <a:spcPts val="1600"/>
               </a:spcBef>
@@ -7250,15 +7356,19 @@
               </a:defRPr>
             </a:lvl9pPr>
           </a:lstStyle>
-          <a:p/>
+          <a:p>
+            <a:endParaRPr/>
+          </a:p>
         </p:txBody>
       </p:sp>
       <p:sp>
         <p:nvSpPr>
           <p:cNvPr id="65" name="Google Shape;65;p9"/>
-          <p:cNvSpPr txBox="1"/>
+          <p:cNvSpPr txBox="1">
+            <a:spLocks noGrp="1"/>
+          </p:cNvSpPr>
           <p:nvPr>
-            <p:ph idx="12" type="sldNum"/>
+            <p:ph type="sldNum" idx="12"/>
           </p:nvPr>
         </p:nvSpPr>
         <p:spPr>
@@ -7271,7 +7381,7 @@
           </a:prstGeom>
         </p:spPr>
         <p:txBody>
-          <a:bodyPr anchorCtr="0" anchor="ctr" bIns="91425" lIns="91425" spcFirstLastPara="1" rIns="91425" wrap="square" tIns="91425">
+          <a:bodyPr spcFirstLastPara="1" wrap="square" lIns="91425" tIns="91425" rIns="91425" bIns="91425" anchor="ctr" anchorCtr="0">
             <a:noAutofit/>
           </a:bodyPr>
           <a:lstStyle>
@@ -7313,7 +7423,7 @@
             </a:lvl9pPr>
           </a:lstStyle>
           <a:p>
-            <a:pPr indent="0" lvl="0" marL="0" rtl="0" algn="r">
+            <a:pPr marL="0" lvl="0" indent="0" algn="r" rtl="0">
               <a:spcBef>
                 <a:spcPts val="0"/>
               </a:spcBef>
@@ -7339,11 +7449,11 @@
 </file>
 
 <file path=ppt/slideLayouts/slideLayout9.xml><?xml version="1.0" encoding="utf-8"?>
-<p:sldLayout xmlns:a="http://schemas.openxmlformats.org/drawingml/2006/main" xmlns:r="http://schemas.openxmlformats.org/officeDocument/2006/relationships" xmlns:mc="http://schemas.openxmlformats.org/markup-compatibility/2006" xmlns:mv="urn:schemas-microsoft-com:mac:vml" xmlns:p="http://schemas.openxmlformats.org/presentationml/2006/main" xmlns:c="http://schemas.openxmlformats.org/drawingml/2006/chart" xmlns:dgm="http://schemas.openxmlformats.org/drawingml/2006/diagram" xmlns:o="urn:schemas-microsoft-com:office:office" xmlns:v="urn:schemas-microsoft-com:vml" xmlns:pvml="urn:schemas-microsoft-com:office:powerpoint" xmlns:com="http://schemas.openxmlformats.org/drawingml/2006/compatibility" xmlns:p14="http://schemas.microsoft.com/office/powerpoint/2010/main" xmlns:p15="http://schemas.microsoft.com/office/powerpoint/2012/main" matchingName="Caption">
+<p:sldLayout xmlns:a="http://schemas.openxmlformats.org/drawingml/2006/main" xmlns:r="http://schemas.openxmlformats.org/officeDocument/2006/relationships" xmlns:p="http://schemas.openxmlformats.org/presentationml/2006/main" matchingName="Caption">
   <p:cSld name="CAPTION_ONLY">
     <p:spTree>
       <p:nvGrpSpPr>
-        <p:cNvPr id="66" name="Shape 66"/>
+        <p:cNvPr id="1" name="Shape 66"/>
         <p:cNvGrpSpPr/>
         <p:nvPr/>
       </p:nvGrpSpPr>
@@ -7358,9 +7468,11 @@
       <p:sp>
         <p:nvSpPr>
           <p:cNvPr id="67" name="Google Shape;67;p10"/>
-          <p:cNvSpPr txBox="1"/>
+          <p:cNvSpPr txBox="1">
+            <a:spLocks noGrp="1"/>
+          </p:cNvSpPr>
           <p:nvPr>
-            <p:ph idx="1" type="body"/>
+            <p:ph type="body" idx="1"/>
           </p:nvPr>
         </p:nvSpPr>
         <p:spPr>
@@ -7373,11 +7485,11 @@
           </a:prstGeom>
         </p:spPr>
         <p:txBody>
-          <a:bodyPr anchorCtr="0" anchor="ctr" bIns="91425" lIns="91425" spcFirstLastPara="1" rIns="91425" wrap="square" tIns="91425">
+          <a:bodyPr spcFirstLastPara="1" wrap="square" lIns="91425" tIns="91425" rIns="91425" bIns="91425" anchor="ctr" anchorCtr="0">
             <a:noAutofit/>
           </a:bodyPr>
           <a:lstStyle>
-            <a:lvl1pPr indent="-228600" lvl="0" marL="457200">
+            <a:lvl1pPr marL="457200" lvl="0" indent="-228600">
               <a:lnSpc>
                 <a:spcPct val="100000"/>
               </a:lnSpc>
@@ -7392,15 +7504,19 @@
               <a:defRPr/>
             </a:lvl1pPr>
           </a:lstStyle>
-          <a:p/>
+          <a:p>
+            <a:endParaRPr/>
+          </a:p>
         </p:txBody>
       </p:sp>
       <p:sp>
         <p:nvSpPr>
           <p:cNvPr id="68" name="Google Shape;68;p10"/>
-          <p:cNvSpPr txBox="1"/>
+          <p:cNvSpPr txBox="1">
+            <a:spLocks noGrp="1"/>
+          </p:cNvSpPr>
           <p:nvPr>
-            <p:ph idx="12" type="sldNum"/>
+            <p:ph type="sldNum" idx="12"/>
           </p:nvPr>
         </p:nvSpPr>
         <p:spPr>
@@ -7413,7 +7529,7 @@
           </a:prstGeom>
         </p:spPr>
         <p:txBody>
-          <a:bodyPr anchorCtr="0" anchor="ctr" bIns="91425" lIns="91425" spcFirstLastPara="1" rIns="91425" wrap="square" tIns="91425">
+          <a:bodyPr spcFirstLastPara="1" wrap="square" lIns="91425" tIns="91425" rIns="91425" bIns="91425" anchor="ctr" anchorCtr="0">
             <a:noAutofit/>
           </a:bodyPr>
           <a:lstStyle>
@@ -7491,7 +7607,7 @@
             </a:lvl9pPr>
           </a:lstStyle>
           <a:p>
-            <a:pPr indent="0" lvl="0" marL="0" rtl="0" algn="r">
+            <a:pPr marL="0" lvl="0" indent="0" algn="r" rtl="0">
               <a:spcBef>
                 <a:spcPts val="0"/>
               </a:spcBef>
@@ -7517,7 +7633,7 @@
 </file>
 
 <file path=ppt/slideMasters/slideMaster1.xml><?xml version="1.0" encoding="utf-8"?>
-<p:sldMaster xmlns:a="http://schemas.openxmlformats.org/drawingml/2006/main" xmlns:r="http://schemas.openxmlformats.org/officeDocument/2006/relationships" xmlns:mc="http://schemas.openxmlformats.org/markup-compatibility/2006" xmlns:mv="urn:schemas-microsoft-com:mac:vml" xmlns:p="http://schemas.openxmlformats.org/presentationml/2006/main" xmlns:c="http://schemas.openxmlformats.org/drawingml/2006/chart" xmlns:dgm="http://schemas.openxmlformats.org/drawingml/2006/diagram" xmlns:o="urn:schemas-microsoft-com:office:office" xmlns:v="urn:schemas-microsoft-com:vml" xmlns:pvml="urn:schemas-microsoft-com:office:powerpoint" xmlns:com="http://schemas.openxmlformats.org/drawingml/2006/compatibility" xmlns:p14="http://schemas.microsoft.com/office/powerpoint/2010/main" xmlns:p15="http://schemas.microsoft.com/office/powerpoint/2012/main">
+<p:sldMaster xmlns:a="http://schemas.openxmlformats.org/drawingml/2006/main" xmlns:r="http://schemas.openxmlformats.org/officeDocument/2006/relationships" xmlns:p="http://schemas.openxmlformats.org/presentationml/2006/main">
   <p:cSld name="geometric">
     <p:bg>
       <p:bgPr>
@@ -7531,15 +7647,16 @@
             </a:gs>
           </a:gsLst>
           <a:path path="circle">
-            <a:fillToRect b="50%" l="50%" r="50%" t="50%"/>
+            <a:fillToRect l="50000" t="50000" r="50000" b="50000"/>
           </a:path>
           <a:tileRect/>
         </a:gradFill>
+        <a:effectLst/>
       </p:bgPr>
     </p:bg>
     <p:spTree>
       <p:nvGrpSpPr>
-        <p:cNvPr id="5" name="Shape 5"/>
+        <p:cNvPr id="1" name="Shape 5"/>
         <p:cNvGrpSpPr/>
         <p:nvPr/>
       </p:nvGrpSpPr>
@@ -7554,7 +7671,9 @@
       <p:sp>
         <p:nvSpPr>
           <p:cNvPr id="6" name="Google Shape;6;p1"/>
-          <p:cNvSpPr txBox="1"/>
+          <p:cNvSpPr txBox="1">
+            <a:spLocks noGrp="1"/>
+          </p:cNvSpPr>
           <p:nvPr>
             <p:ph type="title"/>
           </p:nvPr>
@@ -7573,7 +7692,7 @@
           </a:ln>
         </p:spPr>
         <p:txBody>
-          <a:bodyPr anchorCtr="0" anchor="t" bIns="91425" lIns="91425" spcFirstLastPara="1" rIns="91425" wrap="square" tIns="91425">
+          <a:bodyPr spcFirstLastPara="1" wrap="square" lIns="91425" tIns="91425" rIns="91425" bIns="91425" anchor="t" anchorCtr="0">
             <a:noAutofit/>
           </a:bodyPr>
           <a:lstStyle>
@@ -7785,15 +7904,19 @@
               </a:defRPr>
             </a:lvl9pPr>
           </a:lstStyle>
-          <a:p/>
+          <a:p>
+            <a:endParaRPr/>
+          </a:p>
         </p:txBody>
       </p:sp>
       <p:sp>
         <p:nvSpPr>
           <p:cNvPr id="7" name="Google Shape;7;p1"/>
-          <p:cNvSpPr txBox="1"/>
+          <p:cNvSpPr txBox="1">
+            <a:spLocks noGrp="1"/>
+          </p:cNvSpPr>
           <p:nvPr>
-            <p:ph idx="1" type="body"/>
+            <p:ph type="body" idx="1"/>
           </p:nvPr>
         </p:nvSpPr>
         <p:spPr>
@@ -7810,11 +7933,11 @@
           </a:ln>
         </p:spPr>
         <p:txBody>
-          <a:bodyPr anchorCtr="0" anchor="t" bIns="91425" lIns="91425" spcFirstLastPara="1" rIns="91425" wrap="square" tIns="91425">
+          <a:bodyPr spcFirstLastPara="1" wrap="square" lIns="91425" tIns="91425" rIns="91425" bIns="91425" anchor="t" anchorCtr="0">
             <a:noAutofit/>
           </a:bodyPr>
           <a:lstStyle>
-            <a:lvl1pPr indent="-342900" lvl="0" marL="457200">
+            <a:lvl1pPr marL="457200" lvl="0" indent="-342900">
               <a:lnSpc>
                 <a:spcPct val="115000"/>
               </a:lnSpc>
@@ -7840,7 +7963,7 @@
                 <a:sym typeface="Roboto"/>
               </a:defRPr>
             </a:lvl1pPr>
-            <a:lvl2pPr indent="-317500" lvl="1" marL="914400">
+            <a:lvl2pPr marL="914400" lvl="1" indent="-317500">
               <a:lnSpc>
                 <a:spcPct val="115000"/>
               </a:lnSpc>
@@ -7866,7 +7989,7 @@
                 <a:sym typeface="Roboto"/>
               </a:defRPr>
             </a:lvl2pPr>
-            <a:lvl3pPr indent="-317500" lvl="2" marL="1371600">
+            <a:lvl3pPr marL="1371600" lvl="2" indent="-317500">
               <a:lnSpc>
                 <a:spcPct val="115000"/>
               </a:lnSpc>
@@ -7892,7 +8015,7 @@
                 <a:sym typeface="Roboto"/>
               </a:defRPr>
             </a:lvl3pPr>
-            <a:lvl4pPr indent="-317500" lvl="3" marL="1828800">
+            <a:lvl4pPr marL="1828800" lvl="3" indent="-317500">
               <a:lnSpc>
                 <a:spcPct val="115000"/>
               </a:lnSpc>
@@ -7918,7 +8041,7 @@
                 <a:sym typeface="Roboto"/>
               </a:defRPr>
             </a:lvl4pPr>
-            <a:lvl5pPr indent="-317500" lvl="4" marL="2286000">
+            <a:lvl5pPr marL="2286000" lvl="4" indent="-317500">
               <a:lnSpc>
                 <a:spcPct val="115000"/>
               </a:lnSpc>
@@ -7944,7 +8067,7 @@
                 <a:sym typeface="Roboto"/>
               </a:defRPr>
             </a:lvl5pPr>
-            <a:lvl6pPr indent="-317500" lvl="5" marL="2743200">
+            <a:lvl6pPr marL="2743200" lvl="5" indent="-317500">
               <a:lnSpc>
                 <a:spcPct val="115000"/>
               </a:lnSpc>
@@ -7970,7 +8093,7 @@
                 <a:sym typeface="Roboto"/>
               </a:defRPr>
             </a:lvl6pPr>
-            <a:lvl7pPr indent="-317500" lvl="6" marL="3200400">
+            <a:lvl7pPr marL="3200400" lvl="6" indent="-317500">
               <a:lnSpc>
                 <a:spcPct val="115000"/>
               </a:lnSpc>
@@ -7996,7 +8119,7 @@
                 <a:sym typeface="Roboto"/>
               </a:defRPr>
             </a:lvl7pPr>
-            <a:lvl8pPr indent="-317500" lvl="7" marL="3657600">
+            <a:lvl8pPr marL="3657600" lvl="7" indent="-317500">
               <a:lnSpc>
                 <a:spcPct val="115000"/>
               </a:lnSpc>
@@ -8022,7 +8145,7 @@
                 <a:sym typeface="Roboto"/>
               </a:defRPr>
             </a:lvl8pPr>
-            <a:lvl9pPr indent="-317500" lvl="8" marL="4114800">
+            <a:lvl9pPr marL="4114800" lvl="8" indent="-317500">
               <a:lnSpc>
                 <a:spcPct val="115000"/>
               </a:lnSpc>
@@ -8049,15 +8172,19 @@
               </a:defRPr>
             </a:lvl9pPr>
           </a:lstStyle>
-          <a:p/>
+          <a:p>
+            <a:endParaRPr/>
+          </a:p>
         </p:txBody>
       </p:sp>
       <p:sp>
         <p:nvSpPr>
           <p:cNvPr id="8" name="Google Shape;8;p1"/>
-          <p:cNvSpPr txBox="1"/>
+          <p:cNvSpPr txBox="1">
+            <a:spLocks noGrp="1"/>
+          </p:cNvSpPr>
           <p:nvPr>
-            <p:ph idx="12" type="sldNum"/>
+            <p:ph type="sldNum" idx="12"/>
           </p:nvPr>
         </p:nvSpPr>
         <p:spPr>
@@ -8074,7 +8201,7 @@
           </a:ln>
         </p:spPr>
         <p:txBody>
-          <a:bodyPr anchorCtr="0" anchor="ctr" bIns="91425" lIns="91425" spcFirstLastPara="1" rIns="91425" wrap="square" tIns="91425">
+          <a:bodyPr spcFirstLastPara="1" wrap="square" lIns="91425" tIns="91425" rIns="91425" bIns="91425" anchor="ctr" anchorCtr="0">
             <a:noAutofit/>
           </a:bodyPr>
           <a:lstStyle>
@@ -8188,7 +8315,7 @@
             </a:lvl9pPr>
           </a:lstStyle>
           <a:p>
-            <a:pPr indent="0" lvl="0" marL="0" rtl="0" algn="r">
+            <a:pPr marL="0" lvl="0" indent="0" algn="r" rtl="0">
               <a:spcBef>
                 <a:spcPts val="0"/>
               </a:spcBef>
@@ -8207,7 +8334,7 @@
       </p:sp>
     </p:spTree>
   </p:cSld>
-  <p:clrMap accent1="accent1" accent2="accent2" accent3="accent3" accent4="accent4" accent5="accent5" accent6="accent6" bg1="lt1" bg2="dk2" tx1="dk1" tx2="lt2" folHlink="folHlink" hlink="hlink"/>
+  <p:clrMap bg1="lt1" tx1="dk1" bg2="dk2" tx2="lt2" accent1="accent1" accent2="accent2" accent3="accent3" accent4="accent4" accent5="accent5" accent6="accent6" hlink="hlink" folHlink="folHlink"/>
   <p:sldLayoutIdLst>
     <p:sldLayoutId id="2147483648" r:id="rId1"/>
     <p:sldLayoutId id="2147483649" r:id="rId2"/>
@@ -8221,10 +8348,10 @@
     <p:sldLayoutId id="2147483657" r:id="rId10"/>
     <p:sldLayoutId id="2147483658" r:id="rId11"/>
   </p:sldLayoutIdLst>
-  <p:hf dt="0" ftr="0" hdr="0" sldNum="0"/>
+  <p:hf sldNum="0" hdr="0" ftr="0" dt="0"/>
   <p:txStyles>
     <p:titleStyle>
-      <a:defPPr lvl="0" marR="0" rtl="0" algn="l">
+      <a:defPPr marR="0" lvl="0" algn="l" rtl="0">
         <a:lnSpc>
           <a:spcPct val="100000"/>
         </a:lnSpc>
@@ -8235,7 +8362,7 @@
           <a:spcPts val="0"/>
         </a:spcAft>
       </a:defPPr>
-      <a:lvl1pPr lvl="0" marR="0" rtl="0" algn="l">
+      <a:lvl1pPr marR="0" lvl="0" algn="l" rtl="0">
         <a:lnSpc>
           <a:spcPct val="100000"/>
         </a:lnSpc>
@@ -8249,7 +8376,7 @@
           <a:srgbClr val="000000"/>
         </a:buClr>
         <a:buFont typeface="Arial"/>
-        <a:defRPr b="0" i="0" sz="1400" u="none" cap="none" strike="noStrike">
+        <a:defRPr sz="1400" b="0" i="0" u="none" strike="noStrike" cap="none">
           <a:solidFill>
             <a:srgbClr val="000000"/>
           </a:solidFill>
@@ -8259,7 +8386,7 @@
           <a:sym typeface="Arial"/>
         </a:defRPr>
       </a:lvl1pPr>
-      <a:lvl2pPr lvl="1" marR="0" rtl="0" algn="l">
+      <a:lvl2pPr marR="0" lvl="1" algn="l" rtl="0">
         <a:lnSpc>
           <a:spcPct val="100000"/>
         </a:lnSpc>
@@ -8273,7 +8400,7 @@
           <a:srgbClr val="000000"/>
         </a:buClr>
         <a:buFont typeface="Arial"/>
-        <a:defRPr b="0" i="0" sz="1400" u="none" cap="none" strike="noStrike">
+        <a:defRPr sz="1400" b="0" i="0" u="none" strike="noStrike" cap="none">
           <a:solidFill>
             <a:srgbClr val="000000"/>
           </a:solidFill>
@@ -8283,7 +8410,7 @@
           <a:sym typeface="Arial"/>
         </a:defRPr>
       </a:lvl2pPr>
-      <a:lvl3pPr lvl="2" marR="0" rtl="0" algn="l">
+      <a:lvl3pPr marR="0" lvl="2" algn="l" rtl="0">
         <a:lnSpc>
           <a:spcPct val="100000"/>
         </a:lnSpc>
@@ -8297,7 +8424,7 @@
           <a:srgbClr val="000000"/>
         </a:buClr>
         <a:buFont typeface="Arial"/>
-        <a:defRPr b="0" i="0" sz="1400" u="none" cap="none" strike="noStrike">
+        <a:defRPr sz="1400" b="0" i="0" u="none" strike="noStrike" cap="none">
           <a:solidFill>
             <a:srgbClr val="000000"/>
           </a:solidFill>
@@ -8307,7 +8434,7 @@
           <a:sym typeface="Arial"/>
         </a:defRPr>
       </a:lvl3pPr>
-      <a:lvl4pPr lvl="3" marR="0" rtl="0" algn="l">
+      <a:lvl4pPr marR="0" lvl="3" algn="l" rtl="0">
         <a:lnSpc>
           <a:spcPct val="100000"/>
         </a:lnSpc>
@@ -8321,7 +8448,7 @@
           <a:srgbClr val="000000"/>
         </a:buClr>
         <a:buFont typeface="Arial"/>
-        <a:defRPr b="0" i="0" sz="1400" u="none" cap="none" strike="noStrike">
+        <a:defRPr sz="1400" b="0" i="0" u="none" strike="noStrike" cap="none">
           <a:solidFill>
             <a:srgbClr val="000000"/>
           </a:solidFill>
@@ -8331,7 +8458,7 @@
           <a:sym typeface="Arial"/>
         </a:defRPr>
       </a:lvl4pPr>
-      <a:lvl5pPr lvl="4" marR="0" rtl="0" algn="l">
+      <a:lvl5pPr marR="0" lvl="4" algn="l" rtl="0">
         <a:lnSpc>
           <a:spcPct val="100000"/>
         </a:lnSpc>
@@ -8345,7 +8472,7 @@
           <a:srgbClr val="000000"/>
         </a:buClr>
         <a:buFont typeface="Arial"/>
-        <a:defRPr b="0" i="0" sz="1400" u="none" cap="none" strike="noStrike">
+        <a:defRPr sz="1400" b="0" i="0" u="none" strike="noStrike" cap="none">
           <a:solidFill>
             <a:srgbClr val="000000"/>
           </a:solidFill>
@@ -8355,7 +8482,7 @@
           <a:sym typeface="Arial"/>
         </a:defRPr>
       </a:lvl5pPr>
-      <a:lvl6pPr lvl="5" marR="0" rtl="0" algn="l">
+      <a:lvl6pPr marR="0" lvl="5" algn="l" rtl="0">
         <a:lnSpc>
           <a:spcPct val="100000"/>
         </a:lnSpc>
@@ -8369,7 +8496,7 @@
           <a:srgbClr val="000000"/>
         </a:buClr>
         <a:buFont typeface="Arial"/>
-        <a:defRPr b="0" i="0" sz="1400" u="none" cap="none" strike="noStrike">
+        <a:defRPr sz="1400" b="0" i="0" u="none" strike="noStrike" cap="none">
           <a:solidFill>
             <a:srgbClr val="000000"/>
           </a:solidFill>
@@ -8379,7 +8506,7 @@
           <a:sym typeface="Arial"/>
         </a:defRPr>
       </a:lvl6pPr>
-      <a:lvl7pPr lvl="6" marR="0" rtl="0" algn="l">
+      <a:lvl7pPr marR="0" lvl="6" algn="l" rtl="0">
         <a:lnSpc>
           <a:spcPct val="100000"/>
         </a:lnSpc>
@@ -8393,7 +8520,7 @@
           <a:srgbClr val="000000"/>
         </a:buClr>
         <a:buFont typeface="Arial"/>
-        <a:defRPr b="0" i="0" sz="1400" u="none" cap="none" strike="noStrike">
+        <a:defRPr sz="1400" b="0" i="0" u="none" strike="noStrike" cap="none">
           <a:solidFill>
             <a:srgbClr val="000000"/>
           </a:solidFill>
@@ -8403,7 +8530,7 @@
           <a:sym typeface="Arial"/>
         </a:defRPr>
       </a:lvl7pPr>
-      <a:lvl8pPr lvl="7" marR="0" rtl="0" algn="l">
+      <a:lvl8pPr marR="0" lvl="7" algn="l" rtl="0">
         <a:lnSpc>
           <a:spcPct val="100000"/>
         </a:lnSpc>
@@ -8417,7 +8544,7 @@
           <a:srgbClr val="000000"/>
         </a:buClr>
         <a:buFont typeface="Arial"/>
-        <a:defRPr b="0" i="0" sz="1400" u="none" cap="none" strike="noStrike">
+        <a:defRPr sz="1400" b="0" i="0" u="none" strike="noStrike" cap="none">
           <a:solidFill>
             <a:srgbClr val="000000"/>
           </a:solidFill>
@@ -8427,7 +8554,7 @@
           <a:sym typeface="Arial"/>
         </a:defRPr>
       </a:lvl8pPr>
-      <a:lvl9pPr lvl="8" marR="0" rtl="0" algn="l">
+      <a:lvl9pPr marR="0" lvl="8" algn="l" rtl="0">
         <a:lnSpc>
           <a:spcPct val="100000"/>
         </a:lnSpc>
@@ -8441,7 +8568,7 @@
           <a:srgbClr val="000000"/>
         </a:buClr>
         <a:buFont typeface="Arial"/>
-        <a:defRPr b="0" i="0" sz="1400" u="none" cap="none" strike="noStrike">
+        <a:defRPr sz="1400" b="0" i="0" u="none" strike="noStrike" cap="none">
           <a:solidFill>
             <a:srgbClr val="000000"/>
           </a:solidFill>
@@ -8453,7 +8580,7 @@
       </a:lvl9pPr>
     </p:titleStyle>
     <p:bodyStyle>
-      <a:defPPr lvl="0" marR="0" rtl="0" algn="l">
+      <a:defPPr marR="0" lvl="0" algn="l" rtl="0">
         <a:lnSpc>
           <a:spcPct val="100000"/>
         </a:lnSpc>
@@ -8464,7 +8591,7 @@
           <a:spcPts val="0"/>
         </a:spcAft>
       </a:defPPr>
-      <a:lvl1pPr lvl="0" marR="0" rtl="0" algn="l">
+      <a:lvl1pPr marR="0" lvl="0" algn="l" rtl="0">
         <a:lnSpc>
           <a:spcPct val="100000"/>
         </a:lnSpc>
@@ -8478,7 +8605,7 @@
           <a:srgbClr val="000000"/>
         </a:buClr>
         <a:buFont typeface="Arial"/>
-        <a:defRPr b="0" i="0" sz="1400" u="none" cap="none" strike="noStrike">
+        <a:defRPr sz="1400" b="0" i="0" u="none" strike="noStrike" cap="none">
           <a:solidFill>
             <a:srgbClr val="000000"/>
           </a:solidFill>
@@ -8488,7 +8615,7 @@
           <a:sym typeface="Arial"/>
         </a:defRPr>
       </a:lvl1pPr>
-      <a:lvl2pPr lvl="1" marR="0" rtl="0" algn="l">
+      <a:lvl2pPr marR="0" lvl="1" algn="l" rtl="0">
         <a:lnSpc>
           <a:spcPct val="100000"/>
         </a:lnSpc>
@@ -8502,7 +8629,7 @@
           <a:srgbClr val="000000"/>
         </a:buClr>
         <a:buFont typeface="Arial"/>
-        <a:defRPr b="0" i="0" sz="1400" u="none" cap="none" strike="noStrike">
+        <a:defRPr sz="1400" b="0" i="0" u="none" strike="noStrike" cap="none">
           <a:solidFill>
             <a:srgbClr val="000000"/>
           </a:solidFill>
@@ -8512,7 +8639,7 @@
           <a:sym typeface="Arial"/>
         </a:defRPr>
       </a:lvl2pPr>
-      <a:lvl3pPr lvl="2" marR="0" rtl="0" algn="l">
+      <a:lvl3pPr marR="0" lvl="2" algn="l" rtl="0">
         <a:lnSpc>
           <a:spcPct val="100000"/>
         </a:lnSpc>
@@ -8526,7 +8653,7 @@
           <a:srgbClr val="000000"/>
         </a:buClr>
         <a:buFont typeface="Arial"/>
-        <a:defRPr b="0" i="0" sz="1400" u="none" cap="none" strike="noStrike">
+        <a:defRPr sz="1400" b="0" i="0" u="none" strike="noStrike" cap="none">
           <a:solidFill>
             <a:srgbClr val="000000"/>
           </a:solidFill>
@@ -8536,7 +8663,7 @@
           <a:sym typeface="Arial"/>
         </a:defRPr>
       </a:lvl3pPr>
-      <a:lvl4pPr lvl="3" marR="0" rtl="0" algn="l">
+      <a:lvl4pPr marR="0" lvl="3" algn="l" rtl="0">
         <a:lnSpc>
           <a:spcPct val="100000"/>
         </a:lnSpc>
@@ -8550,7 +8677,7 @@
           <a:srgbClr val="000000"/>
         </a:buClr>
         <a:buFont typeface="Arial"/>
-        <a:defRPr b="0" i="0" sz="1400" u="none" cap="none" strike="noStrike">
+        <a:defRPr sz="1400" b="0" i="0" u="none" strike="noStrike" cap="none">
           <a:solidFill>
             <a:srgbClr val="000000"/>
           </a:solidFill>
@@ -8560,7 +8687,7 @@
           <a:sym typeface="Arial"/>
         </a:defRPr>
       </a:lvl4pPr>
-      <a:lvl5pPr lvl="4" marR="0" rtl="0" algn="l">
+      <a:lvl5pPr marR="0" lvl="4" algn="l" rtl="0">
         <a:lnSpc>
           <a:spcPct val="100000"/>
         </a:lnSpc>
@@ -8574,7 +8701,7 @@
           <a:srgbClr val="000000"/>
         </a:buClr>
         <a:buFont typeface="Arial"/>
-        <a:defRPr b="0" i="0" sz="1400" u="none" cap="none" strike="noStrike">
+        <a:defRPr sz="1400" b="0" i="0" u="none" strike="noStrike" cap="none">
           <a:solidFill>
             <a:srgbClr val="000000"/>
           </a:solidFill>
@@ -8584,7 +8711,7 @@
           <a:sym typeface="Arial"/>
         </a:defRPr>
       </a:lvl5pPr>
-      <a:lvl6pPr lvl="5" marR="0" rtl="0" algn="l">
+      <a:lvl6pPr marR="0" lvl="5" algn="l" rtl="0">
         <a:lnSpc>
           <a:spcPct val="100000"/>
         </a:lnSpc>
@@ -8598,7 +8725,7 @@
           <a:srgbClr val="000000"/>
         </a:buClr>
         <a:buFont typeface="Arial"/>
-        <a:defRPr b="0" i="0" sz="1400" u="none" cap="none" strike="noStrike">
+        <a:defRPr sz="1400" b="0" i="0" u="none" strike="noStrike" cap="none">
           <a:solidFill>
             <a:srgbClr val="000000"/>
           </a:solidFill>
@@ -8608,7 +8735,7 @@
           <a:sym typeface="Arial"/>
         </a:defRPr>
       </a:lvl6pPr>
-      <a:lvl7pPr lvl="6" marR="0" rtl="0" algn="l">
+      <a:lvl7pPr marR="0" lvl="6" algn="l" rtl="0">
         <a:lnSpc>
           <a:spcPct val="100000"/>
         </a:lnSpc>
@@ -8622,7 +8749,7 @@
           <a:srgbClr val="000000"/>
         </a:buClr>
         <a:buFont typeface="Arial"/>
-        <a:defRPr b="0" i="0" sz="1400" u="none" cap="none" strike="noStrike">
+        <a:defRPr sz="1400" b="0" i="0" u="none" strike="noStrike" cap="none">
           <a:solidFill>
             <a:srgbClr val="000000"/>
           </a:solidFill>
@@ -8632,7 +8759,7 @@
           <a:sym typeface="Arial"/>
         </a:defRPr>
       </a:lvl7pPr>
-      <a:lvl8pPr lvl="7" marR="0" rtl="0" algn="l">
+      <a:lvl8pPr marR="0" lvl="7" algn="l" rtl="0">
         <a:lnSpc>
           <a:spcPct val="100000"/>
         </a:lnSpc>
@@ -8646,7 +8773,7 @@
           <a:srgbClr val="000000"/>
         </a:buClr>
         <a:buFont typeface="Arial"/>
-        <a:defRPr b="0" i="0" sz="1400" u="none" cap="none" strike="noStrike">
+        <a:defRPr sz="1400" b="0" i="0" u="none" strike="noStrike" cap="none">
           <a:solidFill>
             <a:srgbClr val="000000"/>
           </a:solidFill>
@@ -8656,7 +8783,7 @@
           <a:sym typeface="Arial"/>
         </a:defRPr>
       </a:lvl8pPr>
-      <a:lvl9pPr lvl="8" marR="0" rtl="0" algn="l">
+      <a:lvl9pPr marR="0" lvl="8" algn="l" rtl="0">
         <a:lnSpc>
           <a:spcPct val="100000"/>
         </a:lnSpc>
@@ -8670,7 +8797,7 @@
           <a:srgbClr val="000000"/>
         </a:buClr>
         <a:buFont typeface="Arial"/>
-        <a:defRPr b="0" i="0" sz="1400" u="none" cap="none" strike="noStrike">
+        <a:defRPr sz="1400" b="0" i="0" u="none" strike="noStrike" cap="none">
           <a:solidFill>
             <a:srgbClr val="000000"/>
           </a:solidFill>
@@ -8682,7 +8809,7 @@
       </a:lvl9pPr>
     </p:bodyStyle>
     <p:otherStyle>
-      <a:defPPr lvl="0" marR="0" rtl="0" algn="l">
+      <a:defPPr marR="0" lvl="0" algn="l" rtl="0">
         <a:lnSpc>
           <a:spcPct val="100000"/>
         </a:lnSpc>
@@ -8693,7 +8820,7 @@
           <a:spcPts val="0"/>
         </a:spcAft>
       </a:defPPr>
-      <a:lvl1pPr lvl="0" marR="0" rtl="0" algn="l">
+      <a:lvl1pPr marR="0" lvl="0" algn="l" rtl="0">
         <a:lnSpc>
           <a:spcPct val="100000"/>
         </a:lnSpc>
@@ -8707,7 +8834,7 @@
           <a:srgbClr val="000000"/>
         </a:buClr>
         <a:buFont typeface="Arial"/>
-        <a:defRPr b="0" i="0" sz="1400" u="none" cap="none" strike="noStrike">
+        <a:defRPr sz="1400" b="0" i="0" u="none" strike="noStrike" cap="none">
           <a:solidFill>
             <a:srgbClr val="000000"/>
           </a:solidFill>
@@ -8717,7 +8844,7 @@
           <a:sym typeface="Arial"/>
         </a:defRPr>
       </a:lvl1pPr>
-      <a:lvl2pPr lvl="1" marR="0" rtl="0" algn="l">
+      <a:lvl2pPr marR="0" lvl="1" algn="l" rtl="0">
         <a:lnSpc>
           <a:spcPct val="100000"/>
         </a:lnSpc>
@@ -8731,7 +8858,7 @@
           <a:srgbClr val="000000"/>
         </a:buClr>
         <a:buFont typeface="Arial"/>
-        <a:defRPr b="0" i="0" sz="1400" u="none" cap="none" strike="noStrike">
+        <a:defRPr sz="1400" b="0" i="0" u="none" strike="noStrike" cap="none">
           <a:solidFill>
             <a:srgbClr val="000000"/>
           </a:solidFill>
@@ -8741,7 +8868,7 @@
           <a:sym typeface="Arial"/>
         </a:defRPr>
       </a:lvl2pPr>
-      <a:lvl3pPr lvl="2" marR="0" rtl="0" algn="l">
+      <a:lvl3pPr marR="0" lvl="2" algn="l" rtl="0">
         <a:lnSpc>
           <a:spcPct val="100000"/>
         </a:lnSpc>
@@ -8755,7 +8882,7 @@
           <a:srgbClr val="000000"/>
         </a:buClr>
         <a:buFont typeface="Arial"/>
-        <a:defRPr b="0" i="0" sz="1400" u="none" cap="none" strike="noStrike">
+        <a:defRPr sz="1400" b="0" i="0" u="none" strike="noStrike" cap="none">
           <a:solidFill>
             <a:srgbClr val="000000"/>
           </a:solidFill>
@@ -8765,7 +8892,7 @@
           <a:sym typeface="Arial"/>
         </a:defRPr>
       </a:lvl3pPr>
-      <a:lvl4pPr lvl="3" marR="0" rtl="0" algn="l">
+      <a:lvl4pPr marR="0" lvl="3" algn="l" rtl="0">
         <a:lnSpc>
           <a:spcPct val="100000"/>
         </a:lnSpc>
@@ -8779,7 +8906,7 @@
           <a:srgbClr val="000000"/>
         </a:buClr>
         <a:buFont typeface="Arial"/>
-        <a:defRPr b="0" i="0" sz="1400" u="none" cap="none" strike="noStrike">
+        <a:defRPr sz="1400" b="0" i="0" u="none" strike="noStrike" cap="none">
           <a:solidFill>
             <a:srgbClr val="000000"/>
           </a:solidFill>
@@ -8789,7 +8916,7 @@
           <a:sym typeface="Arial"/>
         </a:defRPr>
       </a:lvl4pPr>
-      <a:lvl5pPr lvl="4" marR="0" rtl="0" algn="l">
+      <a:lvl5pPr marR="0" lvl="4" algn="l" rtl="0">
         <a:lnSpc>
           <a:spcPct val="100000"/>
         </a:lnSpc>
@@ -8803,7 +8930,7 @@
           <a:srgbClr val="000000"/>
         </a:buClr>
         <a:buFont typeface="Arial"/>
-        <a:defRPr b="0" i="0" sz="1400" u="none" cap="none" strike="noStrike">
+        <a:defRPr sz="1400" b="0" i="0" u="none" strike="noStrike" cap="none">
           <a:solidFill>
             <a:srgbClr val="000000"/>
           </a:solidFill>
@@ -8813,7 +8940,7 @@
           <a:sym typeface="Arial"/>
         </a:defRPr>
       </a:lvl5pPr>
-      <a:lvl6pPr lvl="5" marR="0" rtl="0" algn="l">
+      <a:lvl6pPr marR="0" lvl="5" algn="l" rtl="0">
         <a:lnSpc>
           <a:spcPct val="100000"/>
         </a:lnSpc>
@@ -8827,7 +8954,7 @@
           <a:srgbClr val="000000"/>
         </a:buClr>
         <a:buFont typeface="Arial"/>
-        <a:defRPr b="0" i="0" sz="1400" u="none" cap="none" strike="noStrike">
+        <a:defRPr sz="1400" b="0" i="0" u="none" strike="noStrike" cap="none">
           <a:solidFill>
             <a:srgbClr val="000000"/>
           </a:solidFill>
@@ -8837,7 +8964,7 @@
           <a:sym typeface="Arial"/>
         </a:defRPr>
       </a:lvl6pPr>
-      <a:lvl7pPr lvl="6" marR="0" rtl="0" algn="l">
+      <a:lvl7pPr marR="0" lvl="6" algn="l" rtl="0">
         <a:lnSpc>
           <a:spcPct val="100000"/>
         </a:lnSpc>
@@ -8851,7 +8978,7 @@
           <a:srgbClr val="000000"/>
         </a:buClr>
         <a:buFont typeface="Arial"/>
-        <a:defRPr b="0" i="0" sz="1400" u="none" cap="none" strike="noStrike">
+        <a:defRPr sz="1400" b="0" i="0" u="none" strike="noStrike" cap="none">
           <a:solidFill>
             <a:srgbClr val="000000"/>
           </a:solidFill>
@@ -8861,7 +8988,7 @@
           <a:sym typeface="Arial"/>
         </a:defRPr>
       </a:lvl7pPr>
-      <a:lvl8pPr lvl="7" marR="0" rtl="0" algn="l">
+      <a:lvl8pPr marR="0" lvl="7" algn="l" rtl="0">
         <a:lnSpc>
           <a:spcPct val="100000"/>
         </a:lnSpc>
@@ -8875,7 +9002,7 @@
           <a:srgbClr val="000000"/>
         </a:buClr>
         <a:buFont typeface="Arial"/>
-        <a:defRPr b="0" i="0" sz="1400" u="none" cap="none" strike="noStrike">
+        <a:defRPr sz="1400" b="0" i="0" u="none" strike="noStrike" cap="none">
           <a:solidFill>
             <a:srgbClr val="000000"/>
           </a:solidFill>
@@ -8885,7 +9012,7 @@
           <a:sym typeface="Arial"/>
         </a:defRPr>
       </a:lvl8pPr>
-      <a:lvl9pPr lvl="8" marR="0" rtl="0" algn="l">
+      <a:lvl9pPr marR="0" lvl="8" algn="l" rtl="0">
         <a:lnSpc>
           <a:spcPct val="100000"/>
         </a:lnSpc>
@@ -8899,7 +9026,7 @@
           <a:srgbClr val="000000"/>
         </a:buClr>
         <a:buFont typeface="Arial"/>
-        <a:defRPr b="0" i="0" sz="1400" u="none" cap="none" strike="noStrike">
+        <a:defRPr sz="1400" b="0" i="0" u="none" strike="noStrike" cap="none">
           <a:solidFill>
             <a:srgbClr val="000000"/>
           </a:solidFill>
@@ -8915,11 +9042,11 @@
 </file>
 
 <file path=ppt/slides/slide1.xml><?xml version="1.0" encoding="utf-8"?>
-<p:sld xmlns:a="http://schemas.openxmlformats.org/drawingml/2006/main" xmlns:r="http://schemas.openxmlformats.org/officeDocument/2006/relationships" xmlns:mc="http://schemas.openxmlformats.org/markup-compatibility/2006" xmlns:mv="urn:schemas-microsoft-com:mac:vml" xmlns:p="http://schemas.openxmlformats.org/presentationml/2006/main" xmlns:c="http://schemas.openxmlformats.org/drawingml/2006/chart" xmlns:dgm="http://schemas.openxmlformats.org/drawingml/2006/diagram" xmlns:o="urn:schemas-microsoft-com:office:office" xmlns:v="urn:schemas-microsoft-com:vml" xmlns:pvml="urn:schemas-microsoft-com:office:powerpoint" xmlns:com="http://schemas.openxmlformats.org/drawingml/2006/compatibility" xmlns:p14="http://schemas.microsoft.com/office/powerpoint/2010/main" xmlns:p15="http://schemas.microsoft.com/office/powerpoint/2012/main">
+<p:sld xmlns:a="http://schemas.openxmlformats.org/drawingml/2006/main" xmlns:r="http://schemas.openxmlformats.org/officeDocument/2006/relationships" xmlns:p="http://schemas.openxmlformats.org/presentationml/2006/main">
   <p:cSld>
     <p:spTree>
       <p:nvGrpSpPr>
-        <p:cNvPr id="84" name="Shape 84"/>
+        <p:cNvPr id="1" name="Shape 84"/>
         <p:cNvGrpSpPr/>
         <p:nvPr/>
       </p:nvGrpSpPr>
@@ -8941,7 +9068,7 @@
           <a:blip r:embed="rId3">
             <a:alphaModFix/>
           </a:blip>
-          <a:srcRect b="0" l="0" r="0" t="0"/>
+          <a:srcRect/>
           <a:stretch/>
         </p:blipFill>
         <p:spPr>
@@ -8957,7 +9084,7 @@
             <a:noFill/>
           </a:ln>
           <a:effectLst>
-            <a:reflection blurRad="0" dir="5400000" dist="38100" endA="0" endPos="22000" fadeDir="5400012" kx="0" rotWithShape="0" algn="bl" stA="86000" stPos="0" sy="-100000" ky="0"/>
+            <a:reflection stA="86000" endPos="22000" dist="38100" dir="5400000" fadeDir="5400012" sy="-100000" algn="bl" rotWithShape="0"/>
           </a:effectLst>
         </p:spPr>
       </p:pic>
@@ -8981,12 +9108,12 @@
           </a:ln>
         </p:spPr>
         <p:txBody>
-          <a:bodyPr anchorCtr="0" anchor="t" bIns="34275" lIns="68575" spcFirstLastPara="1" rIns="68575" wrap="square" tIns="34275">
+          <a:bodyPr spcFirstLastPara="1" wrap="square" lIns="68575" tIns="34275" rIns="68575" bIns="34275" anchor="t" anchorCtr="0">
             <a:noAutofit/>
           </a:bodyPr>
           <a:lstStyle/>
           <a:p>
-            <a:pPr indent="0" lvl="0" marL="0" marR="0" rtl="0" algn="ctr">
+            <a:pPr marL="0" marR="0" lvl="0" indent="0" algn="ctr" rtl="0">
               <a:lnSpc>
                 <a:spcPct val="100000"/>
               </a:lnSpc>
@@ -8999,7 +9126,7 @@
               <a:buNone/>
             </a:pPr>
             <a:r>
-              <a:rPr b="0" i="0" lang="en" sz="2000" u="none" cap="none" strike="noStrike">
+              <a:rPr lang="en" sz="2000" b="0" i="0" u="none" strike="noStrike" cap="none">
                 <a:solidFill>
                   <a:srgbClr val="000000"/>
                 </a:solidFill>
@@ -9011,7 +9138,7 @@
               <a:t>B. Tech. Mini Project (6</a:t>
             </a:r>
             <a:r>
-              <a:rPr b="0" baseline="30000" i="0" lang="en" sz="2000" u="none" cap="none" strike="noStrike">
+              <a:rPr lang="en" sz="2000" b="0" i="0" u="none" strike="noStrike" cap="none" baseline="30000">
                 <a:solidFill>
                   <a:srgbClr val="000000"/>
                 </a:solidFill>
@@ -9023,7 +9150,7 @@
               <a:t>th</a:t>
             </a:r>
             <a:r>
-              <a:rPr b="0" i="0" lang="en" sz="2000" u="none" cap="none" strike="noStrike">
+              <a:rPr lang="en" sz="2000" b="0" i="0" u="none" strike="noStrike" cap="none">
                 <a:solidFill>
                   <a:srgbClr val="000000"/>
                 </a:solidFill>
@@ -9034,7 +9161,7 @@
               </a:rPr>
               <a:t> Semester) PRESENTATION</a:t>
             </a:r>
-            <a:endParaRPr b="0" i="0" sz="2000" u="none" cap="none" strike="noStrike">
+            <a:endParaRPr sz="2000" b="0" i="0" u="none" strike="noStrike" cap="none">
               <a:solidFill>
                 <a:srgbClr val="000000"/>
               </a:solidFill>
@@ -9066,12 +9193,12 @@
           </a:ln>
         </p:spPr>
         <p:txBody>
-          <a:bodyPr anchorCtr="0" anchor="t" bIns="34275" lIns="68575" spcFirstLastPara="1" rIns="68575" wrap="square" tIns="34275">
+          <a:bodyPr spcFirstLastPara="1" wrap="square" lIns="68575" tIns="34275" rIns="68575" bIns="34275" anchor="t" anchorCtr="0">
             <a:noAutofit/>
           </a:bodyPr>
           <a:lstStyle/>
           <a:p>
-            <a:pPr indent="0" lvl="0" marL="0" marR="0" rtl="0" algn="ctr">
+            <a:pPr marL="0" marR="0" lvl="0" indent="0" algn="ctr" rtl="0">
               <a:lnSpc>
                 <a:spcPct val="100000"/>
               </a:lnSpc>
@@ -9084,7 +9211,7 @@
               <a:buNone/>
             </a:pPr>
             <a:r>
-              <a:rPr b="0" i="0" lang="en" sz="1100" u="none" cap="none" strike="noStrike">
+              <a:rPr lang="en" sz="1100" b="0" i="0" u="none" strike="noStrike" cap="none">
                 <a:solidFill>
                   <a:srgbClr val="000000"/>
                 </a:solidFill>
@@ -9096,7 +9223,7 @@
               <a:t>   </a:t>
             </a:r>
             <a:r>
-              <a:rPr b="0" i="0" lang="en" sz="1300" u="none" cap="none" strike="noStrike">
+              <a:rPr lang="en" sz="1300" b="0" i="0" u="none" strike="noStrike" cap="none">
                 <a:solidFill>
                   <a:srgbClr val="000000"/>
                 </a:solidFill>
@@ -9107,7 +9234,7 @@
               </a:rPr>
               <a:t>of  the mini project entitled </a:t>
             </a:r>
-            <a:endParaRPr b="0" i="0" sz="1300" u="none" cap="none" strike="noStrike">
+            <a:endParaRPr sz="1300" b="0" i="0" u="none" strike="noStrike" cap="none">
               <a:solidFill>
                 <a:srgbClr val="000000"/>
               </a:solidFill>
@@ -9118,7 +9245,7 @@
             </a:endParaRPr>
           </a:p>
           <a:p>
-            <a:pPr indent="0" lvl="0" marL="0" marR="0" rtl="0" algn="ctr">
+            <a:pPr marL="0" marR="0" lvl="0" indent="0" algn="ctr" rtl="0">
               <a:lnSpc>
                 <a:spcPct val="100000"/>
               </a:lnSpc>
@@ -9131,7 +9258,7 @@
               <a:buNone/>
             </a:pPr>
             <a:r>
-              <a:rPr b="1" lang="en" sz="1500">
+              <a:rPr lang="en" sz="1500" b="1">
                 <a:latin typeface="Times"/>
                 <a:ea typeface="Times"/>
                 <a:cs typeface="Times"/>
@@ -9142,7 +9269,7 @@
             <a:endParaRPr sz="1500"/>
           </a:p>
           <a:p>
-            <a:pPr indent="0" lvl="0" marL="0" marR="0" rtl="0" algn="ctr">
+            <a:pPr marL="0" marR="0" lvl="0" indent="0" algn="ctr" rtl="0">
               <a:lnSpc>
                 <a:spcPct val="100000"/>
               </a:lnSpc>
@@ -9155,7 +9282,7 @@
               <a:buNone/>
             </a:pPr>
             <a:r>
-              <a:rPr b="0" i="0" lang="en" sz="1300" u="none" cap="none" strike="noStrike">
+              <a:rPr lang="en" sz="1300" b="0" i="0" u="none" strike="noStrike" cap="none">
                 <a:solidFill>
                   <a:srgbClr val="000000"/>
                 </a:solidFill>
@@ -9169,7 +9296,7 @@
             <a:endParaRPr sz="1300"/>
           </a:p>
           <a:p>
-            <a:pPr indent="0" lvl="0" marL="0" marR="0" rtl="0" algn="ctr">
+            <a:pPr marL="0" marR="0" lvl="0" indent="0" algn="ctr" rtl="0">
               <a:lnSpc>
                 <a:spcPct val="100000"/>
               </a:lnSpc>
@@ -9182,7 +9309,7 @@
               <a:buNone/>
             </a:pPr>
             <a:r>
-              <a:rPr b="0" i="1" lang="en" sz="1300" u="none" cap="none" strike="noStrike">
+              <a:rPr lang="en" sz="1300" b="0" i="1" u="none" strike="noStrike" cap="none">
                 <a:solidFill>
                   <a:srgbClr val="000000"/>
                 </a:solidFill>
@@ -9196,7 +9323,7 @@
             <a:endParaRPr sz="1300"/>
           </a:p>
           <a:p>
-            <a:pPr indent="0" lvl="0" marL="0" marR="0" rtl="0" algn="ctr">
+            <a:pPr marL="0" marR="0" lvl="0" indent="0" algn="ctr" rtl="0">
               <a:lnSpc>
                 <a:spcPct val="100000"/>
               </a:lnSpc>
@@ -9221,7 +9348,7 @@
               <a:t>Saransh Kumar</a:t>
             </a:r>
             <a:r>
-              <a:rPr b="0" i="0" lang="en" sz="1600" u="none" cap="none" strike="noStrike">
+              <a:rPr lang="en" sz="1600" b="0" i="0" u="none" strike="noStrike" cap="none">
                 <a:solidFill>
                   <a:srgbClr val="7F6000"/>
                 </a:solidFill>
@@ -9245,7 +9372,7 @@
               <a:t>18</a:t>
             </a:r>
             <a:r>
-              <a:rPr b="0" i="0" lang="en" sz="1600" u="none" cap="none" strike="noStrike">
+              <a:rPr lang="en" sz="1600" b="0" i="0" u="none" strike="noStrike" cap="none">
                 <a:solidFill>
                   <a:srgbClr val="7F6000"/>
                 </a:solidFill>
@@ -9263,7 +9390,7 @@
             </a:endParaRPr>
           </a:p>
           <a:p>
-            <a:pPr indent="0" lvl="0" marL="0" marR="0" rtl="0" algn="ctr">
+            <a:pPr marL="0" marR="0" lvl="0" indent="0" algn="ctr" rtl="0">
               <a:lnSpc>
                 <a:spcPct val="100000"/>
               </a:lnSpc>
@@ -9288,7 +9415,7 @@
               <a:t>Prashant Jha</a:t>
             </a:r>
             <a:r>
-              <a:rPr b="0" i="0" lang="en" sz="1600" u="none" cap="none" strike="noStrike">
+              <a:rPr lang="en" sz="1600" b="0" i="0" u="none" strike="noStrike" cap="none">
                 <a:solidFill>
                   <a:srgbClr val="7F6000"/>
                 </a:solidFill>
@@ -9312,7 +9439,7 @@
               <a:t>19</a:t>
             </a:r>
             <a:r>
-              <a:rPr b="0" i="0" lang="en" sz="1600" u="none" cap="none" strike="noStrike">
+              <a:rPr lang="en" sz="1600" b="0" i="0" u="none" strike="noStrike" cap="none">
                 <a:solidFill>
                   <a:srgbClr val="7F6000"/>
                 </a:solidFill>
@@ -9330,7 +9457,7 @@
             </a:endParaRPr>
           </a:p>
           <a:p>
-            <a:pPr indent="0" lvl="0" marL="0" marR="0" rtl="0" algn="ctr">
+            <a:pPr marL="0" marR="0" lvl="0" indent="0" algn="ctr" rtl="0">
               <a:lnSpc>
                 <a:spcPct val="100000"/>
               </a:lnSpc>
@@ -9355,7 +9482,7 @@
               <a:t>Pradeep Singh</a:t>
             </a:r>
             <a:r>
-              <a:rPr b="0" i="0" lang="en" sz="1600" u="none" cap="none" strike="noStrike">
+              <a:rPr lang="en" sz="1600" b="0" i="0" u="none" strike="noStrike" cap="none">
                 <a:solidFill>
                   <a:srgbClr val="7F6000"/>
                 </a:solidFill>
@@ -9379,7 +9506,7 @@
               <a:t>0</a:t>
             </a:r>
             <a:r>
-              <a:rPr b="0" i="0" lang="en" sz="1600" u="none" cap="none" strike="noStrike">
+              <a:rPr lang="en" sz="1600" b="0" i="0" u="none" strike="noStrike" cap="none">
                 <a:solidFill>
                   <a:srgbClr val="7F6000"/>
                 </a:solidFill>
@@ -9397,7 +9524,7 @@
             </a:endParaRPr>
           </a:p>
           <a:p>
-            <a:pPr indent="0" lvl="0" marL="0" marR="0" rtl="0" algn="ctr">
+            <a:pPr marL="0" marR="0" lvl="0" indent="0" algn="ctr" rtl="0">
               <a:lnSpc>
                 <a:spcPct val="100000"/>
               </a:lnSpc>
@@ -9409,10 +9536,7 @@
               </a:spcAft>
               <a:buNone/>
             </a:pPr>
-            <a:r>
-              <a:t/>
-            </a:r>
-            <a:endParaRPr b="0" i="0" sz="1100" u="none" cap="none" strike="noStrike">
+            <a:endParaRPr sz="1100" b="0" i="0" u="none" strike="noStrike" cap="none">
               <a:solidFill>
                 <a:srgbClr val="000000"/>
               </a:solidFill>
@@ -9423,7 +9547,7 @@
             </a:endParaRPr>
           </a:p>
           <a:p>
-            <a:pPr indent="0" lvl="0" marL="0" marR="0" rtl="0" algn="ctr">
+            <a:pPr marL="0" marR="0" lvl="0" indent="0" algn="ctr" rtl="0">
               <a:lnSpc>
                 <a:spcPct val="100000"/>
               </a:lnSpc>
@@ -9436,7 +9560,7 @@
               <a:buNone/>
             </a:pPr>
             <a:r>
-              <a:rPr b="0" i="1" lang="en" sz="1300" u="none" cap="none" strike="noStrike">
+              <a:rPr lang="en" sz="1300" b="0" i="1" u="none" strike="noStrike" cap="none">
                 <a:solidFill>
                   <a:srgbClr val="000000"/>
                 </a:solidFill>
@@ -9448,7 +9572,7 @@
               <a:t>Under the supervision of</a:t>
             </a:r>
             <a:r>
-              <a:rPr b="0" i="1" lang="en" sz="1100" u="none" cap="none" strike="noStrike">
+              <a:rPr lang="en" sz="1100" b="0" i="1" u="none" strike="noStrike" cap="none">
                 <a:solidFill>
                   <a:srgbClr val="000000"/>
                 </a:solidFill>
@@ -9462,7 +9586,7 @@
             <a:endParaRPr sz="1100"/>
           </a:p>
           <a:p>
-            <a:pPr indent="0" lvl="0" marL="0" marR="0" rtl="0" algn="ctr">
+            <a:pPr marL="0" marR="0" lvl="0" indent="0" algn="ctr" rtl="0">
               <a:lnSpc>
                 <a:spcPct val="100000"/>
               </a:lnSpc>
@@ -9474,10 +9598,7 @@
               </a:spcAft>
               <a:buNone/>
             </a:pPr>
-            <a:r>
-              <a:t/>
-            </a:r>
-            <a:endParaRPr b="0" i="1" sz="1100" u="none" cap="none" strike="noStrike">
+            <a:endParaRPr sz="1100" b="0" i="1" u="none" strike="noStrike" cap="none">
               <a:solidFill>
                 <a:srgbClr val="C00000"/>
               </a:solidFill>
@@ -9488,7 +9609,7 @@
             </a:endParaRPr>
           </a:p>
           <a:p>
-            <a:pPr indent="0" lvl="0" marL="0" marR="0" rtl="0" algn="ctr">
+            <a:pPr marL="0" marR="0" lvl="0" indent="0" algn="ctr" rtl="0">
               <a:lnSpc>
                 <a:spcPct val="100000"/>
               </a:lnSpc>
@@ -9501,7 +9622,7 @@
               <a:buNone/>
             </a:pPr>
             <a:r>
-              <a:rPr b="1" i="0" lang="en" sz="1700" u="none" cap="none" strike="noStrike">
+              <a:rPr lang="en" sz="1700" b="1" i="0" u="none" strike="noStrike" cap="none">
                 <a:solidFill>
                   <a:srgbClr val="990000"/>
                 </a:solidFill>
@@ -9513,7 +9634,7 @@
               <a:t>Dr. </a:t>
             </a:r>
             <a:r>
-              <a:rPr b="1" lang="en" sz="1700">
+              <a:rPr lang="en" sz="1700" b="1">
                 <a:solidFill>
                   <a:srgbClr val="990000"/>
                 </a:solidFill>
@@ -9531,7 +9652,7 @@
             </a:endParaRPr>
           </a:p>
           <a:p>
-            <a:pPr indent="0" lvl="0" marL="0" marR="0" rtl="0" algn="ctr">
+            <a:pPr marL="0" marR="0" lvl="0" indent="0" algn="ctr" rtl="0">
               <a:lnSpc>
                 <a:spcPct val="100000"/>
               </a:lnSpc>
@@ -9544,7 +9665,7 @@
               <a:buNone/>
             </a:pPr>
             <a:r>
-              <a:rPr b="1" i="0" lang="en" sz="1700" u="none" cap="none" strike="noStrike">
+              <a:rPr lang="en" sz="1700" b="1" i="0" u="none" strike="noStrike" cap="none">
                 <a:solidFill>
                   <a:srgbClr val="990000"/>
                 </a:solidFill>
@@ -9583,12 +9704,12 @@
           </a:ln>
         </p:spPr>
         <p:txBody>
-          <a:bodyPr anchorCtr="0" anchor="b" bIns="34275" lIns="68575" spcFirstLastPara="1" rIns="68575" wrap="square" tIns="34275">
+          <a:bodyPr spcFirstLastPara="1" wrap="square" lIns="68575" tIns="34275" rIns="68575" bIns="34275" anchor="b" anchorCtr="0">
             <a:noAutofit/>
           </a:bodyPr>
           <a:lstStyle/>
           <a:p>
-            <a:pPr indent="0" lvl="0" marL="0" marR="0" rtl="0" algn="ctr">
+            <a:pPr marL="0" marR="0" lvl="0" indent="0" algn="ctr" rtl="0">
               <a:lnSpc>
                 <a:spcPct val="90000"/>
               </a:lnSpc>
@@ -9606,7 +9727,7 @@
               <a:buNone/>
             </a:pPr>
             <a:r>
-              <a:rPr b="1" i="0" lang="en" sz="1600" u="none" cap="none" strike="noStrike">
+              <a:rPr lang="en" sz="1600" b="1" i="0" u="none" strike="noStrike" cap="none">
                 <a:solidFill>
                   <a:srgbClr val="0C343D"/>
                 </a:solidFill>
@@ -9617,7 +9738,7 @@
               </a:rPr>
               <a:t>Department of Electronics and Communication Engineering</a:t>
             </a:r>
-            <a:endParaRPr b="1" sz="1100">
+            <a:endParaRPr sz="1100" b="1">
               <a:solidFill>
                 <a:srgbClr val="0C343D"/>
               </a:solidFill>
@@ -9628,7 +9749,7 @@
             </a:endParaRPr>
           </a:p>
           <a:p>
-            <a:pPr indent="0" lvl="0" marL="0" marR="0" rtl="0" algn="ctr">
+            <a:pPr marL="0" marR="0" lvl="0" indent="0" algn="ctr" rtl="0">
               <a:lnSpc>
                 <a:spcPct val="90000"/>
               </a:lnSpc>
@@ -9646,7 +9767,7 @@
               <a:buNone/>
             </a:pPr>
             <a:r>
-              <a:rPr b="1" i="0" lang="en" sz="1800" u="none" cap="none" strike="noStrike">
+              <a:rPr lang="en" sz="1800" b="1" i="0" u="none" strike="noStrike" cap="none">
                 <a:solidFill>
                   <a:srgbClr val="0C343D"/>
                 </a:solidFill>
@@ -9657,7 +9778,7 @@
               </a:rPr>
               <a:t>National Institute of Technology Silchar, Assam, India</a:t>
             </a:r>
-            <a:endParaRPr b="1" sz="1100">
+            <a:endParaRPr sz="1100" b="1">
               <a:solidFill>
                 <a:srgbClr val="0C343D"/>
               </a:solidFill>
@@ -9678,18 +9799,19 @@
 </file>
 
 <file path=ppt/slides/slide10.xml><?xml version="1.0" encoding="utf-8"?>
-<p:sld xmlns:a="http://schemas.openxmlformats.org/drawingml/2006/main" xmlns:r="http://schemas.openxmlformats.org/officeDocument/2006/relationships" xmlns:mc="http://schemas.openxmlformats.org/markup-compatibility/2006" xmlns:mv="urn:schemas-microsoft-com:mac:vml" xmlns:p="http://schemas.openxmlformats.org/presentationml/2006/main" xmlns:c="http://schemas.openxmlformats.org/drawingml/2006/chart" xmlns:dgm="http://schemas.openxmlformats.org/drawingml/2006/diagram" xmlns:o="urn:schemas-microsoft-com:office:office" xmlns:v="urn:schemas-microsoft-com:vml" xmlns:pvml="urn:schemas-microsoft-com:office:powerpoint" xmlns:com="http://schemas.openxmlformats.org/drawingml/2006/compatibility" xmlns:p14="http://schemas.microsoft.com/office/powerpoint/2010/main" xmlns:p15="http://schemas.microsoft.com/office/powerpoint/2012/main">
+<p:sld xmlns:a="http://schemas.openxmlformats.org/drawingml/2006/main" xmlns:r="http://schemas.openxmlformats.org/officeDocument/2006/relationships" xmlns:p="http://schemas.openxmlformats.org/presentationml/2006/main">
   <p:cSld>
     <p:bg>
       <p:bgPr>
         <a:solidFill>
           <a:srgbClr val="F4F6F8"/>
         </a:solidFill>
+        <a:effectLst/>
       </p:bgPr>
     </p:bg>
     <p:spTree>
       <p:nvGrpSpPr>
-        <p:cNvPr id="147" name="Shape 147"/>
+        <p:cNvPr id="1" name="Shape 147"/>
         <p:cNvGrpSpPr/>
         <p:nvPr/>
       </p:nvGrpSpPr>
@@ -9704,7 +9826,9 @@
       <p:sp>
         <p:nvSpPr>
           <p:cNvPr id="148" name="Google Shape;148;p22"/>
-          <p:cNvSpPr txBox="1"/>
+          <p:cNvSpPr txBox="1">
+            <a:spLocks noGrp="1"/>
+          </p:cNvSpPr>
           <p:nvPr>
             <p:ph type="title"/>
           </p:nvPr>
@@ -9719,12 +9843,12 @@
           </a:prstGeom>
         </p:spPr>
         <p:txBody>
-          <a:bodyPr anchorCtr="0" anchor="b" bIns="91425" lIns="91425" spcFirstLastPara="1" rIns="91425" wrap="square" tIns="91425">
+          <a:bodyPr spcFirstLastPara="1" wrap="square" lIns="91425" tIns="91425" rIns="91425" bIns="91425" anchor="b" anchorCtr="0">
             <a:noAutofit/>
           </a:bodyPr>
           <a:lstStyle/>
           <a:p>
-            <a:pPr indent="0" lvl="0" marL="0" rtl="0" algn="ctr">
+            <a:pPr marL="0" lvl="0" indent="0" algn="ctr" rtl="0">
               <a:spcBef>
                 <a:spcPts val="0"/>
               </a:spcBef>
@@ -9764,7 +9888,7 @@
           <p:nvPr/>
         </p:nvCxnSpPr>
         <p:spPr>
-          <a:xfrm flipH="1" rot="10800000">
+          <a:xfrm rot="10800000" flipH="1">
             <a:off x="4193375" y="1453200"/>
             <a:ext cx="73500" cy="147300"/>
           </a:xfrm>
@@ -9772,14 +9896,14 @@
             <a:avLst/>
           </a:prstGeom>
           <a:noFill/>
-          <a:ln cap="flat" cmpd="sng" w="19050">
+          <a:ln w="19050" cap="flat" cmpd="sng">
             <a:solidFill>
               <a:srgbClr val="000000"/>
             </a:solidFill>
             <a:prstDash val="solid"/>
             <a:round/>
-            <a:headEnd len="med" w="med" type="none"/>
-            <a:tailEnd len="med" w="med" type="none"/>
+            <a:headEnd type="none" w="med" len="med"/>
+            <a:tailEnd type="none" w="med" len="med"/>
           </a:ln>
         </p:spPr>
       </p:cxnSp>
@@ -9793,7 +9917,7 @@
           <a:blip r:embed="rId3">
             <a:alphaModFix/>
           </a:blip>
-          <a:srcRect b="5688" l="33136" r="13539" t="4018"/>
+          <a:srcRect l="33136" t="4018" r="13539" b="5688"/>
           <a:stretch/>
         </p:blipFill>
         <p:spPr>
@@ -9827,23 +9951,23 @@
           <a:solidFill>
             <a:srgbClr val="0C343D"/>
           </a:solidFill>
-          <a:ln cap="flat" cmpd="sng" w="9525">
+          <a:ln w="9525" cap="flat" cmpd="sng">
             <a:solidFill>
               <a:srgbClr val="0C343D"/>
             </a:solidFill>
             <a:prstDash val="solid"/>
             <a:round/>
-            <a:headEnd len="sm" w="sm" type="none"/>
-            <a:tailEnd len="sm" w="sm" type="none"/>
+            <a:headEnd type="none" w="sm" len="sm"/>
+            <a:tailEnd type="none" w="sm" len="sm"/>
           </a:ln>
         </p:spPr>
         <p:txBody>
-          <a:bodyPr anchorCtr="0" anchor="ctr" bIns="91425" lIns="91425" spcFirstLastPara="1" rIns="91425" wrap="square" tIns="91425">
+          <a:bodyPr spcFirstLastPara="1" wrap="square" lIns="91425" tIns="91425" rIns="91425" bIns="91425" anchor="ctr" anchorCtr="0">
             <a:noAutofit/>
           </a:bodyPr>
           <a:lstStyle/>
           <a:p>
-            <a:pPr indent="0" lvl="0" marL="0" rtl="0" algn="l">
+            <a:pPr marL="0" lvl="0" indent="0" algn="l" rtl="0">
               <a:spcBef>
                 <a:spcPts val="0"/>
               </a:spcBef>
@@ -9852,9 +9976,6 @@
               </a:spcAft>
               <a:buNone/>
             </a:pPr>
-            <a:r>
-              <a:t/>
-            </a:r>
             <a:endParaRPr/>
           </a:p>
         </p:txBody>
@@ -9866,7 +9987,7 @@
           <p:nvPr/>
         </p:nvCxnSpPr>
         <p:spPr>
-          <a:xfrm flipH="1" rot="10800000">
+          <a:xfrm rot="10800000" flipH="1">
             <a:off x="3340900" y="1615163"/>
             <a:ext cx="1044900" cy="14700"/>
           </a:xfrm>
@@ -9874,14 +9995,14 @@
             <a:avLst/>
           </a:prstGeom>
           <a:noFill/>
-          <a:ln cap="flat" cmpd="sng" w="38100">
+          <a:ln w="38100" cap="flat" cmpd="sng">
             <a:solidFill>
               <a:srgbClr val="000000"/>
             </a:solidFill>
             <a:prstDash val="solid"/>
             <a:round/>
-            <a:headEnd len="med" w="med" type="none"/>
-            <a:tailEnd len="med" w="med" type="none"/>
+            <a:headEnd type="none" w="med" len="med"/>
+            <a:tailEnd type="none" w="med" len="med"/>
           </a:ln>
         </p:spPr>
       </p:cxnSp>
@@ -9902,14 +10023,14 @@
             <a:avLst/>
           </a:prstGeom>
           <a:noFill/>
-          <a:ln cap="flat" cmpd="sng" w="19050">
+          <a:ln w="19050" cap="flat" cmpd="sng">
             <a:solidFill>
               <a:srgbClr val="1C4587"/>
             </a:solidFill>
             <a:prstDash val="solid"/>
             <a:round/>
-            <a:headEnd len="med" w="med" type="none"/>
-            <a:tailEnd len="med" w="med" type="none"/>
+            <a:headEnd type="none" w="med" len="med"/>
+            <a:tailEnd type="none" w="med" len="med"/>
           </a:ln>
         </p:spPr>
       </p:cxnSp>
@@ -9920,7 +10041,7 @@
           <p:nvPr/>
         </p:nvCxnSpPr>
         <p:spPr>
-          <a:xfrm flipH="1" rot="10800000">
+          <a:xfrm rot="10800000" flipH="1">
             <a:off x="3385050" y="1482638"/>
             <a:ext cx="73500" cy="147300"/>
           </a:xfrm>
@@ -9928,14 +10049,14 @@
             <a:avLst/>
           </a:prstGeom>
           <a:noFill/>
-          <a:ln cap="flat" cmpd="sng" w="19050">
+          <a:ln w="19050" cap="flat" cmpd="sng">
             <a:solidFill>
               <a:srgbClr val="000000"/>
             </a:solidFill>
             <a:prstDash val="solid"/>
             <a:round/>
-            <a:headEnd len="med" w="med" type="none"/>
-            <a:tailEnd len="med" w="med" type="none"/>
+            <a:headEnd type="none" w="med" len="med"/>
+            <a:tailEnd type="none" w="med" len="med"/>
           </a:ln>
         </p:spPr>
       </p:cxnSp>
@@ -9946,7 +10067,7 @@
           <p:nvPr/>
         </p:nvCxnSpPr>
         <p:spPr>
-          <a:xfrm flipH="1" rot="10800000">
+          <a:xfrm rot="10800000" flipH="1">
             <a:off x="3532300" y="1482638"/>
             <a:ext cx="73500" cy="147300"/>
           </a:xfrm>
@@ -9954,14 +10075,14 @@
             <a:avLst/>
           </a:prstGeom>
           <a:noFill/>
-          <a:ln cap="flat" cmpd="sng" w="19050">
+          <a:ln w="19050" cap="flat" cmpd="sng">
             <a:solidFill>
               <a:srgbClr val="000000"/>
             </a:solidFill>
             <a:prstDash val="solid"/>
             <a:round/>
-            <a:headEnd len="med" w="med" type="none"/>
-            <a:tailEnd len="med" w="med" type="none"/>
+            <a:headEnd type="none" w="med" len="med"/>
+            <a:tailEnd type="none" w="med" len="med"/>
           </a:ln>
         </p:spPr>
       </p:cxnSp>
@@ -9972,7 +10093,7 @@
           <p:nvPr/>
         </p:nvCxnSpPr>
         <p:spPr>
-          <a:xfrm flipH="1" rot="10800000">
+          <a:xfrm rot="10800000" flipH="1">
             <a:off x="3694150" y="1482638"/>
             <a:ext cx="73500" cy="147300"/>
           </a:xfrm>
@@ -9980,14 +10101,14 @@
             <a:avLst/>
           </a:prstGeom>
           <a:noFill/>
-          <a:ln cap="flat" cmpd="sng" w="19050">
+          <a:ln w="19050" cap="flat" cmpd="sng">
             <a:solidFill>
               <a:srgbClr val="000000"/>
             </a:solidFill>
             <a:prstDash val="solid"/>
             <a:round/>
-            <a:headEnd len="med" w="med" type="none"/>
-            <a:tailEnd len="med" w="med" type="none"/>
+            <a:headEnd type="none" w="med" len="med"/>
+            <a:tailEnd type="none" w="med" len="med"/>
           </a:ln>
         </p:spPr>
       </p:cxnSp>
@@ -9998,7 +10119,7 @@
           <p:nvPr/>
         </p:nvCxnSpPr>
         <p:spPr>
-          <a:xfrm flipH="1" rot="10800000">
+          <a:xfrm rot="10800000" flipH="1">
             <a:off x="3856000" y="1482638"/>
             <a:ext cx="73500" cy="147300"/>
           </a:xfrm>
@@ -10006,14 +10127,14 @@
             <a:avLst/>
           </a:prstGeom>
           <a:noFill/>
-          <a:ln cap="flat" cmpd="sng" w="19050">
+          <a:ln w="19050" cap="flat" cmpd="sng">
             <a:solidFill>
               <a:srgbClr val="000000"/>
             </a:solidFill>
             <a:prstDash val="solid"/>
             <a:round/>
-            <a:headEnd len="med" w="med" type="none"/>
-            <a:tailEnd len="med" w="med" type="none"/>
+            <a:headEnd type="none" w="med" len="med"/>
+            <a:tailEnd type="none" w="med" len="med"/>
           </a:ln>
         </p:spPr>
       </p:cxnSp>
@@ -10024,7 +10145,7 @@
           <p:nvPr/>
         </p:nvCxnSpPr>
         <p:spPr>
-          <a:xfrm flipH="1" rot="10800000">
+          <a:xfrm rot="10800000" flipH="1">
             <a:off x="4017850" y="1482638"/>
             <a:ext cx="73500" cy="147300"/>
           </a:xfrm>
@@ -10032,14 +10153,14 @@
             <a:avLst/>
           </a:prstGeom>
           <a:noFill/>
-          <a:ln cap="flat" cmpd="sng" w="19050">
+          <a:ln w="19050" cap="flat" cmpd="sng">
             <a:solidFill>
               <a:srgbClr val="000000"/>
             </a:solidFill>
             <a:prstDash val="solid"/>
             <a:round/>
-            <a:headEnd len="med" w="med" type="none"/>
-            <a:tailEnd len="med" w="med" type="none"/>
+            <a:headEnd type="none" w="med" len="med"/>
+            <a:tailEnd type="none" w="med" len="med"/>
           </a:ln>
         </p:spPr>
       </p:cxnSp>
@@ -10050,7 +10171,7 @@
           <p:nvPr/>
         </p:nvCxnSpPr>
         <p:spPr>
-          <a:xfrm flipH="1" rot="10800000">
+          <a:xfrm rot="10800000" flipH="1">
             <a:off x="4179700" y="1482638"/>
             <a:ext cx="73500" cy="147300"/>
           </a:xfrm>
@@ -10058,14 +10179,14 @@
             <a:avLst/>
           </a:prstGeom>
           <a:noFill/>
-          <a:ln cap="flat" cmpd="sng" w="19050">
+          <a:ln w="19050" cap="flat" cmpd="sng">
             <a:solidFill>
               <a:srgbClr val="000000"/>
             </a:solidFill>
             <a:prstDash val="solid"/>
             <a:round/>
-            <a:headEnd len="med" w="med" type="none"/>
-            <a:tailEnd len="med" w="med" type="none"/>
+            <a:headEnd type="none" w="med" len="med"/>
+            <a:tailEnd type="none" w="med" len="med"/>
           </a:ln>
         </p:spPr>
       </p:cxnSp>
@@ -10084,14 +10205,14 @@
             <a:avLst/>
           </a:prstGeom>
           <a:noFill/>
-          <a:ln cap="flat" cmpd="sng" w="9525">
+          <a:ln w="9525" cap="flat" cmpd="sng">
             <a:solidFill>
               <a:srgbClr val="999999"/>
             </a:solidFill>
             <a:prstDash val="dot"/>
             <a:round/>
-            <a:headEnd len="med" w="med" type="none"/>
-            <a:tailEnd len="med" w="med" type="none"/>
+            <a:headEnd type="none" w="med" len="med"/>
+            <a:tailEnd type="none" w="med" len="med"/>
           </a:ln>
         </p:spPr>
       </p:cxnSp>
@@ -10104,11 +10225,11 @@
 </file>
 
 <file path=ppt/slides/slide11.xml><?xml version="1.0" encoding="utf-8"?>
-<p:sld xmlns:a="http://schemas.openxmlformats.org/drawingml/2006/main" xmlns:r="http://schemas.openxmlformats.org/officeDocument/2006/relationships" xmlns:mc="http://schemas.openxmlformats.org/markup-compatibility/2006" xmlns:mv="urn:schemas-microsoft-com:mac:vml" xmlns:p="http://schemas.openxmlformats.org/presentationml/2006/main" xmlns:c="http://schemas.openxmlformats.org/drawingml/2006/chart" xmlns:dgm="http://schemas.openxmlformats.org/drawingml/2006/diagram" xmlns:o="urn:schemas-microsoft-com:office:office" xmlns:v="urn:schemas-microsoft-com:vml" xmlns:pvml="urn:schemas-microsoft-com:office:powerpoint" xmlns:com="http://schemas.openxmlformats.org/drawingml/2006/compatibility" xmlns:p14="http://schemas.microsoft.com/office/powerpoint/2010/main" xmlns:p15="http://schemas.microsoft.com/office/powerpoint/2012/main">
+<p:sld xmlns:a="http://schemas.openxmlformats.org/drawingml/2006/main" xmlns:r="http://schemas.openxmlformats.org/officeDocument/2006/relationships" xmlns:p="http://schemas.openxmlformats.org/presentationml/2006/main">
   <p:cSld>
     <p:spTree>
       <p:nvGrpSpPr>
-        <p:cNvPr id="164" name="Shape 164"/>
+        <p:cNvPr id="1" name="Shape 164"/>
         <p:cNvGrpSpPr/>
         <p:nvPr/>
       </p:nvGrpSpPr>
@@ -10123,7 +10244,9 @@
       <p:sp>
         <p:nvSpPr>
           <p:cNvPr id="165" name="Google Shape;165;p23"/>
-          <p:cNvSpPr txBox="1"/>
+          <p:cNvSpPr txBox="1">
+            <a:spLocks noGrp="1"/>
+          </p:cNvSpPr>
           <p:nvPr>
             <p:ph type="title"/>
           </p:nvPr>
@@ -10138,12 +10261,12 @@
           </a:prstGeom>
         </p:spPr>
         <p:txBody>
-          <a:bodyPr anchorCtr="0" anchor="t" bIns="91425" lIns="91425" spcFirstLastPara="1" rIns="91425" wrap="square" tIns="91425">
+          <a:bodyPr spcFirstLastPara="1" wrap="square" lIns="91425" tIns="91425" rIns="91425" bIns="91425" anchor="t" anchorCtr="0">
             <a:noAutofit/>
           </a:bodyPr>
           <a:lstStyle/>
           <a:p>
-            <a:pPr indent="0" lvl="0" marL="0" rtl="0" algn="l">
+            <a:pPr marL="0" lvl="0" indent="0" algn="l" rtl="0">
               <a:spcBef>
                 <a:spcPts val="0"/>
               </a:spcBef>
@@ -10193,14 +10316,14 @@
             <a:avLst/>
           </a:prstGeom>
           <a:noFill/>
-          <a:ln cap="flat" cmpd="sng" w="38100">
+          <a:ln w="38100" cap="flat" cmpd="sng">
             <a:solidFill>
               <a:schemeClr val="accent1"/>
             </a:solidFill>
             <a:prstDash val="solid"/>
             <a:round/>
-            <a:headEnd len="sm" w="sm" type="none"/>
-            <a:tailEnd len="sm" w="sm" type="none"/>
+            <a:headEnd type="none" w="sm" len="sm"/>
+            <a:tailEnd type="none" w="sm" len="sm"/>
           </a:ln>
         </p:spPr>
       </p:pic>
@@ -10213,18 +10336,19 @@
 </file>
 
 <file path=ppt/slides/slide12.xml><?xml version="1.0" encoding="utf-8"?>
-<p:sld xmlns:a="http://schemas.openxmlformats.org/drawingml/2006/main" xmlns:r="http://schemas.openxmlformats.org/officeDocument/2006/relationships" xmlns:mc="http://schemas.openxmlformats.org/markup-compatibility/2006" xmlns:mv="urn:schemas-microsoft-com:mac:vml" xmlns:p="http://schemas.openxmlformats.org/presentationml/2006/main" xmlns:c="http://schemas.openxmlformats.org/drawingml/2006/chart" xmlns:dgm="http://schemas.openxmlformats.org/drawingml/2006/diagram" xmlns:o="urn:schemas-microsoft-com:office:office" xmlns:v="urn:schemas-microsoft-com:vml" xmlns:pvml="urn:schemas-microsoft-com:office:powerpoint" xmlns:com="http://schemas.openxmlformats.org/drawingml/2006/compatibility" xmlns:p14="http://schemas.microsoft.com/office/powerpoint/2010/main" xmlns:p15="http://schemas.microsoft.com/office/powerpoint/2012/main">
+<p:sld xmlns:a="http://schemas.openxmlformats.org/drawingml/2006/main" xmlns:r="http://schemas.openxmlformats.org/officeDocument/2006/relationships" xmlns:p="http://schemas.openxmlformats.org/presentationml/2006/main">
   <p:cSld>
     <p:bg>
       <p:bgPr>
         <a:solidFill>
           <a:srgbClr val="F4F6F8"/>
         </a:solidFill>
+        <a:effectLst/>
       </p:bgPr>
     </p:bg>
     <p:spTree>
       <p:nvGrpSpPr>
-        <p:cNvPr id="170" name="Shape 170"/>
+        <p:cNvPr id="1" name="Shape 170"/>
         <p:cNvGrpSpPr/>
         <p:nvPr/>
       </p:nvGrpSpPr>
@@ -10239,7 +10363,9 @@
       <p:sp>
         <p:nvSpPr>
           <p:cNvPr id="171" name="Google Shape;171;p24"/>
-          <p:cNvSpPr txBox="1"/>
+          <p:cNvSpPr txBox="1">
+            <a:spLocks noGrp="1"/>
+          </p:cNvSpPr>
           <p:nvPr>
             <p:ph type="title"/>
           </p:nvPr>
@@ -10254,12 +10380,12 @@
           </a:prstGeom>
         </p:spPr>
         <p:txBody>
-          <a:bodyPr anchorCtr="0" anchor="b" bIns="91425" lIns="91425" spcFirstLastPara="1" rIns="91425" wrap="square" tIns="91425">
+          <a:bodyPr spcFirstLastPara="1" wrap="square" lIns="91425" tIns="91425" rIns="91425" bIns="91425" anchor="b" anchorCtr="0">
             <a:noAutofit/>
           </a:bodyPr>
           <a:lstStyle/>
           <a:p>
-            <a:pPr indent="0" lvl="0" marL="0" rtl="0" algn="ctr">
+            <a:pPr marL="0" lvl="0" indent="0" algn="ctr" rtl="0">
               <a:spcBef>
                 <a:spcPts val="0"/>
               </a:spcBef>
@@ -10302,7 +10428,7 @@
           <a:blip r:embed="rId3">
             <a:alphaModFix/>
           </a:blip>
-          <a:srcRect b="1594" l="0" r="0" t="0"/>
+          <a:srcRect b="1594"/>
           <a:stretch/>
         </p:blipFill>
         <p:spPr>
@@ -10328,11 +10454,11 @@
 </file>
 
 <file path=ppt/slides/slide13.xml><?xml version="1.0" encoding="utf-8"?>
-<p:sld xmlns:a="http://schemas.openxmlformats.org/drawingml/2006/main" xmlns:r="http://schemas.openxmlformats.org/officeDocument/2006/relationships" xmlns:mc="http://schemas.openxmlformats.org/markup-compatibility/2006" xmlns:mv="urn:schemas-microsoft-com:mac:vml" xmlns:p="http://schemas.openxmlformats.org/presentationml/2006/main" xmlns:c="http://schemas.openxmlformats.org/drawingml/2006/chart" xmlns:dgm="http://schemas.openxmlformats.org/drawingml/2006/diagram" xmlns:o="urn:schemas-microsoft-com:office:office" xmlns:v="urn:schemas-microsoft-com:vml" xmlns:pvml="urn:schemas-microsoft-com:office:powerpoint" xmlns:com="http://schemas.openxmlformats.org/drawingml/2006/compatibility" xmlns:p14="http://schemas.microsoft.com/office/powerpoint/2010/main" xmlns:p15="http://schemas.microsoft.com/office/powerpoint/2012/main">
+<p:sld xmlns:a="http://schemas.openxmlformats.org/drawingml/2006/main" xmlns:r="http://schemas.openxmlformats.org/officeDocument/2006/relationships" xmlns:p="http://schemas.openxmlformats.org/presentationml/2006/main">
   <p:cSld>
     <p:spTree>
       <p:nvGrpSpPr>
-        <p:cNvPr id="176" name="Shape 176"/>
+        <p:cNvPr id="1" name="Shape 176"/>
         <p:cNvGrpSpPr/>
         <p:nvPr/>
       </p:nvGrpSpPr>
@@ -10347,7 +10473,9 @@
       <p:sp>
         <p:nvSpPr>
           <p:cNvPr id="177" name="Google Shape;177;p25"/>
-          <p:cNvSpPr txBox="1"/>
+          <p:cNvSpPr txBox="1">
+            <a:spLocks noGrp="1"/>
+          </p:cNvSpPr>
           <p:nvPr>
             <p:ph type="title"/>
           </p:nvPr>
@@ -10362,12 +10490,12 @@
           </a:prstGeom>
         </p:spPr>
         <p:txBody>
-          <a:bodyPr anchorCtr="0" anchor="t" bIns="91425" lIns="91425" spcFirstLastPara="1" rIns="91425" wrap="square" tIns="91425">
+          <a:bodyPr spcFirstLastPara="1" wrap="square" lIns="91425" tIns="91425" rIns="91425" bIns="91425" anchor="t" anchorCtr="0">
             <a:noAutofit/>
           </a:bodyPr>
           <a:lstStyle/>
           <a:p>
-            <a:pPr indent="0" lvl="0" marL="0" rtl="0" algn="ctr">
+            <a:pPr marL="0" lvl="0" indent="0" algn="ctr" rtl="0">
               <a:spcBef>
                 <a:spcPts val="0"/>
               </a:spcBef>
@@ -10414,12 +10542,12 @@
           </a:ln>
         </p:spPr>
         <p:txBody>
-          <a:bodyPr anchorCtr="0" anchor="t" bIns="91425" lIns="91425" spcFirstLastPara="1" rIns="91425" wrap="square" tIns="91425">
+          <a:bodyPr spcFirstLastPara="1" wrap="square" lIns="91425" tIns="91425" rIns="91425" bIns="91425" anchor="t" anchorCtr="0">
             <a:noAutofit/>
           </a:bodyPr>
           <a:lstStyle/>
           <a:p>
-            <a:pPr indent="-330200" lvl="0" marL="457200" rtl="0" algn="l">
+            <a:pPr marL="457200" lvl="0" indent="-330200" algn="l" rtl="0">
               <a:spcBef>
                 <a:spcPts val="0"/>
               </a:spcBef>
@@ -10456,7 +10584,7 @@
             </a:endParaRPr>
           </a:p>
           <a:p>
-            <a:pPr indent="-330200" lvl="0" marL="457200" rtl="0" algn="l">
+            <a:pPr marL="457200" lvl="0" indent="-330200" algn="l" rtl="0">
               <a:spcBef>
                 <a:spcPts val="0"/>
               </a:spcBef>
@@ -10493,7 +10621,7 @@
             </a:endParaRPr>
           </a:p>
           <a:p>
-            <a:pPr indent="-330200" lvl="0" marL="457200" rtl="0" algn="l">
+            <a:pPr marL="457200" lvl="0" indent="-330200" algn="l" rtl="0">
               <a:spcBef>
                 <a:spcPts val="0"/>
               </a:spcBef>
@@ -10530,7 +10658,7 @@
             </a:endParaRPr>
           </a:p>
           <a:p>
-            <a:pPr indent="-330200" lvl="0" marL="457200" rtl="0" algn="l">
+            <a:pPr marL="457200" lvl="0" indent="-330200" algn="l" rtl="0">
               <a:spcBef>
                 <a:spcPts val="0"/>
               </a:spcBef>
@@ -10567,7 +10695,7 @@
             </a:endParaRPr>
           </a:p>
           <a:p>
-            <a:pPr indent="-330200" lvl="0" marL="457200" rtl="0" algn="l">
+            <a:pPr marL="457200" lvl="0" indent="-330200" algn="l" rtl="0">
               <a:spcBef>
                 <a:spcPts val="0"/>
               </a:spcBef>
@@ -10604,7 +10732,7 @@
             </a:endParaRPr>
           </a:p>
           <a:p>
-            <a:pPr indent="-330200" lvl="0" marL="457200" rtl="0" algn="l">
+            <a:pPr marL="457200" lvl="0" indent="-330200" algn="l" rtl="0">
               <a:spcBef>
                 <a:spcPts val="0"/>
               </a:spcBef>
@@ -10641,7 +10769,7 @@
             </a:endParaRPr>
           </a:p>
           <a:p>
-            <a:pPr indent="-330200" lvl="0" marL="457200" rtl="0" algn="l">
+            <a:pPr marL="457200" lvl="0" indent="-330200" algn="l" rtl="0">
               <a:spcBef>
                 <a:spcPts val="0"/>
               </a:spcBef>
@@ -10678,7 +10806,7 @@
             </a:endParaRPr>
           </a:p>
           <a:p>
-            <a:pPr indent="-330200" lvl="0" marL="457200" rtl="0" algn="l">
+            <a:pPr marL="457200" lvl="0" indent="-330200" algn="l" rtl="0">
               <a:spcBef>
                 <a:spcPts val="0"/>
               </a:spcBef>
@@ -10715,7 +10843,7 @@
             </a:endParaRPr>
           </a:p>
           <a:p>
-            <a:pPr indent="-330200" lvl="0" marL="457200" rtl="0" algn="l">
+            <a:pPr marL="457200" lvl="0" indent="-330200" algn="l" rtl="0">
               <a:spcBef>
                 <a:spcPts val="0"/>
               </a:spcBef>
@@ -10752,7 +10880,7 @@
             </a:endParaRPr>
           </a:p>
           <a:p>
-            <a:pPr indent="0" lvl="0" marL="457200" rtl="0" algn="l">
+            <a:pPr marL="457200" lvl="0" indent="0" algn="l" rtl="0">
               <a:spcBef>
                 <a:spcPts val="0"/>
               </a:spcBef>
@@ -10761,9 +10889,6 @@
               </a:spcAft>
               <a:buNone/>
             </a:pPr>
-            <a:r>
-              <a:t/>
-            </a:r>
             <a:endParaRPr sz="1600">
               <a:solidFill>
                 <a:schemeClr val="dk2"/>
@@ -10785,11 +10910,11 @@
 </file>
 
 <file path=ppt/slides/slide14.xml><?xml version="1.0" encoding="utf-8"?>
-<p:sld xmlns:a="http://schemas.openxmlformats.org/drawingml/2006/main" xmlns:r="http://schemas.openxmlformats.org/officeDocument/2006/relationships" xmlns:mc="http://schemas.openxmlformats.org/markup-compatibility/2006" xmlns:mv="urn:schemas-microsoft-com:mac:vml" xmlns:p="http://schemas.openxmlformats.org/presentationml/2006/main" xmlns:c="http://schemas.openxmlformats.org/drawingml/2006/chart" xmlns:dgm="http://schemas.openxmlformats.org/drawingml/2006/diagram" xmlns:o="urn:schemas-microsoft-com:office:office" xmlns:v="urn:schemas-microsoft-com:vml" xmlns:pvml="urn:schemas-microsoft-com:office:powerpoint" xmlns:com="http://schemas.openxmlformats.org/drawingml/2006/compatibility" xmlns:p14="http://schemas.microsoft.com/office/powerpoint/2010/main" xmlns:p15="http://schemas.microsoft.com/office/powerpoint/2012/main">
+<p:sld xmlns:a="http://schemas.openxmlformats.org/drawingml/2006/main" xmlns:r="http://schemas.openxmlformats.org/officeDocument/2006/relationships" xmlns:p="http://schemas.openxmlformats.org/presentationml/2006/main">
   <p:cSld>
     <p:spTree>
       <p:nvGrpSpPr>
-        <p:cNvPr id="182" name="Shape 182"/>
+        <p:cNvPr id="1" name="Shape 182"/>
         <p:cNvGrpSpPr/>
         <p:nvPr/>
       </p:nvGrpSpPr>
@@ -10804,9 +10929,11 @@
       <p:sp>
         <p:nvSpPr>
           <p:cNvPr id="183" name="Google Shape;183;p26"/>
-          <p:cNvSpPr txBox="1"/>
+          <p:cNvSpPr txBox="1">
+            <a:spLocks noGrp="1"/>
+          </p:cNvSpPr>
           <p:nvPr>
-            <p:ph idx="4294967295" type="body"/>
+            <p:ph type="body" idx="4294967295"/>
           </p:nvPr>
         </p:nvSpPr>
         <p:spPr>
@@ -10819,12 +10946,12 @@
           </a:prstGeom>
         </p:spPr>
         <p:txBody>
-          <a:bodyPr anchorCtr="0" anchor="t" bIns="91425" lIns="91425" spcFirstLastPara="1" rIns="91425" wrap="square" tIns="91425">
+          <a:bodyPr spcFirstLastPara="1" wrap="square" lIns="91425" tIns="91425" rIns="91425" bIns="91425" anchor="t" anchorCtr="0">
             <a:noAutofit/>
           </a:bodyPr>
           <a:lstStyle/>
           <a:p>
-            <a:pPr indent="0" lvl="0" marL="457200" rtl="0" algn="ctr">
+            <a:pPr marL="457200" lvl="0" indent="0" algn="ctr" rtl="0">
               <a:lnSpc>
                 <a:spcPct val="100000"/>
               </a:lnSpc>
@@ -10877,12 +11004,12 @@
           </a:ln>
         </p:spPr>
         <p:txBody>
-          <a:bodyPr anchorCtr="0" anchor="t" bIns="91425" lIns="91425" spcFirstLastPara="1" rIns="91425" wrap="square" tIns="91425">
+          <a:bodyPr spcFirstLastPara="1" wrap="square" lIns="91425" tIns="91425" rIns="91425" bIns="91425" anchor="t" anchorCtr="0">
             <a:noAutofit/>
           </a:bodyPr>
           <a:lstStyle/>
           <a:p>
-            <a:pPr indent="-342900" lvl="0" marL="457200" rtl="0" algn="l">
+            <a:pPr marL="457200" lvl="0" indent="-342900" algn="l" rtl="0">
               <a:spcBef>
                 <a:spcPts val="0"/>
               </a:spcBef>
@@ -10909,7 +11036,7 @@
               <a:t>The Semi-automated Model based on proximity IR sensor with Arduino Uno, leads to easier and fast way to perform the physics lab experiment “</a:t>
             </a:r>
             <a:r>
-              <a:rPr b="1" lang="en" sz="1800">
+              <a:rPr lang="en" sz="1800" b="1">
                 <a:solidFill>
                   <a:schemeClr val="dk2"/>
                 </a:solidFill>
@@ -10943,7 +11070,7 @@
             </a:endParaRPr>
           </a:p>
           <a:p>
-            <a:pPr indent="-342900" lvl="0" marL="457200" rtl="0" algn="l">
+            <a:pPr marL="457200" lvl="0" indent="-342900" algn="l" rtl="0">
               <a:lnSpc>
                 <a:spcPct val="115000"/>
               </a:lnSpc>
@@ -10983,7 +11110,7 @@
             </a:endParaRPr>
           </a:p>
           <a:p>
-            <a:pPr indent="0" lvl="0" marL="0" rtl="0" algn="l">
+            <a:pPr marL="0" lvl="0" indent="0" algn="l" rtl="0">
               <a:spcBef>
                 <a:spcPts val="1600"/>
               </a:spcBef>
@@ -10992,9 +11119,6 @@
               </a:spcAft>
               <a:buNone/>
             </a:pPr>
-            <a:r>
-              <a:t/>
-            </a:r>
             <a:endParaRPr sz="3800">
               <a:solidFill>
                 <a:schemeClr val="lt1"/>
@@ -11006,7 +11130,7 @@
             </a:endParaRPr>
           </a:p>
           <a:p>
-            <a:pPr indent="0" lvl="0" marL="0" rtl="0" algn="l">
+            <a:pPr marL="0" lvl="0" indent="0" algn="l" rtl="0">
               <a:spcBef>
                 <a:spcPts val="0"/>
               </a:spcBef>
@@ -11015,9 +11139,6 @@
               </a:spcAft>
               <a:buNone/>
             </a:pPr>
-            <a:r>
-              <a:t/>
-            </a:r>
             <a:endParaRPr>
               <a:latin typeface="Roboto"/>
               <a:ea typeface="Roboto"/>
@@ -11036,11 +11157,11 @@
 </file>
 
 <file path=ppt/slides/slide15.xml><?xml version="1.0" encoding="utf-8"?>
-<p:sld xmlns:a="http://schemas.openxmlformats.org/drawingml/2006/main" xmlns:r="http://schemas.openxmlformats.org/officeDocument/2006/relationships" xmlns:mc="http://schemas.openxmlformats.org/markup-compatibility/2006" xmlns:mv="urn:schemas-microsoft-com:mac:vml" xmlns:p="http://schemas.openxmlformats.org/presentationml/2006/main" xmlns:c="http://schemas.openxmlformats.org/drawingml/2006/chart" xmlns:dgm="http://schemas.openxmlformats.org/drawingml/2006/diagram" xmlns:o="urn:schemas-microsoft-com:office:office" xmlns:v="urn:schemas-microsoft-com:vml" xmlns:pvml="urn:schemas-microsoft-com:office:powerpoint" xmlns:com="http://schemas.openxmlformats.org/drawingml/2006/compatibility" xmlns:p14="http://schemas.microsoft.com/office/powerpoint/2010/main" xmlns:p15="http://schemas.microsoft.com/office/powerpoint/2012/main">
+<p:sld xmlns:a="http://schemas.openxmlformats.org/drawingml/2006/main" xmlns:r="http://schemas.openxmlformats.org/officeDocument/2006/relationships" xmlns:p="http://schemas.openxmlformats.org/presentationml/2006/main">
   <p:cSld>
     <p:spTree>
       <p:nvGrpSpPr>
-        <p:cNvPr id="188" name="Shape 188"/>
+        <p:cNvPr id="1" name="Shape 188"/>
         <p:cNvGrpSpPr/>
         <p:nvPr/>
       </p:nvGrpSpPr>
@@ -11055,7 +11176,9 @@
       <p:sp>
         <p:nvSpPr>
           <p:cNvPr id="189" name="Google Shape;189;p27"/>
-          <p:cNvSpPr txBox="1"/>
+          <p:cNvSpPr txBox="1">
+            <a:spLocks noGrp="1"/>
+          </p:cNvSpPr>
           <p:nvPr>
             <p:ph type="ctrTitle"/>
           </p:nvPr>
@@ -11070,12 +11193,12 @@
           </a:prstGeom>
         </p:spPr>
         <p:txBody>
-          <a:bodyPr anchorCtr="0" anchor="b" bIns="91425" lIns="91425" spcFirstLastPara="1" rIns="91425" wrap="square" tIns="91425">
+          <a:bodyPr spcFirstLastPara="1" wrap="square" lIns="91425" tIns="91425" rIns="91425" bIns="91425" anchor="b" anchorCtr="0">
             <a:noAutofit/>
           </a:bodyPr>
           <a:lstStyle/>
           <a:p>
-            <a:pPr indent="0" lvl="0" marL="0" rtl="0" algn="l">
+            <a:pPr marL="0" lvl="0" indent="0" algn="l" rtl="0">
               <a:spcBef>
                 <a:spcPts val="0"/>
               </a:spcBef>
@@ -11105,9 +11228,11 @@
       <p:sp>
         <p:nvSpPr>
           <p:cNvPr id="190" name="Google Shape;190;p27"/>
-          <p:cNvSpPr txBox="1"/>
+          <p:cNvSpPr txBox="1">
+            <a:spLocks noGrp="1"/>
+          </p:cNvSpPr>
           <p:nvPr>
-            <p:ph idx="1" type="subTitle"/>
+            <p:ph type="subTitle" idx="1"/>
           </p:nvPr>
         </p:nvSpPr>
         <p:spPr>
@@ -11120,12 +11245,12 @@
           </a:prstGeom>
         </p:spPr>
         <p:txBody>
-          <a:bodyPr anchorCtr="0" anchor="t" bIns="91425" lIns="91425" spcFirstLastPara="1" rIns="91425" wrap="square" tIns="91425">
+          <a:bodyPr spcFirstLastPara="1" wrap="square" lIns="91425" tIns="91425" rIns="91425" bIns="91425" anchor="t" anchorCtr="0">
             <a:noAutofit/>
           </a:bodyPr>
           <a:lstStyle/>
           <a:p>
-            <a:pPr indent="-349250" lvl="0" marL="457200" rtl="0" algn="l">
+            <a:pPr marL="457200" lvl="0" indent="-349250" algn="l" rtl="0">
               <a:spcBef>
                 <a:spcPts val="0"/>
               </a:spcBef>
@@ -11139,7 +11264,7 @@
               <a:buChar char="❖"/>
             </a:pPr>
             <a:r>
-              <a:rPr lang="en" sz="1900">
+              <a:rPr lang="en" sz="1900" dirty="0">
                 <a:solidFill>
                   <a:schemeClr val="dk2"/>
                 </a:solidFill>
@@ -11147,7 +11272,7 @@
               <a:t>Arduino Official Website - </a:t>
             </a:r>
             <a:r>
-              <a:rPr lang="en" sz="1800" u="sng">
+              <a:rPr lang="en" sz="1800" u="sng" dirty="0">
                 <a:solidFill>
                   <a:schemeClr val="accent3"/>
                 </a:solidFill>
@@ -11155,14 +11280,14 @@
               </a:rPr>
               <a:t>www.arduino.cc</a:t>
             </a:r>
-            <a:endParaRPr sz="1800" u="sng">
+            <a:endParaRPr sz="1800" u="sng" dirty="0">
               <a:solidFill>
                 <a:schemeClr val="accent3"/>
               </a:solidFill>
             </a:endParaRPr>
           </a:p>
           <a:p>
-            <a:pPr indent="-349250" lvl="0" marL="457200" rtl="0" algn="l">
+            <a:pPr marL="457200" lvl="0" indent="-349250" algn="l" rtl="0">
               <a:spcBef>
                 <a:spcPts val="0"/>
               </a:spcBef>
@@ -11176,14 +11301,93 @@
               <a:buChar char="❖"/>
             </a:pPr>
             <a:r>
-              <a:rPr lang="en" sz="1900">
+              <a:rPr lang="en" sz="1900" dirty="0">
                 <a:solidFill>
                   <a:schemeClr val="dk2"/>
                 </a:solidFill>
               </a:rPr>
               <a:t>Google Search</a:t>
             </a:r>
-            <a:endParaRPr sz="1800" u="sng"/>
+          </a:p>
+          <a:p>
+            <a:pPr lvl="0" indent="-349250">
+              <a:buClr>
+                <a:schemeClr val="dk2"/>
+              </a:buClr>
+              <a:buSzPts val="1900"/>
+              <a:buChar char="❖"/>
+            </a:pPr>
+            <a:r>
+              <a:rPr lang="en-IN" sz="1800" dirty="0">
+                <a:solidFill>
+                  <a:schemeClr val="bg2"/>
+                </a:solidFill>
+              </a:rPr>
+              <a:t>IR sensor - </a:t>
+            </a:r>
+            <a:r>
+              <a:rPr lang="en-IN" sz="1800" dirty="0">
+                <a:hlinkClick r:id="rId4"/>
+              </a:rPr>
+              <a:t>https://en.wikipedia.org/wiki/Passive_infrared_sensor</a:t>
+            </a:r>
+            <a:endParaRPr lang="en-IN" sz="1800" dirty="0">
+              <a:solidFill>
+                <a:schemeClr val="bg2"/>
+              </a:solidFill>
+            </a:endParaRPr>
+          </a:p>
+          <a:p>
+            <a:pPr lvl="0" indent="-349250">
+              <a:buClr>
+                <a:schemeClr val="dk2"/>
+              </a:buClr>
+              <a:buSzPts val="1900"/>
+              <a:buChar char="❖"/>
+            </a:pPr>
+            <a:r>
+              <a:rPr lang="en-IN" sz="1800" dirty="0">
+                <a:solidFill>
+                  <a:schemeClr val="bg2"/>
+                </a:solidFill>
+              </a:rPr>
+              <a:t>Vernier Calliper - </a:t>
+            </a:r>
+            <a:r>
+              <a:rPr lang="en-IN" sz="1800" dirty="0">
+                <a:hlinkClick r:id="rId5"/>
+              </a:rPr>
+              <a:t>https://www.britannica.com/technology/vernier-caliper</a:t>
+            </a:r>
+            <a:endParaRPr lang="en-IN" sz="1800" dirty="0"/>
+          </a:p>
+          <a:p>
+            <a:pPr lvl="0" indent="-349250">
+              <a:buClr>
+                <a:schemeClr val="dk2"/>
+              </a:buClr>
+              <a:buSzPts val="1900"/>
+              <a:buChar char="❖"/>
+            </a:pPr>
+            <a:endParaRPr lang="en-IN" sz="1800" dirty="0">
+              <a:solidFill>
+                <a:schemeClr val="bg2"/>
+              </a:solidFill>
+            </a:endParaRPr>
+          </a:p>
+          <a:p>
+            <a:pPr lvl="0" indent="-349250">
+              <a:buClr>
+                <a:schemeClr val="dk2"/>
+              </a:buClr>
+              <a:buSzPts val="1900"/>
+              <a:buChar char="❖"/>
+            </a:pPr>
+            <a:endParaRPr sz="1800" dirty="0">
+              <a:solidFill>
+                <a:schemeClr val="bg2"/>
+              </a:solidFill>
+            </a:endParaRPr>
           </a:p>
         </p:txBody>
       </p:sp>
@@ -11196,11 +11400,11 @@
 </file>
 
 <file path=ppt/slides/slide16.xml><?xml version="1.0" encoding="utf-8"?>
-<p:sld xmlns:a="http://schemas.openxmlformats.org/drawingml/2006/main" xmlns:r="http://schemas.openxmlformats.org/officeDocument/2006/relationships" xmlns:mc="http://schemas.openxmlformats.org/markup-compatibility/2006" xmlns:mv="urn:schemas-microsoft-com:mac:vml" xmlns:p="http://schemas.openxmlformats.org/presentationml/2006/main" xmlns:c="http://schemas.openxmlformats.org/drawingml/2006/chart" xmlns:dgm="http://schemas.openxmlformats.org/drawingml/2006/diagram" xmlns:o="urn:schemas-microsoft-com:office:office" xmlns:v="urn:schemas-microsoft-com:vml" xmlns:pvml="urn:schemas-microsoft-com:office:powerpoint" xmlns:com="http://schemas.openxmlformats.org/drawingml/2006/compatibility" xmlns:p14="http://schemas.microsoft.com/office/powerpoint/2010/main" xmlns:p15="http://schemas.microsoft.com/office/powerpoint/2012/main">
+<p:sld xmlns:a="http://schemas.openxmlformats.org/drawingml/2006/main" xmlns:r="http://schemas.openxmlformats.org/officeDocument/2006/relationships" xmlns:p="http://schemas.openxmlformats.org/presentationml/2006/main">
   <p:cSld>
     <p:spTree>
       <p:nvGrpSpPr>
-        <p:cNvPr id="194" name="Shape 194"/>
+        <p:cNvPr id="1" name="Shape 194"/>
         <p:cNvGrpSpPr/>
         <p:nvPr/>
       </p:nvGrpSpPr>
@@ -11215,7 +11419,9 @@
       <p:sp>
         <p:nvSpPr>
           <p:cNvPr id="195" name="Google Shape;195;p28"/>
-          <p:cNvSpPr txBox="1"/>
+          <p:cNvSpPr txBox="1">
+            <a:spLocks noGrp="1"/>
+          </p:cNvSpPr>
           <p:nvPr>
             <p:ph type="ctrTitle"/>
           </p:nvPr>
@@ -11230,12 +11436,12 @@
           </a:prstGeom>
         </p:spPr>
         <p:txBody>
-          <a:bodyPr anchorCtr="0" anchor="b" bIns="91425" lIns="91425" spcFirstLastPara="1" rIns="91425" wrap="square" tIns="91425">
+          <a:bodyPr spcFirstLastPara="1" wrap="square" lIns="91425" tIns="91425" rIns="91425" bIns="91425" anchor="b" anchorCtr="0">
             <a:noAutofit/>
           </a:bodyPr>
           <a:lstStyle/>
           <a:p>
-            <a:pPr indent="0" lvl="0" marL="0" rtl="0" algn="ctr">
+            <a:pPr marL="0" lvl="0" indent="0" algn="ctr" rtl="0">
               <a:spcBef>
                 <a:spcPts val="0"/>
               </a:spcBef>
@@ -11271,11 +11477,11 @@
 </file>
 
 <file path=ppt/slides/slide2.xml><?xml version="1.0" encoding="utf-8"?>
-<p:sld xmlns:a="http://schemas.openxmlformats.org/drawingml/2006/main" xmlns:r="http://schemas.openxmlformats.org/officeDocument/2006/relationships" xmlns:mc="http://schemas.openxmlformats.org/markup-compatibility/2006" xmlns:mv="urn:schemas-microsoft-com:mac:vml" xmlns:p="http://schemas.openxmlformats.org/presentationml/2006/main" xmlns:c="http://schemas.openxmlformats.org/drawingml/2006/chart" xmlns:dgm="http://schemas.openxmlformats.org/drawingml/2006/diagram" xmlns:o="urn:schemas-microsoft-com:office:office" xmlns:v="urn:schemas-microsoft-com:vml" xmlns:pvml="urn:schemas-microsoft-com:office:powerpoint" xmlns:com="http://schemas.openxmlformats.org/drawingml/2006/compatibility" xmlns:p14="http://schemas.microsoft.com/office/powerpoint/2010/main" xmlns:p15="http://schemas.microsoft.com/office/powerpoint/2012/main">
+<p:sld xmlns:a="http://schemas.openxmlformats.org/drawingml/2006/main" xmlns:r="http://schemas.openxmlformats.org/officeDocument/2006/relationships" xmlns:p="http://schemas.openxmlformats.org/presentationml/2006/main">
   <p:cSld>
     <p:spTree>
       <p:nvGrpSpPr>
-        <p:cNvPr id="92" name="Shape 92"/>
+        <p:cNvPr id="1" name="Shape 92"/>
         <p:cNvGrpSpPr/>
         <p:nvPr/>
       </p:nvGrpSpPr>
@@ -11290,9 +11496,11 @@
       <p:sp>
         <p:nvSpPr>
           <p:cNvPr id="93" name="Google Shape;93;p14"/>
-          <p:cNvSpPr txBox="1"/>
+          <p:cNvSpPr txBox="1">
+            <a:spLocks noGrp="1"/>
+          </p:cNvSpPr>
           <p:nvPr>
-            <p:ph idx="1" type="subTitle"/>
+            <p:ph type="subTitle" idx="1"/>
           </p:nvPr>
         </p:nvSpPr>
         <p:spPr>
@@ -11305,12 +11513,12 @@
           </a:prstGeom>
         </p:spPr>
         <p:txBody>
-          <a:bodyPr anchorCtr="0" anchor="t" bIns="91425" lIns="91425" spcFirstLastPara="1" rIns="91425" wrap="square" tIns="91425">
+          <a:bodyPr spcFirstLastPara="1" wrap="square" lIns="91425" tIns="91425" rIns="91425" bIns="91425" anchor="t" anchorCtr="0">
             <a:noAutofit/>
           </a:bodyPr>
           <a:lstStyle/>
           <a:p>
-            <a:pPr indent="-387350" lvl="0" marL="457200" rtl="0" algn="l">
+            <a:pPr marL="457200" lvl="0" indent="-387350" algn="l" rtl="0">
               <a:spcBef>
                 <a:spcPts val="0"/>
               </a:spcBef>
@@ -11325,7 +11533,7 @@
               <a:buAutoNum type="arabicPeriod"/>
             </a:pPr>
             <a:r>
-              <a:rPr b="1" lang="en" sz="2400">
+              <a:rPr lang="en" sz="2400" b="1">
                 <a:solidFill>
                   <a:srgbClr val="073763"/>
                 </a:solidFill>
@@ -11336,7 +11544,7 @@
               </a:rPr>
               <a:t>Project Objective</a:t>
             </a:r>
-            <a:endParaRPr b="1" sz="2400">
+            <a:endParaRPr sz="2400" b="1">
               <a:solidFill>
                 <a:srgbClr val="073763"/>
               </a:solidFill>
@@ -11347,7 +11555,7 @@
             </a:endParaRPr>
           </a:p>
           <a:p>
-            <a:pPr indent="-387350" lvl="0" marL="457200" rtl="0" algn="l">
+            <a:pPr marL="457200" lvl="0" indent="-387350" algn="l" rtl="0">
               <a:spcBef>
                 <a:spcPts val="0"/>
               </a:spcBef>
@@ -11362,7 +11570,7 @@
               <a:buAutoNum type="arabicPeriod"/>
             </a:pPr>
             <a:r>
-              <a:rPr b="1" lang="en" sz="2400">
+              <a:rPr lang="en" sz="2400" b="1">
                 <a:solidFill>
                   <a:srgbClr val="073763"/>
                 </a:solidFill>
@@ -11373,7 +11581,7 @@
               </a:rPr>
               <a:t>Project Requirements</a:t>
             </a:r>
-            <a:endParaRPr b="1" sz="2400">
+            <a:endParaRPr sz="2400" b="1">
               <a:solidFill>
                 <a:srgbClr val="073763"/>
               </a:solidFill>
@@ -11384,7 +11592,7 @@
             </a:endParaRPr>
           </a:p>
           <a:p>
-            <a:pPr indent="-381000" lvl="1" marL="914400" rtl="0" algn="l">
+            <a:pPr marL="914400" lvl="1" indent="-381000" algn="l" rtl="0">
               <a:spcBef>
                 <a:spcPts val="0"/>
               </a:spcBef>
@@ -11421,7 +11629,7 @@
             </a:endParaRPr>
           </a:p>
           <a:p>
-            <a:pPr indent="-381000" lvl="1" marL="914400" rtl="0" algn="l">
+            <a:pPr marL="914400" lvl="1" indent="-381000" algn="l" rtl="0">
               <a:spcBef>
                 <a:spcPts val="0"/>
               </a:spcBef>
@@ -11458,7 +11666,7 @@
             </a:endParaRPr>
           </a:p>
           <a:p>
-            <a:pPr indent="-387350" lvl="0" marL="457200" rtl="0" algn="l">
+            <a:pPr marL="457200" lvl="0" indent="-387350" algn="l" rtl="0">
               <a:spcBef>
                 <a:spcPts val="0"/>
               </a:spcBef>
@@ -11473,7 +11681,7 @@
               <a:buAutoNum type="arabicPeriod"/>
             </a:pPr>
             <a:r>
-              <a:rPr b="1" lang="en" sz="2400">
+              <a:rPr lang="en" sz="2400" b="1">
                 <a:solidFill>
                   <a:srgbClr val="073763"/>
                 </a:solidFill>
@@ -11484,7 +11692,7 @@
               </a:rPr>
               <a:t>Schematic Diagram</a:t>
             </a:r>
-            <a:endParaRPr b="1" sz="2400">
+            <a:endParaRPr sz="2400" b="1">
               <a:solidFill>
                 <a:srgbClr val="073763"/>
               </a:solidFill>
@@ -11495,7 +11703,7 @@
             </a:endParaRPr>
           </a:p>
           <a:p>
-            <a:pPr indent="-387350" lvl="0" marL="457200" rtl="0" algn="l">
+            <a:pPr marL="457200" lvl="0" indent="-387350" algn="l" rtl="0">
               <a:spcBef>
                 <a:spcPts val="0"/>
               </a:spcBef>
@@ -11510,7 +11718,7 @@
               <a:buAutoNum type="arabicPeriod"/>
             </a:pPr>
             <a:r>
-              <a:rPr b="1" lang="en" sz="2400">
+              <a:rPr lang="en" sz="2400" b="1">
                 <a:solidFill>
                   <a:srgbClr val="073763"/>
                 </a:solidFill>
@@ -11521,7 +11729,7 @@
               </a:rPr>
               <a:t>Block Diagram </a:t>
             </a:r>
-            <a:endParaRPr b="1" sz="2400">
+            <a:endParaRPr sz="2400" b="1">
               <a:solidFill>
                 <a:srgbClr val="073763"/>
               </a:solidFill>
@@ -11532,7 +11740,7 @@
             </a:endParaRPr>
           </a:p>
           <a:p>
-            <a:pPr indent="-387350" lvl="0" marL="457200" rtl="0" algn="l">
+            <a:pPr marL="457200" lvl="0" indent="-387350" algn="l" rtl="0">
               <a:spcBef>
                 <a:spcPts val="0"/>
               </a:spcBef>
@@ -11547,7 +11755,7 @@
               <a:buAutoNum type="arabicPeriod"/>
             </a:pPr>
             <a:r>
-              <a:rPr b="1" lang="en" sz="2400">
+              <a:rPr lang="en" sz="2400" b="1">
                 <a:solidFill>
                   <a:srgbClr val="073763"/>
                 </a:solidFill>
@@ -11558,7 +11766,7 @@
               </a:rPr>
               <a:t>Flow Chart</a:t>
             </a:r>
-            <a:endParaRPr b="1" sz="2400">
+            <a:endParaRPr sz="2400" b="1">
               <a:solidFill>
                 <a:srgbClr val="073763"/>
               </a:solidFill>
@@ -11569,7 +11777,7 @@
             </a:endParaRPr>
           </a:p>
           <a:p>
-            <a:pPr indent="-387350" lvl="0" marL="457200" rtl="0" algn="l">
+            <a:pPr marL="457200" lvl="0" indent="-387350" algn="l" rtl="0">
               <a:spcBef>
                 <a:spcPts val="0"/>
               </a:spcBef>
@@ -11584,7 +11792,7 @@
               <a:buAutoNum type="arabicPeriod"/>
             </a:pPr>
             <a:r>
-              <a:rPr b="1" lang="en" sz="2400">
+              <a:rPr lang="en" sz="2400" b="1">
                 <a:solidFill>
                   <a:srgbClr val="073763"/>
                 </a:solidFill>
@@ -11595,7 +11803,7 @@
               </a:rPr>
               <a:t>Procedure</a:t>
             </a:r>
-            <a:endParaRPr b="1" sz="2400">
+            <a:endParaRPr sz="2400" b="1">
               <a:solidFill>
                 <a:srgbClr val="073763"/>
               </a:solidFill>
@@ -11606,7 +11814,7 @@
             </a:endParaRPr>
           </a:p>
           <a:p>
-            <a:pPr indent="-387350" lvl="0" marL="457200" rtl="0" algn="l">
+            <a:pPr marL="457200" lvl="0" indent="-387350" algn="l" rtl="0">
               <a:spcBef>
                 <a:spcPts val="0"/>
               </a:spcBef>
@@ -11621,7 +11829,7 @@
               <a:buAutoNum type="arabicPeriod"/>
             </a:pPr>
             <a:r>
-              <a:rPr b="1" lang="en" sz="2400">
+              <a:rPr lang="en" sz="2400" b="1">
                 <a:solidFill>
                   <a:srgbClr val="073763"/>
                 </a:solidFill>
@@ -11632,7 +11840,7 @@
               </a:rPr>
               <a:t>Conclusions</a:t>
             </a:r>
-            <a:endParaRPr b="1" sz="2400">
+            <a:endParaRPr sz="2400" b="1">
               <a:solidFill>
                 <a:srgbClr val="073763"/>
               </a:solidFill>
@@ -11643,7 +11851,7 @@
             </a:endParaRPr>
           </a:p>
           <a:p>
-            <a:pPr indent="-387350" lvl="0" marL="457200" rtl="0" algn="l">
+            <a:pPr marL="457200" lvl="0" indent="-387350" algn="l" rtl="0">
               <a:spcBef>
                 <a:spcPts val="0"/>
               </a:spcBef>
@@ -11658,7 +11866,7 @@
               <a:buAutoNum type="arabicPeriod"/>
             </a:pPr>
             <a:r>
-              <a:rPr b="1" lang="en" sz="2400">
+              <a:rPr lang="en" sz="2400" b="1">
                 <a:solidFill>
                   <a:srgbClr val="073763"/>
                 </a:solidFill>
@@ -11669,7 +11877,7 @@
               </a:rPr>
               <a:t>References</a:t>
             </a:r>
-            <a:endParaRPr b="1" sz="2400">
+            <a:endParaRPr sz="2400" b="1">
               <a:solidFill>
                 <a:srgbClr val="073763"/>
               </a:solidFill>
@@ -11684,7 +11892,9 @@
       <p:sp>
         <p:nvSpPr>
           <p:cNvPr id="94" name="Google Shape;94;p14"/>
-          <p:cNvSpPr txBox="1"/>
+          <p:cNvSpPr txBox="1">
+            <a:spLocks noGrp="1"/>
+          </p:cNvSpPr>
           <p:nvPr>
             <p:ph type="ctrTitle"/>
           </p:nvPr>
@@ -11699,12 +11909,12 @@
           </a:prstGeom>
         </p:spPr>
         <p:txBody>
-          <a:bodyPr anchorCtr="0" anchor="b" bIns="91425" lIns="91425" spcFirstLastPara="1" rIns="91425" wrap="square" tIns="91425">
+          <a:bodyPr spcFirstLastPara="1" wrap="square" lIns="91425" tIns="91425" rIns="91425" bIns="91425" anchor="b" anchorCtr="0">
             <a:noAutofit/>
           </a:bodyPr>
           <a:lstStyle/>
           <a:p>
-            <a:pPr indent="0" lvl="0" marL="0" rtl="0" algn="ctr">
+            <a:pPr marL="0" lvl="0" indent="0" algn="ctr" rtl="0">
               <a:spcBef>
                 <a:spcPts val="0"/>
               </a:spcBef>
@@ -11714,7 +11924,7 @@
               <a:buNone/>
             </a:pPr>
             <a:r>
-              <a:rPr b="1" lang="en">
+              <a:rPr lang="en" b="1">
                 <a:solidFill>
                   <a:srgbClr val="E75C01"/>
                 </a:solidFill>
@@ -11746,11 +11956,11 @@
 </file>
 
 <file path=ppt/slides/slide3.xml><?xml version="1.0" encoding="utf-8"?>
-<p:sld xmlns:a="http://schemas.openxmlformats.org/drawingml/2006/main" xmlns:r="http://schemas.openxmlformats.org/officeDocument/2006/relationships" xmlns:mc="http://schemas.openxmlformats.org/markup-compatibility/2006" xmlns:mv="urn:schemas-microsoft-com:mac:vml" xmlns:p="http://schemas.openxmlformats.org/presentationml/2006/main" xmlns:c="http://schemas.openxmlformats.org/drawingml/2006/chart" xmlns:dgm="http://schemas.openxmlformats.org/drawingml/2006/diagram" xmlns:o="urn:schemas-microsoft-com:office:office" xmlns:v="urn:schemas-microsoft-com:vml" xmlns:pvml="urn:schemas-microsoft-com:office:powerpoint" xmlns:com="http://schemas.openxmlformats.org/drawingml/2006/compatibility" xmlns:p14="http://schemas.microsoft.com/office/powerpoint/2010/main" xmlns:p15="http://schemas.microsoft.com/office/powerpoint/2012/main">
+<p:sld xmlns:a="http://schemas.openxmlformats.org/drawingml/2006/main" xmlns:r="http://schemas.openxmlformats.org/officeDocument/2006/relationships" xmlns:p="http://schemas.openxmlformats.org/presentationml/2006/main">
   <p:cSld>
     <p:spTree>
       <p:nvGrpSpPr>
-        <p:cNvPr id="98" name="Shape 98"/>
+        <p:cNvPr id="1" name="Shape 98"/>
         <p:cNvGrpSpPr/>
         <p:nvPr/>
       </p:nvGrpSpPr>
@@ -11765,7 +11975,9 @@
       <p:sp>
         <p:nvSpPr>
           <p:cNvPr id="99" name="Google Shape;99;p15"/>
-          <p:cNvSpPr txBox="1"/>
+          <p:cNvSpPr txBox="1">
+            <a:spLocks noGrp="1"/>
+          </p:cNvSpPr>
           <p:nvPr>
             <p:ph type="title"/>
           </p:nvPr>
@@ -11780,12 +11992,12 @@
           </a:prstGeom>
         </p:spPr>
         <p:txBody>
-          <a:bodyPr anchorCtr="0" anchor="t" bIns="91425" lIns="91425" spcFirstLastPara="1" rIns="91425" wrap="square" tIns="91425">
+          <a:bodyPr spcFirstLastPara="1" wrap="square" lIns="91425" tIns="91425" rIns="91425" bIns="91425" anchor="t" anchorCtr="0">
             <a:noAutofit/>
           </a:bodyPr>
           <a:lstStyle/>
           <a:p>
-            <a:pPr indent="0" lvl="0" marL="0" rtl="0" algn="ctr">
+            <a:pPr marL="0" lvl="0" indent="0" algn="ctr" rtl="0">
               <a:spcBef>
                 <a:spcPts val="0"/>
               </a:spcBef>
@@ -11815,9 +12027,11 @@
       <p:sp>
         <p:nvSpPr>
           <p:cNvPr id="100" name="Google Shape;100;p15"/>
-          <p:cNvSpPr txBox="1"/>
+          <p:cNvSpPr txBox="1">
+            <a:spLocks noGrp="1"/>
+          </p:cNvSpPr>
           <p:nvPr>
-            <p:ph idx="1" type="body"/>
+            <p:ph type="body" idx="1"/>
           </p:nvPr>
         </p:nvSpPr>
         <p:spPr>
@@ -11830,12 +12044,12 @@
           </a:prstGeom>
         </p:spPr>
         <p:txBody>
-          <a:bodyPr anchorCtr="0" anchor="ctr" bIns="91425" lIns="91425" spcFirstLastPara="1" rIns="91425" wrap="square" tIns="91425">
+          <a:bodyPr spcFirstLastPara="1" wrap="square" lIns="91425" tIns="91425" rIns="91425" bIns="91425" anchor="ctr" anchorCtr="0">
             <a:noAutofit/>
           </a:bodyPr>
           <a:lstStyle/>
           <a:p>
-            <a:pPr indent="0" lvl="0" marL="0" rtl="0" algn="ctr">
+            <a:pPr marL="0" lvl="0" indent="0" algn="ctr" rtl="0">
               <a:spcBef>
                 <a:spcPts val="0"/>
               </a:spcBef>
@@ -11871,11 +12085,11 @@
 </file>
 
 <file path=ppt/slides/slide4.xml><?xml version="1.0" encoding="utf-8"?>
-<p:sld xmlns:a="http://schemas.openxmlformats.org/drawingml/2006/main" xmlns:r="http://schemas.openxmlformats.org/officeDocument/2006/relationships" xmlns:mc="http://schemas.openxmlformats.org/markup-compatibility/2006" xmlns:mv="urn:schemas-microsoft-com:mac:vml" xmlns:p="http://schemas.openxmlformats.org/presentationml/2006/main" xmlns:c="http://schemas.openxmlformats.org/drawingml/2006/chart" xmlns:dgm="http://schemas.openxmlformats.org/drawingml/2006/diagram" xmlns:o="urn:schemas-microsoft-com:office:office" xmlns:v="urn:schemas-microsoft-com:vml" xmlns:pvml="urn:schemas-microsoft-com:office:powerpoint" xmlns:com="http://schemas.openxmlformats.org/drawingml/2006/compatibility" xmlns:p14="http://schemas.microsoft.com/office/powerpoint/2010/main" xmlns:p15="http://schemas.microsoft.com/office/powerpoint/2012/main">
+<p:sld xmlns:a="http://schemas.openxmlformats.org/drawingml/2006/main" xmlns:r="http://schemas.openxmlformats.org/officeDocument/2006/relationships" xmlns:p="http://schemas.openxmlformats.org/presentationml/2006/main">
   <p:cSld>
     <p:spTree>
       <p:nvGrpSpPr>
-        <p:cNvPr id="104" name="Shape 104"/>
+        <p:cNvPr id="1" name="Shape 104"/>
         <p:cNvGrpSpPr/>
         <p:nvPr/>
       </p:nvGrpSpPr>
@@ -11890,7 +12104,9 @@
       <p:sp>
         <p:nvSpPr>
           <p:cNvPr id="105" name="Google Shape;105;p16"/>
-          <p:cNvSpPr txBox="1"/>
+          <p:cNvSpPr txBox="1">
+            <a:spLocks noGrp="1"/>
+          </p:cNvSpPr>
           <p:nvPr>
             <p:ph type="ctrTitle"/>
           </p:nvPr>
@@ -11905,12 +12121,12 @@
           </a:prstGeom>
         </p:spPr>
         <p:txBody>
-          <a:bodyPr anchorCtr="0" anchor="b" bIns="91425" lIns="91425" spcFirstLastPara="1" rIns="91425" wrap="square" tIns="91425">
+          <a:bodyPr spcFirstLastPara="1" wrap="square" lIns="91425" tIns="91425" rIns="91425" bIns="91425" anchor="b" anchorCtr="0">
             <a:noAutofit/>
           </a:bodyPr>
           <a:lstStyle/>
           <a:p>
-            <a:pPr indent="0" lvl="0" marL="0" rtl="0" algn="ctr">
+            <a:pPr marL="0" lvl="0" indent="0" algn="ctr" rtl="0">
               <a:spcBef>
                 <a:spcPts val="0"/>
               </a:spcBef>
@@ -11957,12 +12173,12 @@
           </a:ln>
         </p:spPr>
         <p:txBody>
-          <a:bodyPr anchorCtr="0" anchor="t" bIns="91425" lIns="91425" spcFirstLastPara="1" rIns="91425" wrap="square" tIns="91425">
+          <a:bodyPr spcFirstLastPara="1" wrap="square" lIns="91425" tIns="91425" rIns="91425" bIns="91425" anchor="t" anchorCtr="0">
             <a:noAutofit/>
           </a:bodyPr>
           <a:lstStyle/>
           <a:p>
-            <a:pPr indent="-387350" lvl="0" marL="457200" rtl="0" algn="l">
+            <a:pPr marL="457200" lvl="0" indent="-387350" algn="l" rtl="0">
               <a:spcBef>
                 <a:spcPts val="0"/>
               </a:spcBef>
@@ -11974,7 +12190,7 @@
               <a:buChar char="❏"/>
             </a:pPr>
             <a:r>
-              <a:rPr b="1" lang="en" sz="2500">
+              <a:rPr lang="en" sz="2500" b="1">
                 <a:latin typeface="Overlock"/>
                 <a:ea typeface="Overlock"/>
                 <a:cs typeface="Overlock"/>
@@ -11982,7 +12198,7 @@
               </a:rPr>
               <a:t>Physical Components</a:t>
             </a:r>
-            <a:endParaRPr b="1" sz="2500">
+            <a:endParaRPr sz="2500" b="1">
               <a:latin typeface="Overlock"/>
               <a:ea typeface="Overlock"/>
               <a:cs typeface="Overlock"/>
@@ -11990,7 +12206,7 @@
             </a:endParaRPr>
           </a:p>
           <a:p>
-            <a:pPr indent="-374650" lvl="1" marL="914400" rtl="0" algn="l">
+            <a:pPr marL="914400" lvl="1" indent="-374650" algn="l" rtl="0">
               <a:spcBef>
                 <a:spcPts val="0"/>
               </a:spcBef>
@@ -12027,7 +12243,7 @@
             </a:endParaRPr>
           </a:p>
           <a:p>
-            <a:pPr indent="-361950" lvl="2" marL="1371600" rtl="0" algn="l">
+            <a:pPr marL="1371600" lvl="2" indent="-361950" algn="l" rtl="0">
               <a:spcBef>
                 <a:spcPts val="0"/>
               </a:spcBef>
@@ -12064,7 +12280,7 @@
             </a:endParaRPr>
           </a:p>
           <a:p>
-            <a:pPr indent="-361950" lvl="2" marL="1371600" rtl="0" algn="l">
+            <a:pPr marL="1371600" lvl="2" indent="-361950" algn="l" rtl="0">
               <a:spcBef>
                 <a:spcPts val="0"/>
               </a:spcBef>
@@ -12101,7 +12317,7 @@
             </a:endParaRPr>
           </a:p>
           <a:p>
-            <a:pPr indent="-361950" lvl="2" marL="1371600" rtl="0" algn="l">
+            <a:pPr marL="1371600" lvl="2" indent="-361950" algn="l" rtl="0">
               <a:spcBef>
                 <a:spcPts val="0"/>
               </a:spcBef>
@@ -12138,7 +12354,7 @@
             </a:endParaRPr>
           </a:p>
           <a:p>
-            <a:pPr indent="-374650" lvl="1" marL="914400" rtl="0" algn="l">
+            <a:pPr marL="914400" lvl="1" indent="-374650" algn="l" rtl="0">
               <a:spcBef>
                 <a:spcPts val="0"/>
               </a:spcBef>
@@ -12175,7 +12391,7 @@
             </a:endParaRPr>
           </a:p>
           <a:p>
-            <a:pPr indent="-374650" lvl="1" marL="914400" rtl="0" algn="l">
+            <a:pPr marL="914400" lvl="1" indent="-374650" algn="l" rtl="0">
               <a:spcBef>
                 <a:spcPts val="0"/>
               </a:spcBef>
@@ -12212,7 +12428,7 @@
             </a:endParaRPr>
           </a:p>
           <a:p>
-            <a:pPr indent="-387350" lvl="0" marL="457200" rtl="0" algn="l">
+            <a:pPr marL="457200" lvl="0" indent="-387350" algn="l" rtl="0">
               <a:spcBef>
                 <a:spcPts val="0"/>
               </a:spcBef>
@@ -12224,7 +12440,7 @@
               <a:buChar char="❏"/>
             </a:pPr>
             <a:r>
-              <a:rPr b="1" lang="en" sz="2500">
+              <a:rPr lang="en" sz="2500" b="1">
                 <a:latin typeface="Overlock"/>
                 <a:ea typeface="Overlock"/>
                 <a:cs typeface="Overlock"/>
@@ -12232,7 +12448,7 @@
               </a:rPr>
               <a:t>Software</a:t>
             </a:r>
-            <a:endParaRPr b="1" sz="2500">
+            <a:endParaRPr sz="2500" b="1">
               <a:latin typeface="Overlock"/>
               <a:ea typeface="Overlock"/>
               <a:cs typeface="Overlock"/>
@@ -12240,7 +12456,7 @@
             </a:endParaRPr>
           </a:p>
           <a:p>
-            <a:pPr indent="-381000" lvl="1" marL="914400" rtl="0" algn="l">
+            <a:pPr marL="914400" lvl="1" indent="-381000" algn="l" rtl="0">
               <a:spcBef>
                 <a:spcPts val="0"/>
               </a:spcBef>
@@ -12287,11 +12503,11 @@
 </file>
 
 <file path=ppt/slides/slide5.xml><?xml version="1.0" encoding="utf-8"?>
-<p:sld xmlns:a="http://schemas.openxmlformats.org/drawingml/2006/main" xmlns:r="http://schemas.openxmlformats.org/officeDocument/2006/relationships" xmlns:mc="http://schemas.openxmlformats.org/markup-compatibility/2006" xmlns:mv="urn:schemas-microsoft-com:mac:vml" xmlns:p="http://schemas.openxmlformats.org/presentationml/2006/main" xmlns:c="http://schemas.openxmlformats.org/drawingml/2006/chart" xmlns:dgm="http://schemas.openxmlformats.org/drawingml/2006/diagram" xmlns:o="urn:schemas-microsoft-com:office:office" xmlns:v="urn:schemas-microsoft-com:vml" xmlns:pvml="urn:schemas-microsoft-com:office:powerpoint" xmlns:com="http://schemas.openxmlformats.org/drawingml/2006/compatibility" xmlns:p14="http://schemas.microsoft.com/office/powerpoint/2010/main" xmlns:p15="http://schemas.microsoft.com/office/powerpoint/2012/main">
+<p:sld xmlns:a="http://schemas.openxmlformats.org/drawingml/2006/main" xmlns:r="http://schemas.openxmlformats.org/officeDocument/2006/relationships" xmlns:p="http://schemas.openxmlformats.org/presentationml/2006/main">
   <p:cSld>
     <p:spTree>
       <p:nvGrpSpPr>
-        <p:cNvPr id="110" name="Shape 110"/>
+        <p:cNvPr id="1" name="Shape 110"/>
         <p:cNvGrpSpPr/>
         <p:nvPr/>
       </p:nvGrpSpPr>
@@ -12306,7 +12522,9 @@
       <p:sp>
         <p:nvSpPr>
           <p:cNvPr id="111" name="Google Shape;111;p17"/>
-          <p:cNvSpPr txBox="1"/>
+          <p:cNvSpPr txBox="1">
+            <a:spLocks noGrp="1"/>
+          </p:cNvSpPr>
           <p:nvPr>
             <p:ph type="title"/>
           </p:nvPr>
@@ -12321,12 +12539,12 @@
           </a:prstGeom>
         </p:spPr>
         <p:txBody>
-          <a:bodyPr anchorCtr="0" anchor="t" bIns="91425" lIns="91425" spcFirstLastPara="1" rIns="91425" wrap="square" tIns="91425">
+          <a:bodyPr spcFirstLastPara="1" wrap="square" lIns="91425" tIns="91425" rIns="91425" bIns="91425" anchor="t" anchorCtr="0">
             <a:noAutofit/>
           </a:bodyPr>
           <a:lstStyle/>
           <a:p>
-            <a:pPr indent="0" lvl="0" marL="0" rtl="0" algn="l">
+            <a:pPr marL="0" lvl="0" indent="0" algn="l" rtl="0">
               <a:spcBef>
                 <a:spcPts val="0"/>
               </a:spcBef>
@@ -12356,9 +12574,11 @@
       <p:sp>
         <p:nvSpPr>
           <p:cNvPr id="112" name="Google Shape;112;p17"/>
-          <p:cNvSpPr txBox="1"/>
+          <p:cNvSpPr txBox="1">
+            <a:spLocks noGrp="1"/>
+          </p:cNvSpPr>
           <p:nvPr>
-            <p:ph idx="1" type="body"/>
+            <p:ph type="body" idx="1"/>
           </p:nvPr>
         </p:nvSpPr>
         <p:spPr>
@@ -12371,12 +12591,12 @@
           </a:prstGeom>
         </p:spPr>
         <p:txBody>
-          <a:bodyPr anchorCtr="0" anchor="t" bIns="91425" lIns="91425" spcFirstLastPara="1" rIns="91425" wrap="square" tIns="91425">
+          <a:bodyPr spcFirstLastPara="1" wrap="square" lIns="91425" tIns="91425" rIns="91425" bIns="91425" anchor="t" anchorCtr="0">
             <a:noAutofit/>
           </a:bodyPr>
           <a:lstStyle/>
           <a:p>
-            <a:pPr indent="-330200" lvl="0" marL="457200" rtl="0" algn="l">
+            <a:pPr marL="457200" lvl="0" indent="-330200" algn="l" rtl="0">
               <a:lnSpc>
                 <a:spcPct val="100000"/>
               </a:lnSpc>
@@ -12396,7 +12616,7 @@
             <a:endParaRPr sz="1600"/>
           </a:p>
           <a:p>
-            <a:pPr indent="-330200" lvl="0" marL="457200" rtl="0" algn="l">
+            <a:pPr marL="457200" lvl="0" indent="-330200" algn="l" rtl="0">
               <a:lnSpc>
                 <a:spcPct val="100000"/>
               </a:lnSpc>
@@ -12411,28 +12631,12 @@
             </a:pPr>
             <a:r>
               <a:rPr lang="en" sz="1600"/>
-              <a:t>A restoring force acts up due to gravity whenever the pendulum is moved away from </a:t>
-            </a:r>
-            <a:r>
-              <a:rPr lang="en" sz="1600"/>
-              <a:t>its</a:t>
-            </a:r>
-            <a:r>
-              <a:rPr lang="en" sz="1600"/>
-              <a:t> equilibrium position, which </a:t>
-            </a:r>
-            <a:r>
-              <a:rPr lang="en" sz="1600"/>
-              <a:t>in fact</a:t>
-            </a:r>
-            <a:r>
-              <a:rPr lang="en" sz="1600"/>
-              <a:t> is responsible for the simple harmonic motion performed by the bob.</a:t>
+              <a:t>A restoring force acts up due to gravity whenever the pendulum is moved away from its equilibrium position, which in fact is responsible for the simple harmonic motion performed by the bob.</a:t>
             </a:r>
             <a:endParaRPr sz="1600"/>
           </a:p>
           <a:p>
-            <a:pPr indent="0" lvl="0" marL="0" rtl="0" algn="l">
+            <a:pPr marL="0" lvl="0" indent="0" algn="l" rtl="0">
               <a:lnSpc>
                 <a:spcPct val="100000"/>
               </a:lnSpc>
@@ -12451,7 +12655,7 @@
             <a:endParaRPr sz="1600"/>
           </a:p>
           <a:p>
-            <a:pPr indent="0" lvl="0" marL="0" rtl="0" algn="l">
+            <a:pPr marL="0" lvl="0" indent="0" algn="l" rtl="0">
               <a:lnSpc>
                 <a:spcPct val="100000"/>
               </a:lnSpc>
@@ -12463,13 +12667,10 @@
               </a:spcAft>
               <a:buNone/>
             </a:pPr>
-            <a:r>
-              <a:t/>
-            </a:r>
             <a:endParaRPr sz="1600"/>
           </a:p>
           <a:p>
-            <a:pPr indent="0" lvl="0" marL="0" rtl="0" algn="l">
+            <a:pPr marL="0" lvl="0" indent="0" algn="l" rtl="0">
               <a:lnSpc>
                 <a:spcPct val="100000"/>
               </a:lnSpc>
@@ -12502,30 +12703,30 @@
           </a:xfrm>
           <a:prstGeom prst="rightArrow">
             <a:avLst>
-              <a:gd fmla="val 50000" name="adj1"/>
-              <a:gd fmla="val 50000" name="adj2"/>
+              <a:gd name="adj1" fmla="val 50000"/>
+              <a:gd name="adj2" fmla="val 50000"/>
             </a:avLst>
           </a:prstGeom>
           <a:solidFill>
             <a:schemeClr val="lt2"/>
           </a:solidFill>
-          <a:ln cap="flat" cmpd="sng" w="9525">
+          <a:ln w="9525" cap="flat" cmpd="sng">
             <a:solidFill>
               <a:schemeClr val="dk2"/>
             </a:solidFill>
             <a:prstDash val="solid"/>
             <a:round/>
-            <a:headEnd len="sm" w="sm" type="none"/>
-            <a:tailEnd len="sm" w="sm" type="none"/>
+            <a:headEnd type="none" w="sm" len="sm"/>
+            <a:tailEnd type="none" w="sm" len="sm"/>
           </a:ln>
         </p:spPr>
         <p:txBody>
-          <a:bodyPr anchorCtr="0" anchor="ctr" bIns="91425" lIns="91425" spcFirstLastPara="1" rIns="91425" wrap="square" tIns="91425">
+          <a:bodyPr spcFirstLastPara="1" wrap="square" lIns="91425" tIns="91425" rIns="91425" bIns="91425" anchor="ctr" anchorCtr="0">
             <a:noAutofit/>
           </a:bodyPr>
           <a:lstStyle/>
           <a:p>
-            <a:pPr indent="0" lvl="0" marL="0" rtl="0" algn="l">
+            <a:pPr marL="0" lvl="0" indent="0" algn="l" rtl="0">
               <a:spcBef>
                 <a:spcPts val="0"/>
               </a:spcBef>
@@ -12534,16 +12735,13 @@
               </a:spcAft>
               <a:buNone/>
             </a:pPr>
-            <a:r>
-              <a:t/>
-            </a:r>
             <a:endParaRPr/>
           </a:p>
         </p:txBody>
       </p:sp>
       <p:pic>
         <p:nvPicPr>
-          <p:cNvPr descr="T = 2π \sqrt{\frac{l}{g}}" id="114" name="Google Shape;114;p17" title="MathEquation,#322a2a"/>
+          <p:cNvPr id="114" name="Google Shape;114;p17" descr="T = 2π \sqrt{\frac{l}{g}}" title="MathEquation,#322a2a"/>
           <p:cNvPicPr preferRelativeResize="0"/>
           <p:nvPr/>
         </p:nvPicPr>
@@ -12592,14 +12790,14 @@
             <a:avLst/>
           </a:prstGeom>
           <a:noFill/>
-          <a:ln cap="flat" cmpd="sng" w="38100">
+          <a:ln w="38100" cap="flat" cmpd="sng">
             <a:solidFill>
               <a:schemeClr val="accent1"/>
             </a:solidFill>
             <a:prstDash val="solid"/>
             <a:round/>
-            <a:headEnd len="sm" w="sm" type="none"/>
-            <a:tailEnd len="sm" w="sm" type="none"/>
+            <a:headEnd type="none" w="sm" len="sm"/>
+            <a:tailEnd type="none" w="sm" len="sm"/>
           </a:ln>
         </p:spPr>
       </p:pic>
@@ -12612,11 +12810,11 @@
 </file>
 
 <file path=ppt/slides/slide6.xml><?xml version="1.0" encoding="utf-8"?>
-<p:sld xmlns:a="http://schemas.openxmlformats.org/drawingml/2006/main" xmlns:r="http://schemas.openxmlformats.org/officeDocument/2006/relationships" xmlns:mc="http://schemas.openxmlformats.org/markup-compatibility/2006" xmlns:mv="urn:schemas-microsoft-com:mac:vml" xmlns:p="http://schemas.openxmlformats.org/presentationml/2006/main" xmlns:c="http://schemas.openxmlformats.org/drawingml/2006/chart" xmlns:dgm="http://schemas.openxmlformats.org/drawingml/2006/diagram" xmlns:o="urn:schemas-microsoft-com:office:office" xmlns:v="urn:schemas-microsoft-com:vml" xmlns:pvml="urn:schemas-microsoft-com:office:powerpoint" xmlns:com="http://schemas.openxmlformats.org/drawingml/2006/compatibility" xmlns:p14="http://schemas.microsoft.com/office/powerpoint/2010/main" xmlns:p15="http://schemas.microsoft.com/office/powerpoint/2012/main">
+<p:sld xmlns:a="http://schemas.openxmlformats.org/drawingml/2006/main" xmlns:r="http://schemas.openxmlformats.org/officeDocument/2006/relationships" xmlns:p="http://schemas.openxmlformats.org/presentationml/2006/main">
   <p:cSld>
     <p:spTree>
       <p:nvGrpSpPr>
-        <p:cNvPr id="119" name="Shape 119"/>
+        <p:cNvPr id="1" name="Shape 119"/>
         <p:cNvGrpSpPr/>
         <p:nvPr/>
       </p:nvGrpSpPr>
@@ -12631,7 +12829,9 @@
       <p:sp>
         <p:nvSpPr>
           <p:cNvPr id="120" name="Google Shape;120;p18"/>
-          <p:cNvSpPr txBox="1"/>
+          <p:cNvSpPr txBox="1">
+            <a:spLocks noGrp="1"/>
+          </p:cNvSpPr>
           <p:nvPr>
             <p:ph type="title"/>
           </p:nvPr>
@@ -12646,12 +12846,12 @@
           </a:prstGeom>
         </p:spPr>
         <p:txBody>
-          <a:bodyPr anchorCtr="0" anchor="t" bIns="91425" lIns="91425" spcFirstLastPara="1" rIns="91425" wrap="square" tIns="91425">
+          <a:bodyPr spcFirstLastPara="1" wrap="square" lIns="91425" tIns="91425" rIns="91425" bIns="91425" anchor="t" anchorCtr="0">
             <a:noAutofit/>
           </a:bodyPr>
           <a:lstStyle/>
           <a:p>
-            <a:pPr indent="0" lvl="0" marL="0" rtl="0" algn="ctr">
+            <a:pPr marL="0" lvl="0" indent="0" algn="ctr" rtl="0">
               <a:spcBef>
                 <a:spcPts val="0"/>
               </a:spcBef>
@@ -12701,14 +12901,14 @@
             <a:avLst/>
           </a:prstGeom>
           <a:noFill/>
-          <a:ln cap="flat" cmpd="sng" w="38100">
+          <a:ln w="38100" cap="flat" cmpd="sng">
             <a:solidFill>
               <a:schemeClr val="accent1"/>
             </a:solidFill>
             <a:prstDash val="solid"/>
             <a:round/>
-            <a:headEnd len="sm" w="sm" type="none"/>
-            <a:tailEnd len="sm" w="sm" type="none"/>
+            <a:headEnd type="none" w="sm" len="sm"/>
+            <a:tailEnd type="none" w="sm" len="sm"/>
           </a:ln>
         </p:spPr>
       </p:pic>
@@ -12732,12 +12932,12 @@
           </a:ln>
         </p:spPr>
         <p:txBody>
-          <a:bodyPr anchorCtr="0" anchor="t" bIns="91425" lIns="91425" spcFirstLastPara="1" rIns="91425" wrap="square" tIns="91425">
+          <a:bodyPr spcFirstLastPara="1" wrap="square" lIns="91425" tIns="91425" rIns="91425" bIns="91425" anchor="t" anchorCtr="0">
             <a:noAutofit/>
           </a:bodyPr>
           <a:lstStyle/>
           <a:p>
-            <a:pPr indent="-330200" lvl="0" marL="457200" rtl="0" algn="l">
+            <a:pPr marL="457200" lvl="0" indent="-330200" algn="l" rtl="0">
               <a:lnSpc>
                 <a:spcPct val="100000"/>
               </a:lnSpc>
@@ -12777,7 +12977,7 @@
             </a:endParaRPr>
           </a:p>
           <a:p>
-            <a:pPr indent="-330200" lvl="0" marL="457200" rtl="0" algn="l">
+            <a:pPr marL="457200" lvl="0" indent="-330200" algn="l" rtl="0">
               <a:lnSpc>
                 <a:spcPct val="100000"/>
               </a:lnSpc>
@@ -12817,7 +13017,7 @@
             </a:endParaRPr>
           </a:p>
           <a:p>
-            <a:pPr indent="-330200" lvl="0" marL="457200" rtl="0" algn="l">
+            <a:pPr marL="457200" lvl="0" indent="-330200" algn="l" rtl="0">
               <a:lnSpc>
                 <a:spcPct val="100000"/>
               </a:lnSpc>
@@ -12857,7 +13057,7 @@
             </a:endParaRPr>
           </a:p>
           <a:p>
-            <a:pPr indent="-330200" lvl="0" marL="457200" rtl="0" algn="l">
+            <a:pPr marL="457200" lvl="0" indent="-330200" algn="l" rtl="0">
               <a:lnSpc>
                 <a:spcPct val="100000"/>
               </a:lnSpc>
@@ -12907,11 +13107,11 @@
 </file>
 
 <file path=ppt/slides/slide7.xml><?xml version="1.0" encoding="utf-8"?>
-<p:sld xmlns:a="http://schemas.openxmlformats.org/drawingml/2006/main" xmlns:r="http://schemas.openxmlformats.org/officeDocument/2006/relationships" xmlns:mc="http://schemas.openxmlformats.org/markup-compatibility/2006" xmlns:mv="urn:schemas-microsoft-com:mac:vml" xmlns:p="http://schemas.openxmlformats.org/presentationml/2006/main" xmlns:c="http://schemas.openxmlformats.org/drawingml/2006/chart" xmlns:dgm="http://schemas.openxmlformats.org/drawingml/2006/diagram" xmlns:o="urn:schemas-microsoft-com:office:office" xmlns:v="urn:schemas-microsoft-com:vml" xmlns:pvml="urn:schemas-microsoft-com:office:powerpoint" xmlns:com="http://schemas.openxmlformats.org/drawingml/2006/compatibility" xmlns:p14="http://schemas.microsoft.com/office/powerpoint/2010/main" xmlns:p15="http://schemas.microsoft.com/office/powerpoint/2012/main">
+<p:sld xmlns:a="http://schemas.openxmlformats.org/drawingml/2006/main" xmlns:r="http://schemas.openxmlformats.org/officeDocument/2006/relationships" xmlns:p="http://schemas.openxmlformats.org/presentationml/2006/main">
   <p:cSld>
     <p:spTree>
       <p:nvGrpSpPr>
-        <p:cNvPr id="126" name="Shape 126"/>
+        <p:cNvPr id="1" name="Shape 126"/>
         <p:cNvGrpSpPr/>
         <p:nvPr/>
       </p:nvGrpSpPr>
@@ -12926,7 +13126,9 @@
       <p:sp>
         <p:nvSpPr>
           <p:cNvPr id="127" name="Google Shape;127;p19"/>
-          <p:cNvSpPr txBox="1"/>
+          <p:cNvSpPr txBox="1">
+            <a:spLocks noGrp="1"/>
+          </p:cNvSpPr>
           <p:nvPr>
             <p:ph type="title"/>
           </p:nvPr>
@@ -12941,12 +13143,12 @@
           </a:prstGeom>
         </p:spPr>
         <p:txBody>
-          <a:bodyPr anchorCtr="0" anchor="t" bIns="91425" lIns="91425" spcFirstLastPara="1" rIns="91425" wrap="square" tIns="91425">
+          <a:bodyPr spcFirstLastPara="1" wrap="square" lIns="91425" tIns="91425" rIns="91425" bIns="91425" anchor="t" anchorCtr="0">
             <a:noAutofit/>
           </a:bodyPr>
           <a:lstStyle/>
           <a:p>
-            <a:pPr indent="0" lvl="0" marL="0" rtl="0" algn="ctr">
+            <a:pPr marL="0" lvl="0" indent="0" algn="ctr" rtl="0">
               <a:spcBef>
                 <a:spcPts val="0"/>
               </a:spcBef>
@@ -12996,14 +13198,14 @@
             <a:avLst/>
           </a:prstGeom>
           <a:noFill/>
-          <a:ln cap="flat" cmpd="sng" w="38100">
+          <a:ln w="38100" cap="flat" cmpd="sng">
             <a:solidFill>
               <a:schemeClr val="accent1"/>
             </a:solidFill>
             <a:prstDash val="solid"/>
             <a:round/>
-            <a:headEnd len="sm" w="sm" type="none"/>
-            <a:tailEnd len="sm" w="sm" type="none"/>
+            <a:headEnd type="none" w="sm" len="sm"/>
+            <a:tailEnd type="none" w="sm" len="sm"/>
           </a:ln>
         </p:spPr>
       </p:pic>
@@ -13027,12 +13229,12 @@
           </a:ln>
         </p:spPr>
         <p:txBody>
-          <a:bodyPr anchorCtr="0" anchor="t" bIns="91425" lIns="91425" spcFirstLastPara="1" rIns="91425" wrap="square" tIns="91425">
+          <a:bodyPr spcFirstLastPara="1" wrap="square" lIns="91425" tIns="91425" rIns="91425" bIns="91425" anchor="t" anchorCtr="0">
             <a:noAutofit/>
           </a:bodyPr>
           <a:lstStyle/>
           <a:p>
-            <a:pPr indent="-330200" lvl="0" marL="457200" rtl="0" algn="l">
+            <a:pPr marL="457200" lvl="0" indent="-330200" algn="l" rtl="0">
               <a:lnSpc>
                 <a:spcPct val="100000"/>
               </a:lnSpc>
@@ -13072,7 +13274,7 @@
             </a:endParaRPr>
           </a:p>
           <a:p>
-            <a:pPr indent="-330200" lvl="0" marL="457200" rtl="0" algn="l">
+            <a:pPr marL="457200" lvl="0" indent="-330200" algn="l" rtl="0">
               <a:lnSpc>
                 <a:spcPct val="100000"/>
               </a:lnSpc>
@@ -13112,7 +13314,7 @@
             </a:endParaRPr>
           </a:p>
           <a:p>
-            <a:pPr indent="-330200" lvl="0" marL="457200" rtl="0" algn="l">
+            <a:pPr marL="457200" lvl="0" indent="-330200" algn="l" rtl="0">
               <a:lnSpc>
                 <a:spcPct val="100000"/>
               </a:lnSpc>
@@ -13152,7 +13354,7 @@
             </a:endParaRPr>
           </a:p>
           <a:p>
-            <a:pPr indent="-330200" lvl="0" marL="457200" rtl="0" algn="l">
+            <a:pPr marL="457200" lvl="0" indent="-330200" algn="l" rtl="0">
               <a:lnSpc>
                 <a:spcPct val="100000"/>
               </a:lnSpc>
@@ -13202,11 +13404,11 @@
 </file>
 
 <file path=ppt/slides/slide8.xml><?xml version="1.0" encoding="utf-8"?>
-<p:sld xmlns:a="http://schemas.openxmlformats.org/drawingml/2006/main" xmlns:r="http://schemas.openxmlformats.org/officeDocument/2006/relationships" xmlns:mc="http://schemas.openxmlformats.org/markup-compatibility/2006" xmlns:mv="urn:schemas-microsoft-com:mac:vml" xmlns:p="http://schemas.openxmlformats.org/presentationml/2006/main" xmlns:c="http://schemas.openxmlformats.org/drawingml/2006/chart" xmlns:dgm="http://schemas.openxmlformats.org/drawingml/2006/diagram" xmlns:o="urn:schemas-microsoft-com:office:office" xmlns:v="urn:schemas-microsoft-com:vml" xmlns:pvml="urn:schemas-microsoft-com:office:powerpoint" xmlns:com="http://schemas.openxmlformats.org/drawingml/2006/compatibility" xmlns:p14="http://schemas.microsoft.com/office/powerpoint/2010/main" xmlns:p15="http://schemas.microsoft.com/office/powerpoint/2012/main">
+<p:sld xmlns:a="http://schemas.openxmlformats.org/drawingml/2006/main" xmlns:r="http://schemas.openxmlformats.org/officeDocument/2006/relationships" xmlns:p="http://schemas.openxmlformats.org/presentationml/2006/main">
   <p:cSld>
     <p:spTree>
       <p:nvGrpSpPr>
-        <p:cNvPr id="133" name="Shape 133"/>
+        <p:cNvPr id="1" name="Shape 133"/>
         <p:cNvGrpSpPr/>
         <p:nvPr/>
       </p:nvGrpSpPr>
@@ -13221,7 +13423,9 @@
       <p:sp>
         <p:nvSpPr>
           <p:cNvPr id="134" name="Google Shape;134;p20"/>
-          <p:cNvSpPr txBox="1"/>
+          <p:cNvSpPr txBox="1">
+            <a:spLocks noGrp="1"/>
+          </p:cNvSpPr>
           <p:nvPr>
             <p:ph type="title"/>
           </p:nvPr>
@@ -13236,12 +13440,12 @@
           </a:prstGeom>
         </p:spPr>
         <p:txBody>
-          <a:bodyPr anchorCtr="0" anchor="t" bIns="91425" lIns="91425" spcFirstLastPara="1" rIns="91425" wrap="square" tIns="91425">
+          <a:bodyPr spcFirstLastPara="1" wrap="square" lIns="91425" tIns="91425" rIns="91425" bIns="91425" anchor="t" anchorCtr="0">
             <a:noAutofit/>
           </a:bodyPr>
           <a:lstStyle/>
           <a:p>
-            <a:pPr indent="0" lvl="0" marL="0" rtl="0" algn="ctr">
+            <a:pPr marL="0" lvl="0" indent="0" algn="ctr" rtl="0">
               <a:spcBef>
                 <a:spcPts val="0"/>
               </a:spcBef>
@@ -13271,9 +13475,11 @@
       <p:sp>
         <p:nvSpPr>
           <p:cNvPr id="135" name="Google Shape;135;p20"/>
-          <p:cNvSpPr txBox="1"/>
+          <p:cNvSpPr txBox="1">
+            <a:spLocks noGrp="1"/>
+          </p:cNvSpPr>
           <p:nvPr>
-            <p:ph idx="1" type="body"/>
+            <p:ph type="body" idx="1"/>
           </p:nvPr>
         </p:nvSpPr>
         <p:spPr>
@@ -13286,12 +13492,12 @@
           </a:prstGeom>
         </p:spPr>
         <p:txBody>
-          <a:bodyPr anchorCtr="0" anchor="t" bIns="91425" lIns="91425" spcFirstLastPara="1" rIns="91425" wrap="square" tIns="91425">
+          <a:bodyPr spcFirstLastPara="1" wrap="square" lIns="91425" tIns="91425" rIns="91425" bIns="91425" anchor="t" anchorCtr="0">
             <a:noAutofit/>
           </a:bodyPr>
           <a:lstStyle/>
           <a:p>
-            <a:pPr indent="-330200" lvl="0" marL="457200" rtl="0" algn="l">
+            <a:pPr marL="457200" lvl="0" indent="-330200" algn="l" rtl="0">
               <a:spcBef>
                 <a:spcPts val="0"/>
               </a:spcBef>
@@ -13308,7 +13514,7 @@
             <a:endParaRPr sz="1600"/>
           </a:p>
           <a:p>
-            <a:pPr indent="-330200" lvl="0" marL="457200" rtl="0" algn="l">
+            <a:pPr marL="457200" lvl="0" indent="-330200" algn="l" rtl="0">
               <a:spcBef>
                 <a:spcPts val="1600"/>
               </a:spcBef>
@@ -13325,7 +13531,7 @@
             <a:endParaRPr sz="1600"/>
           </a:p>
           <a:p>
-            <a:pPr indent="-330200" lvl="0" marL="457200" rtl="0" algn="l">
+            <a:pPr marL="457200" lvl="0" indent="-330200" algn="l" rtl="0">
               <a:spcBef>
                 <a:spcPts val="1000"/>
               </a:spcBef>
@@ -13342,7 +13548,7 @@
             <a:endParaRPr sz="1600"/>
           </a:p>
           <a:p>
-            <a:pPr indent="-330200" lvl="0" marL="457200" rtl="0" algn="l">
+            <a:pPr marL="457200" lvl="0" indent="-330200" algn="l" rtl="0">
               <a:spcBef>
                 <a:spcPts val="1000"/>
               </a:spcBef>
@@ -13383,14 +13589,14 @@
             <a:avLst/>
           </a:prstGeom>
           <a:noFill/>
-          <a:ln cap="flat" cmpd="sng" w="38100">
+          <a:ln w="38100" cap="flat" cmpd="sng">
             <a:solidFill>
               <a:schemeClr val="accent1"/>
             </a:solidFill>
             <a:prstDash val="solid"/>
             <a:round/>
-            <a:headEnd len="sm" w="sm" type="none"/>
-            <a:tailEnd len="sm" w="sm" type="none"/>
+            <a:headEnd type="none" w="sm" len="sm"/>
+            <a:tailEnd type="none" w="sm" len="sm"/>
           </a:ln>
         </p:spPr>
       </p:pic>
@@ -13403,11 +13609,11 @@
 </file>
 
 <file path=ppt/slides/slide9.xml><?xml version="1.0" encoding="utf-8"?>
-<p:sld xmlns:a="http://schemas.openxmlformats.org/drawingml/2006/main" xmlns:r="http://schemas.openxmlformats.org/officeDocument/2006/relationships" xmlns:mc="http://schemas.openxmlformats.org/markup-compatibility/2006" xmlns:mv="urn:schemas-microsoft-com:mac:vml" xmlns:p="http://schemas.openxmlformats.org/presentationml/2006/main" xmlns:c="http://schemas.openxmlformats.org/drawingml/2006/chart" xmlns:dgm="http://schemas.openxmlformats.org/drawingml/2006/diagram" xmlns:o="urn:schemas-microsoft-com:office:office" xmlns:v="urn:schemas-microsoft-com:vml" xmlns:pvml="urn:schemas-microsoft-com:office:powerpoint" xmlns:com="http://schemas.openxmlformats.org/drawingml/2006/compatibility" xmlns:p14="http://schemas.microsoft.com/office/powerpoint/2010/main" xmlns:p15="http://schemas.microsoft.com/office/powerpoint/2012/main">
+<p:sld xmlns:a="http://schemas.openxmlformats.org/drawingml/2006/main" xmlns:r="http://schemas.openxmlformats.org/officeDocument/2006/relationships" xmlns:p="http://schemas.openxmlformats.org/presentationml/2006/main">
   <p:cSld>
     <p:spTree>
       <p:nvGrpSpPr>
-        <p:cNvPr id="140" name="Shape 140"/>
+        <p:cNvPr id="1" name="Shape 140"/>
         <p:cNvGrpSpPr/>
         <p:nvPr/>
       </p:nvGrpSpPr>
@@ -13422,7 +13628,9 @@
       <p:sp>
         <p:nvSpPr>
           <p:cNvPr id="141" name="Google Shape;141;p21"/>
-          <p:cNvSpPr txBox="1"/>
+          <p:cNvSpPr txBox="1">
+            <a:spLocks noGrp="1"/>
+          </p:cNvSpPr>
           <p:nvPr>
             <p:ph type="title"/>
           </p:nvPr>
@@ -13437,12 +13645,12 @@
           </a:prstGeom>
         </p:spPr>
         <p:txBody>
-          <a:bodyPr anchorCtr="0" anchor="t" bIns="91425" lIns="91425" spcFirstLastPara="1" rIns="91425" wrap="square" tIns="91425">
+          <a:bodyPr spcFirstLastPara="1" wrap="square" lIns="91425" tIns="91425" rIns="91425" bIns="91425" anchor="t" anchorCtr="0">
             <a:noAutofit/>
           </a:bodyPr>
           <a:lstStyle/>
           <a:p>
-            <a:pPr indent="0" lvl="0" marL="0" rtl="0" algn="ctr">
+            <a:pPr marL="0" lvl="0" indent="0" algn="ctr" rtl="0">
               <a:spcBef>
                 <a:spcPts val="0"/>
               </a:spcBef>
@@ -13489,12 +13697,12 @@
           </a:ln>
         </p:spPr>
         <p:txBody>
-          <a:bodyPr anchorCtr="0" anchor="t" bIns="91425" lIns="91425" spcFirstLastPara="1" rIns="91425" wrap="square" tIns="91425">
+          <a:bodyPr spcFirstLastPara="1" wrap="square" lIns="91425" tIns="91425" rIns="91425" bIns="91425" anchor="t" anchorCtr="0">
             <a:noAutofit/>
           </a:bodyPr>
           <a:lstStyle/>
           <a:p>
-            <a:pPr indent="-330200" lvl="0" marL="457200" rtl="0" algn="l">
+            <a:pPr marL="457200" lvl="0" indent="-330200" algn="l" rtl="0">
               <a:lnSpc>
                 <a:spcPct val="100000"/>
               </a:lnSpc>
@@ -13534,7 +13742,7 @@
             </a:endParaRPr>
           </a:p>
           <a:p>
-            <a:pPr indent="-330200" lvl="0" marL="457200" rtl="0" algn="l">
+            <a:pPr marL="457200" lvl="0" indent="-330200" algn="l" rtl="0">
               <a:lnSpc>
                 <a:spcPct val="100000"/>
               </a:lnSpc>
@@ -13574,7 +13782,7 @@
             </a:endParaRPr>
           </a:p>
           <a:p>
-            <a:pPr indent="-330200" lvl="0" marL="457200" rtl="0" algn="l">
+            <a:pPr marL="457200" lvl="0" indent="-330200" algn="l" rtl="0">
               <a:lnSpc>
                 <a:spcPct val="100000"/>
               </a:lnSpc>
@@ -13614,7 +13822,7 @@
             </a:endParaRPr>
           </a:p>
           <a:p>
-            <a:pPr indent="-330200" lvl="0" marL="457200" rtl="0" algn="l">
+            <a:pPr marL="457200" lvl="0" indent="-330200" algn="l" rtl="0">
               <a:lnSpc>
                 <a:spcPct val="100000"/>
               </a:lnSpc>
@@ -13654,7 +13862,7 @@
             </a:endParaRPr>
           </a:p>
           <a:p>
-            <a:pPr indent="-330200" lvl="0" marL="457200" rtl="0" algn="l">
+            <a:pPr marL="457200" lvl="0" indent="-330200" algn="l" rtl="0">
               <a:lnSpc>
                 <a:spcPct val="100000"/>
               </a:lnSpc>
@@ -13718,14 +13926,14 @@
             <a:avLst/>
           </a:prstGeom>
           <a:noFill/>
-          <a:ln cap="flat" cmpd="sng" w="28575">
+          <a:ln w="28575" cap="flat" cmpd="sng">
             <a:solidFill>
               <a:schemeClr val="accent1"/>
             </a:solidFill>
             <a:prstDash val="solid"/>
             <a:round/>
-            <a:headEnd len="sm" w="sm" type="none"/>
-            <a:tailEnd len="sm" w="sm" type="none"/>
+            <a:headEnd type="none" w="sm" len="sm"/>
+            <a:tailEnd type="none" w="sm" len="sm"/>
           </a:ln>
         </p:spPr>
       </p:pic>
@@ -13738,7 +13946,288 @@
 </file>
 
 <file path=ppt/theme/theme1.xml><?xml version="1.0" encoding="utf-8"?>
-<a:theme xmlns:a="http://schemas.openxmlformats.org/drawingml/2006/main" xmlns:r="http://schemas.openxmlformats.org/officeDocument/2006/relationships">
+<a:theme xmlns:a="http://schemas.openxmlformats.org/drawingml/2006/main" name="Geometric">
+  <a:themeElements>
+    <a:clrScheme name="Geometric">
+      <a:dk1>
+        <a:srgbClr val="2A3990"/>
+      </a:dk1>
+      <a:lt1>
+        <a:srgbClr val="FFFFFF"/>
+      </a:lt1>
+      <a:dk2>
+        <a:srgbClr val="434343"/>
+      </a:dk2>
+      <a:lt2>
+        <a:srgbClr val="999999"/>
+      </a:lt2>
+      <a:accent1>
+        <a:srgbClr val="212D74"/>
+      </a:accent1>
+      <a:accent2>
+        <a:srgbClr val="3949AB"/>
+      </a:accent2>
+      <a:accent3>
+        <a:srgbClr val="9C254D"/>
+      </a:accent3>
+      <a:accent4>
+        <a:srgbClr val="D23369"/>
+      </a:accent4>
+      <a:accent5>
+        <a:srgbClr val="F06292"/>
+      </a:accent5>
+      <a:accent6>
+        <a:srgbClr val="7890CD"/>
+      </a:accent6>
+      <a:hlink>
+        <a:srgbClr val="F06292"/>
+      </a:hlink>
+      <a:folHlink>
+        <a:srgbClr val="F06292"/>
+      </a:folHlink>
+    </a:clrScheme>
+    <a:fontScheme name="Office">
+      <a:majorFont>
+        <a:latin typeface="Arial"/>
+        <a:ea typeface=""/>
+        <a:cs typeface=""/>
+        <a:font script="Jpan" typeface="ＭＳ Ｐゴシック"/>
+        <a:font script="Hang" typeface="맑은 고딕"/>
+        <a:font script="Hans" typeface="宋体"/>
+        <a:font script="Hant" typeface="新細明體"/>
+        <a:font script="Arab" typeface="Times New Roman"/>
+        <a:font script="Hebr" typeface="Times New Roman"/>
+        <a:font script="Thai" typeface="Angsana New"/>
+        <a:font script="Ethi" typeface="Nyala"/>
+        <a:font script="Beng" typeface="Vrinda"/>
+        <a:font script="Gujr" typeface="Shruti"/>
+        <a:font script="Khmr" typeface="MoolBoran"/>
+        <a:font script="Knda" typeface="Tunga"/>
+        <a:font script="Guru" typeface="Raavi"/>
+        <a:font script="Cans" typeface="Euphemia"/>
+        <a:font script="Cher" typeface="Plantagenet Cherokee"/>
+        <a:font script="Yiii" typeface="Microsoft Yi Baiti"/>
+        <a:font script="Tibt" typeface="Microsoft Himalaya"/>
+        <a:font script="Thaa" typeface="MV Boli"/>
+        <a:font script="Deva" typeface="Mangal"/>
+        <a:font script="Telu" typeface="Gautami"/>
+        <a:font script="Taml" typeface="Latha"/>
+        <a:font script="Syrc" typeface="Estrangelo Edessa"/>
+        <a:font script="Orya" typeface="Kalinga"/>
+        <a:font script="Mlym" typeface="Kartika"/>
+        <a:font script="Laoo" typeface="DokChampa"/>
+        <a:font script="Sinh" typeface="Iskoola Pota"/>
+        <a:font script="Mong" typeface="Mongolian Baiti"/>
+        <a:font script="Viet" typeface="Times New Roman"/>
+        <a:font script="Uigh" typeface="Microsoft Uighur"/>
+        <a:font script="Geor" typeface="Sylfaen"/>
+      </a:majorFont>
+      <a:minorFont>
+        <a:latin typeface="Arial"/>
+        <a:ea typeface=""/>
+        <a:cs typeface=""/>
+        <a:font script="Jpan" typeface="ＭＳ Ｐゴシック"/>
+        <a:font script="Hang" typeface="맑은 고딕"/>
+        <a:font script="Hans" typeface="宋体"/>
+        <a:font script="Hant" typeface="新細明體"/>
+        <a:font script="Arab" typeface="Arial"/>
+        <a:font script="Hebr" typeface="Arial"/>
+        <a:font script="Thai" typeface="Cordia New"/>
+        <a:font script="Ethi" typeface="Nyala"/>
+        <a:font script="Beng" typeface="Vrinda"/>
+        <a:font script="Gujr" typeface="Shruti"/>
+        <a:font script="Khmr" typeface="DaunPenh"/>
+        <a:font script="Knda" typeface="Tunga"/>
+        <a:font script="Guru" typeface="Raavi"/>
+        <a:font script="Cans" typeface="Euphemia"/>
+        <a:font script="Cher" typeface="Plantagenet Cherokee"/>
+        <a:font script="Yiii" typeface="Microsoft Yi Baiti"/>
+        <a:font script="Tibt" typeface="Microsoft Himalaya"/>
+        <a:font script="Thaa" typeface="MV Boli"/>
+        <a:font script="Deva" typeface="Mangal"/>
+        <a:font script="Telu" typeface="Gautami"/>
+        <a:font script="Taml" typeface="Latha"/>
+        <a:font script="Syrc" typeface="Estrangelo Edessa"/>
+        <a:font script="Orya" typeface="Kalinga"/>
+        <a:font script="Mlym" typeface="Kartika"/>
+        <a:font script="Laoo" typeface="DokChampa"/>
+        <a:font script="Sinh" typeface="Iskoola Pota"/>
+        <a:font script="Mong" typeface="Mongolian Baiti"/>
+        <a:font script="Viet" typeface="Arial"/>
+        <a:font script="Uigh" typeface="Microsoft Uighur"/>
+        <a:font script="Geor" typeface="Sylfaen"/>
+      </a:minorFont>
+    </a:fontScheme>
+    <a:fmtScheme name="Office">
+      <a:fillStyleLst>
+        <a:solidFill>
+          <a:schemeClr val="phClr"/>
+        </a:solidFill>
+        <a:gradFill rotWithShape="1">
+          <a:gsLst>
+            <a:gs pos="0">
+              <a:schemeClr val="phClr">
+                <a:tint val="50000"/>
+                <a:satMod val="300000"/>
+              </a:schemeClr>
+            </a:gs>
+            <a:gs pos="35000">
+              <a:schemeClr val="phClr">
+                <a:tint val="37000"/>
+                <a:satMod val="300000"/>
+              </a:schemeClr>
+            </a:gs>
+            <a:gs pos="100000">
+              <a:schemeClr val="phClr">
+                <a:tint val="15000"/>
+                <a:satMod val="350000"/>
+              </a:schemeClr>
+            </a:gs>
+          </a:gsLst>
+          <a:lin ang="16200000" scaled="1"/>
+        </a:gradFill>
+        <a:gradFill rotWithShape="1">
+          <a:gsLst>
+            <a:gs pos="0">
+              <a:schemeClr val="phClr">
+                <a:tint val="100000"/>
+                <a:shade val="100000"/>
+                <a:satMod val="130000"/>
+              </a:schemeClr>
+            </a:gs>
+            <a:gs pos="100000">
+              <a:schemeClr val="phClr">
+                <a:tint val="50000"/>
+                <a:shade val="100000"/>
+                <a:satMod val="350000"/>
+              </a:schemeClr>
+            </a:gs>
+          </a:gsLst>
+          <a:lin ang="16200000" scaled="0"/>
+        </a:gradFill>
+      </a:fillStyleLst>
+      <a:lnStyleLst>
+        <a:ln w="9525" cap="flat" cmpd="sng" algn="ctr">
+          <a:solidFill>
+            <a:schemeClr val="phClr">
+              <a:shade val="95000"/>
+              <a:satMod val="105000"/>
+            </a:schemeClr>
+          </a:solidFill>
+          <a:prstDash val="solid"/>
+        </a:ln>
+        <a:ln w="25400" cap="flat" cmpd="sng" algn="ctr">
+          <a:solidFill>
+            <a:schemeClr val="phClr"/>
+          </a:solidFill>
+          <a:prstDash val="solid"/>
+        </a:ln>
+        <a:ln w="38100" cap="flat" cmpd="sng" algn="ctr">
+          <a:solidFill>
+            <a:schemeClr val="phClr"/>
+          </a:solidFill>
+          <a:prstDash val="solid"/>
+        </a:ln>
+      </a:lnStyleLst>
+      <a:effectStyleLst>
+        <a:effectStyle>
+          <a:effectLst>
+            <a:outerShdw blurRad="40000" dist="20000" dir="5400000" rotWithShape="0">
+              <a:srgbClr val="000000">
+                <a:alpha val="38000"/>
+              </a:srgbClr>
+            </a:outerShdw>
+          </a:effectLst>
+        </a:effectStyle>
+        <a:effectStyle>
+          <a:effectLst>
+            <a:outerShdw blurRad="40000" dist="23000" dir="5400000" rotWithShape="0">
+              <a:srgbClr val="000000">
+                <a:alpha val="35000"/>
+              </a:srgbClr>
+            </a:outerShdw>
+          </a:effectLst>
+        </a:effectStyle>
+        <a:effectStyle>
+          <a:effectLst>
+            <a:outerShdw blurRad="40000" dist="23000" dir="5400000" rotWithShape="0">
+              <a:srgbClr val="000000">
+                <a:alpha val="35000"/>
+              </a:srgbClr>
+            </a:outerShdw>
+          </a:effectLst>
+          <a:scene3d>
+            <a:camera prst="orthographicFront">
+              <a:rot lat="0" lon="0" rev="0"/>
+            </a:camera>
+            <a:lightRig rig="threePt" dir="t">
+              <a:rot lat="0" lon="0" rev="1200000"/>
+            </a:lightRig>
+          </a:scene3d>
+          <a:sp3d>
+            <a:bevelT w="63500" h="25400"/>
+          </a:sp3d>
+        </a:effectStyle>
+      </a:effectStyleLst>
+      <a:bgFillStyleLst>
+        <a:solidFill>
+          <a:schemeClr val="phClr"/>
+        </a:solidFill>
+        <a:gradFill rotWithShape="1">
+          <a:gsLst>
+            <a:gs pos="0">
+              <a:schemeClr val="phClr">
+                <a:tint val="40000"/>
+                <a:satMod val="350000"/>
+              </a:schemeClr>
+            </a:gs>
+            <a:gs pos="40000">
+              <a:schemeClr val="phClr">
+                <a:tint val="45000"/>
+                <a:shade val="99000"/>
+                <a:satMod val="350000"/>
+              </a:schemeClr>
+            </a:gs>
+            <a:gs pos="100000">
+              <a:schemeClr val="phClr">
+                <a:shade val="20000"/>
+                <a:satMod val="255000"/>
+              </a:schemeClr>
+            </a:gs>
+          </a:gsLst>
+          <a:path path="circle">
+            <a:fillToRect l="50000" t="-80000" r="50000" b="180000"/>
+          </a:path>
+        </a:gradFill>
+        <a:gradFill rotWithShape="1">
+          <a:gsLst>
+            <a:gs pos="0">
+              <a:schemeClr val="phClr">
+                <a:tint val="80000"/>
+                <a:satMod val="300000"/>
+              </a:schemeClr>
+            </a:gs>
+            <a:gs pos="100000">
+              <a:schemeClr val="phClr">
+                <a:shade val="30000"/>
+                <a:satMod val="200000"/>
+              </a:schemeClr>
+            </a:gs>
+          </a:gsLst>
+          <a:path path="circle">
+            <a:fillToRect l="50000" t="50000" r="50000" b="50000"/>
+          </a:path>
+        </a:gradFill>
+      </a:bgFillStyleLst>
+    </a:fmtScheme>
+  </a:themeElements>
+  <a:objectDefaults/>
+  <a:extraClrSchemeLst/>
+</a:theme>
+</file>
+
+<file path=ppt/theme/theme2.xml><?xml version="1.0" encoding="utf-8"?>
+<a:theme xmlns:a="http://schemas.openxmlformats.org/drawingml/2006/main">
   <a:themeElements>
     <a:clrScheme name="Default">
       <a:dk1>
@@ -14013,284 +14502,7 @@
       </a:bgFillStyleLst>
     </a:fmtScheme>
   </a:themeElements>
-</a:theme>
-</file>
-
-<file path=ppt/theme/theme2.xml><?xml version="1.0" encoding="utf-8"?>
-<a:theme xmlns:a="http://schemas.openxmlformats.org/drawingml/2006/main" xmlns:r="http://schemas.openxmlformats.org/officeDocument/2006/relationships" name="Geometric">
-  <a:themeElements>
-    <a:clrScheme name="Geometric">
-      <a:dk1>
-        <a:srgbClr val="2A3990"/>
-      </a:dk1>
-      <a:lt1>
-        <a:srgbClr val="FFFFFF"/>
-      </a:lt1>
-      <a:dk2>
-        <a:srgbClr val="434343"/>
-      </a:dk2>
-      <a:lt2>
-        <a:srgbClr val="999999"/>
-      </a:lt2>
-      <a:accent1>
-        <a:srgbClr val="212D74"/>
-      </a:accent1>
-      <a:accent2>
-        <a:srgbClr val="3949AB"/>
-      </a:accent2>
-      <a:accent3>
-        <a:srgbClr val="9C254D"/>
-      </a:accent3>
-      <a:accent4>
-        <a:srgbClr val="D23369"/>
-      </a:accent4>
-      <a:accent5>
-        <a:srgbClr val="F06292"/>
-      </a:accent5>
-      <a:accent6>
-        <a:srgbClr val="7890CD"/>
-      </a:accent6>
-      <a:hlink>
-        <a:srgbClr val="F06292"/>
-      </a:hlink>
-      <a:folHlink>
-        <a:srgbClr val="F06292"/>
-      </a:folHlink>
-    </a:clrScheme>
-    <a:fontScheme name="Office">
-      <a:majorFont>
-        <a:latin typeface="Arial"/>
-        <a:ea typeface=""/>
-        <a:cs typeface=""/>
-        <a:font script="Jpan" typeface="ＭＳ Ｐゴシック"/>
-        <a:font script="Hang" typeface="맑은 고딕"/>
-        <a:font script="Hans" typeface="宋体"/>
-        <a:font script="Hant" typeface="新細明體"/>
-        <a:font script="Arab" typeface="Times New Roman"/>
-        <a:font script="Hebr" typeface="Times New Roman"/>
-        <a:font script="Thai" typeface="Angsana New"/>
-        <a:font script="Ethi" typeface="Nyala"/>
-        <a:font script="Beng" typeface="Vrinda"/>
-        <a:font script="Gujr" typeface="Shruti"/>
-        <a:font script="Khmr" typeface="MoolBoran"/>
-        <a:font script="Knda" typeface="Tunga"/>
-        <a:font script="Guru" typeface="Raavi"/>
-        <a:font script="Cans" typeface="Euphemia"/>
-        <a:font script="Cher" typeface="Plantagenet Cherokee"/>
-        <a:font script="Yiii" typeface="Microsoft Yi Baiti"/>
-        <a:font script="Tibt" typeface="Microsoft Himalaya"/>
-        <a:font script="Thaa" typeface="MV Boli"/>
-        <a:font script="Deva" typeface="Mangal"/>
-        <a:font script="Telu" typeface="Gautami"/>
-        <a:font script="Taml" typeface="Latha"/>
-        <a:font script="Syrc" typeface="Estrangelo Edessa"/>
-        <a:font script="Orya" typeface="Kalinga"/>
-        <a:font script="Mlym" typeface="Kartika"/>
-        <a:font script="Laoo" typeface="DokChampa"/>
-        <a:font script="Sinh" typeface="Iskoola Pota"/>
-        <a:font script="Mong" typeface="Mongolian Baiti"/>
-        <a:font script="Viet" typeface="Times New Roman"/>
-        <a:font script="Uigh" typeface="Microsoft Uighur"/>
-        <a:font script="Geor" typeface="Sylfaen"/>
-      </a:majorFont>
-      <a:minorFont>
-        <a:latin typeface="Arial"/>
-        <a:ea typeface=""/>
-        <a:cs typeface=""/>
-        <a:font script="Jpan" typeface="ＭＳ Ｐゴシック"/>
-        <a:font script="Hang" typeface="맑은 고딕"/>
-        <a:font script="Hans" typeface="宋体"/>
-        <a:font script="Hant" typeface="新細明體"/>
-        <a:font script="Arab" typeface="Arial"/>
-        <a:font script="Hebr" typeface="Arial"/>
-        <a:font script="Thai" typeface="Cordia New"/>
-        <a:font script="Ethi" typeface="Nyala"/>
-        <a:font script="Beng" typeface="Vrinda"/>
-        <a:font script="Gujr" typeface="Shruti"/>
-        <a:font script="Khmr" typeface="DaunPenh"/>
-        <a:font script="Knda" typeface="Tunga"/>
-        <a:font script="Guru" typeface="Raavi"/>
-        <a:font script="Cans" typeface="Euphemia"/>
-        <a:font script="Cher" typeface="Plantagenet Cherokee"/>
-        <a:font script="Yiii" typeface="Microsoft Yi Baiti"/>
-        <a:font script="Tibt" typeface="Microsoft Himalaya"/>
-        <a:font script="Thaa" typeface="MV Boli"/>
-        <a:font script="Deva" typeface="Mangal"/>
-        <a:font script="Telu" typeface="Gautami"/>
-        <a:font script="Taml" typeface="Latha"/>
-        <a:font script="Syrc" typeface="Estrangelo Edessa"/>
-        <a:font script="Orya" typeface="Kalinga"/>
-        <a:font script="Mlym" typeface="Kartika"/>
-        <a:font script="Laoo" typeface="DokChampa"/>
-        <a:font script="Sinh" typeface="Iskoola Pota"/>
-        <a:font script="Mong" typeface="Mongolian Baiti"/>
-        <a:font script="Viet" typeface="Arial"/>
-        <a:font script="Uigh" typeface="Microsoft Uighur"/>
-        <a:font script="Geor" typeface="Sylfaen"/>
-      </a:minorFont>
-    </a:fontScheme>
-    <a:fmtScheme name="Office">
-      <a:fillStyleLst>
-        <a:solidFill>
-          <a:schemeClr val="phClr"/>
-        </a:solidFill>
-        <a:gradFill rotWithShape="1">
-          <a:gsLst>
-            <a:gs pos="0">
-              <a:schemeClr val="phClr">
-                <a:tint val="50000"/>
-                <a:satMod val="300000"/>
-              </a:schemeClr>
-            </a:gs>
-            <a:gs pos="35000">
-              <a:schemeClr val="phClr">
-                <a:tint val="37000"/>
-                <a:satMod val="300000"/>
-              </a:schemeClr>
-            </a:gs>
-            <a:gs pos="100000">
-              <a:schemeClr val="phClr">
-                <a:tint val="15000"/>
-                <a:satMod val="350000"/>
-              </a:schemeClr>
-            </a:gs>
-          </a:gsLst>
-          <a:lin ang="16200000" scaled="1"/>
-        </a:gradFill>
-        <a:gradFill rotWithShape="1">
-          <a:gsLst>
-            <a:gs pos="0">
-              <a:schemeClr val="phClr">
-                <a:tint val="100000"/>
-                <a:shade val="100000"/>
-                <a:satMod val="130000"/>
-              </a:schemeClr>
-            </a:gs>
-            <a:gs pos="100000">
-              <a:schemeClr val="phClr">
-                <a:tint val="50000"/>
-                <a:shade val="100000"/>
-                <a:satMod val="350000"/>
-              </a:schemeClr>
-            </a:gs>
-          </a:gsLst>
-          <a:lin ang="16200000" scaled="0"/>
-        </a:gradFill>
-      </a:fillStyleLst>
-      <a:lnStyleLst>
-        <a:ln w="9525" cap="flat" cmpd="sng" algn="ctr">
-          <a:solidFill>
-            <a:schemeClr val="phClr">
-              <a:shade val="95000"/>
-              <a:satMod val="105000"/>
-            </a:schemeClr>
-          </a:solidFill>
-          <a:prstDash val="solid"/>
-        </a:ln>
-        <a:ln w="25400" cap="flat" cmpd="sng" algn="ctr">
-          <a:solidFill>
-            <a:schemeClr val="phClr"/>
-          </a:solidFill>
-          <a:prstDash val="solid"/>
-        </a:ln>
-        <a:ln w="38100" cap="flat" cmpd="sng" algn="ctr">
-          <a:solidFill>
-            <a:schemeClr val="phClr"/>
-          </a:solidFill>
-          <a:prstDash val="solid"/>
-        </a:ln>
-      </a:lnStyleLst>
-      <a:effectStyleLst>
-        <a:effectStyle>
-          <a:effectLst>
-            <a:outerShdw blurRad="40000" dist="20000" dir="5400000" rotWithShape="0">
-              <a:srgbClr val="000000">
-                <a:alpha val="38000"/>
-              </a:srgbClr>
-            </a:outerShdw>
-          </a:effectLst>
-        </a:effectStyle>
-        <a:effectStyle>
-          <a:effectLst>
-            <a:outerShdw blurRad="40000" dist="23000" dir="5400000" rotWithShape="0">
-              <a:srgbClr val="000000">
-                <a:alpha val="35000"/>
-              </a:srgbClr>
-            </a:outerShdw>
-          </a:effectLst>
-        </a:effectStyle>
-        <a:effectStyle>
-          <a:effectLst>
-            <a:outerShdw blurRad="40000" dist="23000" dir="5400000" rotWithShape="0">
-              <a:srgbClr val="000000">
-                <a:alpha val="35000"/>
-              </a:srgbClr>
-            </a:outerShdw>
-          </a:effectLst>
-          <a:scene3d>
-            <a:camera prst="orthographicFront">
-              <a:rot lat="0" lon="0" rev="0"/>
-            </a:camera>
-            <a:lightRig rig="threePt" dir="t">
-              <a:rot lat="0" lon="0" rev="1200000"/>
-            </a:lightRig>
-          </a:scene3d>
-          <a:sp3d>
-            <a:bevelT w="63500" h="25400"/>
-          </a:sp3d>
-        </a:effectStyle>
-      </a:effectStyleLst>
-      <a:bgFillStyleLst>
-        <a:solidFill>
-          <a:schemeClr val="phClr"/>
-        </a:solidFill>
-        <a:gradFill rotWithShape="1">
-          <a:gsLst>
-            <a:gs pos="0">
-              <a:schemeClr val="phClr">
-                <a:tint val="40000"/>
-                <a:satMod val="350000"/>
-              </a:schemeClr>
-            </a:gs>
-            <a:gs pos="40000">
-              <a:schemeClr val="phClr">
-                <a:tint val="45000"/>
-                <a:shade val="99000"/>
-                <a:satMod val="350000"/>
-              </a:schemeClr>
-            </a:gs>
-            <a:gs pos="100000">
-              <a:schemeClr val="phClr">
-                <a:shade val="20000"/>
-                <a:satMod val="255000"/>
-              </a:schemeClr>
-            </a:gs>
-          </a:gsLst>
-          <a:path path="circle">
-            <a:fillToRect l="50000" t="-80000" r="50000" b="180000"/>
-          </a:path>
-        </a:gradFill>
-        <a:gradFill rotWithShape="1">
-          <a:gsLst>
-            <a:gs pos="0">
-              <a:schemeClr val="phClr">
-                <a:tint val="80000"/>
-                <a:satMod val="300000"/>
-              </a:schemeClr>
-            </a:gs>
-            <a:gs pos="100000">
-              <a:schemeClr val="phClr">
-                <a:shade val="30000"/>
-                <a:satMod val="200000"/>
-              </a:schemeClr>
-            </a:gs>
-          </a:gsLst>
-          <a:path path="circle">
-            <a:fillToRect l="50000" t="50000" r="50000" b="50000"/>
-          </a:path>
-        </a:gradFill>
-      </a:bgFillStyleLst>
-    </a:fmtScheme>
-  </a:themeElements>
+  <a:objectDefaults/>
+  <a:extraClrSchemeLst/>
 </a:theme>
 </file>